--- a/ARmodel.pptx
+++ b/ARmodel.pptx
@@ -5,7 +5,7 @@
     <p:sldMasterId id="2147483696" r:id="rId1"/>
   </p:sldMasterIdLst>
   <p:notesMasterIdLst>
-    <p:notesMasterId r:id="rId16"/>
+    <p:notesMasterId r:id="rId17"/>
   </p:notesMasterIdLst>
   <p:sldIdLst>
     <p:sldId id="256" r:id="rId2"/>
@@ -18,10 +18,11 @@
     <p:sldId id="263" r:id="rId9"/>
     <p:sldId id="264" r:id="rId10"/>
     <p:sldId id="267" r:id="rId11"/>
-    <p:sldId id="265" r:id="rId12"/>
-    <p:sldId id="266" r:id="rId13"/>
-    <p:sldId id="268" r:id="rId14"/>
-    <p:sldId id="269" r:id="rId15"/>
+    <p:sldId id="270" r:id="rId12"/>
+    <p:sldId id="265" r:id="rId13"/>
+    <p:sldId id="266" r:id="rId14"/>
+    <p:sldId id="268" r:id="rId15"/>
+    <p:sldId id="269" r:id="rId16"/>
   </p:sldIdLst>
   <p:sldSz cx="12192000" cy="6858000"/>
   <p:notesSz cx="6858000" cy="9144000"/>
@@ -1432,7 +1433,7 @@
           <a:p>
             <a:fld id="{05913748-C3C3-497B-971B-D487EE6E04F6}" type="datetimeFigureOut">
               <a:rPr kumimoji="1" lang="ja-JP" altLang="en-US" smtClean="0"/>
-              <a:t>2022/10/1</a:t>
+              <a:t>2022/10/5</a:t>
             </a:fld>
             <a:endParaRPr kumimoji="1" lang="ja-JP" altLang="en-US"/>
           </a:p>
@@ -1943,59 +1944,24 @@
           <a:lstStyle/>
           <a:p>
             <a:r>
-              <a:rPr kumimoji="1" lang="en-US" altLang="ja-JP" dirty="0"/>
-              <a:t>SAR</a:t>
-            </a:r>
-            <a:r>
               <a:rPr kumimoji="1" lang="ja-JP" altLang="en-US" dirty="0"/>
-              <a:t>モデルの方が高い理由としては短期的影響である、</a:t>
-            </a:r>
-            <a:r>
-              <a:rPr kumimoji="1" lang="en-US" altLang="ja-JP" dirty="0"/>
-              <a:t>AR</a:t>
-            </a:r>
+              <a:t>上の図の緑の線は標準正規分布を表す線で、オレンジの線は実際のモデルでのホワイトノイズである。ホワイトノイズは無秩序に標準正規分布から取得されるデータであるのでオレンジの線が緑の線に</a:t>
+            </a:r>
+            <a:endParaRPr kumimoji="1" lang="en-US" altLang="ja-JP" dirty="0"/>
+          </a:p>
+          <a:p>
             <a:r>
               <a:rPr kumimoji="1" lang="ja-JP" altLang="en-US" dirty="0"/>
-              <a:t>モデルの次数を</a:t>
-            </a:r>
-            <a:r>
-              <a:rPr kumimoji="1" lang="en-US" altLang="ja-JP" dirty="0"/>
-              <a:t>1</a:t>
-            </a:r>
+              <a:t>近ければ近いほどいいモデルということになる。</a:t>
+            </a:r>
+            <a:endParaRPr kumimoji="1" lang="en-US" altLang="ja-JP" dirty="0"/>
+          </a:p>
+          <a:p>
             <a:r>
               <a:rPr kumimoji="1" lang="ja-JP" altLang="en-US" dirty="0"/>
-              <a:t>と設定しており、</a:t>
+              <a:t>下のグラフはホワイトノイズのコレログラムである。本来ホワイトノイズは無秩序である必要があるため前のデータとの相関はあってはだめなので自己相関が低ければ低いほどいいモデルということになる。</a:t>
             </a:r>
             <a:endParaRPr kumimoji="1" lang="en-US" altLang="ja-JP" dirty="0"/>
-          </a:p>
-          <a:p>
-            <a:r>
-              <a:rPr kumimoji="1" lang="en-US" altLang="ja-JP" dirty="0"/>
-              <a:t>AR</a:t>
-            </a:r>
-            <a:r>
-              <a:rPr kumimoji="1" lang="ja-JP" altLang="en-US" dirty="0"/>
-              <a:t>モデルは</a:t>
-            </a:r>
-            <a:r>
-              <a:rPr kumimoji="1" lang="en-US" altLang="ja-JP" dirty="0"/>
-              <a:t>10</a:t>
-            </a:r>
-            <a:r>
-              <a:rPr kumimoji="1" lang="ja-JP" altLang="en-US" dirty="0"/>
-              <a:t>で設定したためそこで精度に差が生まれたのではないかと考えている。</a:t>
-            </a:r>
-            <a:endParaRPr kumimoji="1" lang="en-US" altLang="ja-JP" dirty="0"/>
-          </a:p>
-          <a:p>
-            <a:r>
-              <a:rPr kumimoji="1" lang="ja-JP" altLang="en-US" dirty="0"/>
-              <a:t>またこの評価はテストデータによって行っている。</a:t>
-            </a:r>
-            <a:endParaRPr kumimoji="1" lang="en-US" altLang="ja-JP" dirty="0"/>
-          </a:p>
-          <a:p>
-            <a:endParaRPr kumimoji="1" lang="ja-JP" altLang="en-US" dirty="0"/>
           </a:p>
         </p:txBody>
       </p:sp>
@@ -2025,7 +1991,7 @@
     </p:spTree>
     <p:extLst>
       <p:ext uri="{BB962C8B-B14F-4D97-AF65-F5344CB8AC3E}">
-        <p14:creationId xmlns:p14="http://schemas.microsoft.com/office/powerpoint/2010/main" val="3758375425"/>
+        <p14:creationId xmlns:p14="http://schemas.microsoft.com/office/powerpoint/2010/main" val="692050670"/>
       </p:ext>
     </p:extLst>
   </p:cSld>
@@ -2081,22 +2047,76 @@
           <a:p>
             <a:r>
               <a:rPr kumimoji="1" lang="ja-JP" altLang="en-US" dirty="0"/>
-              <a:t>より短い期間で狭い領域での時系列データを分析する。</a:t>
+              <a:t>この評価はテストデータによって行っている。</a:t>
             </a:r>
             <a:endParaRPr kumimoji="1" lang="en-US" altLang="ja-JP" dirty="0"/>
           </a:p>
           <a:p>
             <a:r>
               <a:rPr kumimoji="1" lang="ja-JP" altLang="en-US" dirty="0"/>
-              <a:t>短い期間、狭い領域の方が需要があるため。</a:t>
+              <a:t>今回</a:t>
+            </a:r>
+            <a:r>
+              <a:rPr kumimoji="1" lang="en-US" altLang="ja-JP" dirty="0"/>
+              <a:t>SAR</a:t>
+            </a:r>
+            <a:r>
+              <a:rPr kumimoji="1" lang="ja-JP" altLang="en-US" dirty="0"/>
+              <a:t>モデルの方は</a:t>
+            </a:r>
+            <a:r>
+              <a:rPr kumimoji="1" lang="en-US" altLang="ja-JP" dirty="0"/>
+              <a:t>AIC</a:t>
+            </a:r>
+            <a:r>
+              <a:rPr kumimoji="1" lang="ja-JP" altLang="en-US" dirty="0"/>
+              <a:t>が最小のものを選んだが、テストデータでの評価はＡＲモデルの方が良いモデルになっている。</a:t>
             </a:r>
             <a:endParaRPr kumimoji="1" lang="en-US" altLang="ja-JP" dirty="0"/>
           </a:p>
           <a:p>
             <a:r>
               <a:rPr kumimoji="1" lang="ja-JP" altLang="en-US" dirty="0"/>
-              <a:t>短い期間、狭い領域だと小さなことでもデータに影響を与えるため予測が難しい。</a:t>
-            </a:r>
+              <a:t>ＳＡＲモデルで</a:t>
+            </a:r>
+            <a:r>
+              <a:rPr kumimoji="1" lang="en-US" altLang="ja-JP" dirty="0"/>
+              <a:t>AIC</a:t>
+            </a:r>
+            <a:r>
+              <a:rPr kumimoji="1" lang="ja-JP" altLang="en-US" dirty="0"/>
+              <a:t>が比較的低いものを選んだ時</a:t>
+            </a:r>
+            <a:r>
+              <a:rPr kumimoji="1" lang="en-US" altLang="ja-JP" dirty="0"/>
+              <a:t>AR</a:t>
+            </a:r>
+            <a:r>
+              <a:rPr kumimoji="1" lang="ja-JP" altLang="en-US" dirty="0"/>
+              <a:t>モデルより精度がいいものもあったため</a:t>
+            </a:r>
+            <a:r>
+              <a:rPr kumimoji="1" lang="en-US" altLang="ja-JP" dirty="0"/>
+              <a:t>AIC</a:t>
+            </a:r>
+            <a:r>
+              <a:rPr kumimoji="1" lang="ja-JP" altLang="en-US" dirty="0"/>
+              <a:t>が低いモデルが必ずしもいいモデルと</a:t>
+            </a:r>
+            <a:endParaRPr kumimoji="1" lang="en-US" altLang="ja-JP" dirty="0"/>
+          </a:p>
+          <a:p>
+            <a:r>
+              <a:rPr kumimoji="1" lang="ja-JP" altLang="en-US" dirty="0"/>
+              <a:t>限らないことが分かる。</a:t>
+            </a:r>
+            <a:endParaRPr kumimoji="1" lang="en-US" altLang="ja-JP" dirty="0"/>
+          </a:p>
+          <a:p>
+            <a:endParaRPr kumimoji="1" lang="en-US" altLang="ja-JP" dirty="0"/>
+          </a:p>
+          <a:p>
+            <a:endParaRPr kumimoji="1" lang="ja-JP" altLang="en-US" dirty="0"/>
           </a:p>
         </p:txBody>
       </p:sp>
@@ -2118,6 +2138,107 @@
             <a:fld id="{E2F9E952-8737-4CBD-93F9-62310AC6F9C6}" type="slidenum">
               <a:rPr kumimoji="1" lang="ja-JP" altLang="en-US" smtClean="0"/>
               <a:t>14</a:t>
+            </a:fld>
+            <a:endParaRPr kumimoji="1" lang="ja-JP" altLang="en-US"/>
+          </a:p>
+        </p:txBody>
+      </p:sp>
+    </p:spTree>
+    <p:extLst>
+      <p:ext uri="{BB962C8B-B14F-4D97-AF65-F5344CB8AC3E}">
+        <p14:creationId xmlns:p14="http://schemas.microsoft.com/office/powerpoint/2010/main" val="3758375425"/>
+      </p:ext>
+    </p:extLst>
+  </p:cSld>
+  <p:clrMapOvr>
+    <a:masterClrMapping/>
+  </p:clrMapOvr>
+</p:notes>
+</file>
+
+<file path=ppt/notesSlides/notesSlide12.xml><?xml version="1.0" encoding="utf-8"?>
+<p:notes xmlns:a="http://schemas.openxmlformats.org/drawingml/2006/main" xmlns:r="http://schemas.openxmlformats.org/officeDocument/2006/relationships" xmlns:p="http://schemas.openxmlformats.org/presentationml/2006/main">
+  <p:cSld>
+    <p:spTree>
+      <p:nvGrpSpPr>
+        <p:cNvPr id="1" name=""/>
+        <p:cNvGrpSpPr/>
+        <p:nvPr/>
+      </p:nvGrpSpPr>
+      <p:grpSpPr>
+        <a:xfrm>
+          <a:off x="0" y="0"/>
+          <a:ext cx="0" cy="0"/>
+          <a:chOff x="0" y="0"/>
+          <a:chExt cx="0" cy="0"/>
+        </a:xfrm>
+      </p:grpSpPr>
+      <p:sp>
+        <p:nvSpPr>
+          <p:cNvPr id="2" name="スライド イメージ プレースホルダー 1"/>
+          <p:cNvSpPr>
+            <a:spLocks noGrp="1" noRot="1" noChangeAspect="1"/>
+          </p:cNvSpPr>
+          <p:nvPr>
+            <p:ph type="sldImg"/>
+          </p:nvPr>
+        </p:nvSpPr>
+        <p:spPr/>
+      </p:sp>
+      <p:sp>
+        <p:nvSpPr>
+          <p:cNvPr id="3" name="ノート プレースホルダー 2"/>
+          <p:cNvSpPr>
+            <a:spLocks noGrp="1"/>
+          </p:cNvSpPr>
+          <p:nvPr>
+            <p:ph type="body" idx="1"/>
+          </p:nvPr>
+        </p:nvSpPr>
+        <p:spPr/>
+        <p:txBody>
+          <a:bodyPr/>
+          <a:lstStyle/>
+          <a:p>
+            <a:r>
+              <a:rPr kumimoji="1" lang="ja-JP" altLang="en-US" dirty="0"/>
+              <a:t>より短い期間で狭い領域での時系列データを分析する。</a:t>
+            </a:r>
+            <a:endParaRPr kumimoji="1" lang="en-US" altLang="ja-JP" dirty="0"/>
+          </a:p>
+          <a:p>
+            <a:r>
+              <a:rPr kumimoji="1" lang="ja-JP" altLang="en-US" dirty="0"/>
+              <a:t>短い期間、狭い領域の方が需要があるため。</a:t>
+            </a:r>
+            <a:endParaRPr kumimoji="1" lang="en-US" altLang="ja-JP" dirty="0"/>
+          </a:p>
+          <a:p>
+            <a:r>
+              <a:rPr kumimoji="1" lang="ja-JP" altLang="en-US" dirty="0"/>
+              <a:t>短い期間、狭い領域だと小さなことでもデータに影響を与えるため予測が難しい。</a:t>
+            </a:r>
+          </a:p>
+        </p:txBody>
+      </p:sp>
+      <p:sp>
+        <p:nvSpPr>
+          <p:cNvPr id="4" name="スライド番号プレースホルダー 3"/>
+          <p:cNvSpPr>
+            <a:spLocks noGrp="1"/>
+          </p:cNvSpPr>
+          <p:nvPr>
+            <p:ph type="sldNum" sz="quarter" idx="5"/>
+          </p:nvPr>
+        </p:nvSpPr>
+        <p:spPr/>
+        <p:txBody>
+          <a:bodyPr/>
+          <a:lstStyle/>
+          <a:p>
+            <a:fld id="{E2F9E952-8737-4CBD-93F9-62310AC6F9C6}" type="slidenum">
+              <a:rPr kumimoji="1" lang="ja-JP" altLang="en-US" smtClean="0"/>
+              <a:t>15</a:t>
             </a:fld>
             <a:endParaRPr kumimoji="1" lang="ja-JP" altLang="en-US"/>
           </a:p>
@@ -3111,16 +3232,22 @@
           <a:lstStyle/>
           <a:p>
             <a:r>
-              <a:rPr kumimoji="1" lang="en-US" altLang="ja-JP" dirty="0"/>
-              <a:t>AR</a:t>
-            </a:r>
-            <a:r>
               <a:rPr kumimoji="1" lang="ja-JP" altLang="en-US" dirty="0"/>
-              <a:t>モデルで予測値が含まれていない部分があるのは過去のデータを予測するのに使うがそのデータがないためで</a:t>
-            </a:r>
-            <a:r>
-              <a:rPr kumimoji="1" lang="ja-JP" altLang="en-US"/>
-              <a:t>ある。</a:t>
+              <a:t>モデルはどのような確率分布なのかを表す。その確率分布から実際の実測値がどれくらいの確率で得られるのかを表すのが尤度であり、値が大きいということはその確率分布（モデル）からデータを取得した場合実測値を得られる可能性が高いということを表します。つまりこの値は大きいほど実際の確率分布とモデルが近いということを表すのでモデルの評価になります。</a:t>
+            </a:r>
+            <a:endParaRPr kumimoji="1" lang="en-US" altLang="ja-JP" dirty="0"/>
+          </a:p>
+          <a:p>
+            <a:r>
+              <a:rPr kumimoji="1" lang="ja-JP" altLang="en-US" dirty="0"/>
+              <a:t>またパラメータを増やせば実測したデータとの適合率は上がりますが、標本に飛び値、が含まれる場合、標本に適合しすぎると予測がうまくいかない。そのためパラメータはできるだけ少ないほうがいい。</a:t>
+            </a:r>
+            <a:endParaRPr kumimoji="1" lang="en-US" altLang="ja-JP" dirty="0"/>
+          </a:p>
+          <a:p>
+            <a:r>
+              <a:rPr kumimoji="1" lang="ja-JP" altLang="en-US" dirty="0"/>
+              <a:t>つまり良いモデルは少ないパラメータで実際の確率分布に近くなるように作ったものということになる。</a:t>
             </a:r>
             <a:endParaRPr kumimoji="1" lang="en-US" altLang="ja-JP" dirty="0"/>
           </a:p>
@@ -3152,7 +3279,7 @@
     </p:spTree>
     <p:extLst>
       <p:ext uri="{BB962C8B-B14F-4D97-AF65-F5344CB8AC3E}">
-        <p14:creationId xmlns:p14="http://schemas.microsoft.com/office/powerpoint/2010/main" val="1905731758"/>
+        <p14:creationId xmlns:p14="http://schemas.microsoft.com/office/powerpoint/2010/main" val="2616868300"/>
       </p:ext>
     </p:extLst>
   </p:cSld>
@@ -3207,22 +3334,16 @@
           <a:lstStyle/>
           <a:p>
             <a:r>
+              <a:rPr kumimoji="1" lang="en-US" altLang="ja-JP" dirty="0"/>
+              <a:t>AR</a:t>
+            </a:r>
+            <a:r>
               <a:rPr kumimoji="1" lang="ja-JP" altLang="en-US" dirty="0"/>
-              <a:t>上の図の緑の線は標準正規分布を表す線で、オレンジの線は実際のモデルでのホワイトノイズである。ホワイトノイズは無秩序に標準正規分布から取得されるデータであるのでオレンジの線が緑の線に</a:t>
-            </a:r>
-            <a:endParaRPr kumimoji="1" lang="en-US" altLang="ja-JP" dirty="0"/>
-          </a:p>
-          <a:p>
-            <a:r>
-              <a:rPr kumimoji="1" lang="ja-JP" altLang="en-US" dirty="0"/>
-              <a:t>近ければ近いほどいいモデルということになる。</a:t>
-            </a:r>
-            <a:endParaRPr kumimoji="1" lang="en-US" altLang="ja-JP" dirty="0"/>
-          </a:p>
-          <a:p>
-            <a:r>
-              <a:rPr kumimoji="1" lang="ja-JP" altLang="en-US" dirty="0"/>
-              <a:t>下のグラフはホワイトノイズのコレログラムである。本来ホワイトノイズは無秩序である必要があるため前のデータとの相関はあってはだめなので自己相関が低ければ低いほどいいモデルということになる。</a:t>
+              <a:t>モデルで予測値が含まれていない部分があるのは過去のデータを予測するのに使うがそのデータがないためで</a:t>
+            </a:r>
+            <a:r>
+              <a:rPr kumimoji="1" lang="ja-JP" altLang="en-US"/>
+              <a:t>ある。</a:t>
             </a:r>
             <a:endParaRPr kumimoji="1" lang="en-US" altLang="ja-JP" dirty="0"/>
           </a:p>
@@ -3254,7 +3375,7 @@
     </p:spTree>
     <p:extLst>
       <p:ext uri="{BB962C8B-B14F-4D97-AF65-F5344CB8AC3E}">
-        <p14:creationId xmlns:p14="http://schemas.microsoft.com/office/powerpoint/2010/main" val="692050670"/>
+        <p14:creationId xmlns:p14="http://schemas.microsoft.com/office/powerpoint/2010/main" val="1905731758"/>
       </p:ext>
     </p:extLst>
   </p:cSld>
@@ -3452,7 +3573,7 @@
           <a:p>
             <a:fld id="{F783E70F-B172-4985-BA9E-64132CD72D69}" type="datetimeFigureOut">
               <a:rPr kumimoji="1" lang="ja-JP" altLang="en-US" smtClean="0"/>
-              <a:t>2022/10/1</a:t>
+              <a:t>2022/10/5</a:t>
             </a:fld>
             <a:endParaRPr kumimoji="1" lang="ja-JP" altLang="en-US"/>
           </a:p>
@@ -3790,7 +3911,7 @@
           <a:p>
             <a:fld id="{F783E70F-B172-4985-BA9E-64132CD72D69}" type="datetimeFigureOut">
               <a:rPr kumimoji="1" lang="ja-JP" altLang="en-US" smtClean="0"/>
-              <a:t>2022/10/1</a:t>
+              <a:t>2022/10/5</a:t>
             </a:fld>
             <a:endParaRPr kumimoji="1" lang="ja-JP" altLang="en-US"/>
           </a:p>
@@ -4191,7 +4312,7 @@
           <a:p>
             <a:fld id="{F783E70F-B172-4985-BA9E-64132CD72D69}" type="datetimeFigureOut">
               <a:rPr kumimoji="1" lang="ja-JP" altLang="en-US" smtClean="0"/>
-              <a:t>2022/10/1</a:t>
+              <a:t>2022/10/5</a:t>
             </a:fld>
             <a:endParaRPr kumimoji="1" lang="ja-JP" altLang="en-US"/>
           </a:p>
@@ -4527,7 +4648,7 @@
           <a:p>
             <a:fld id="{F783E70F-B172-4985-BA9E-64132CD72D69}" type="datetimeFigureOut">
               <a:rPr kumimoji="1" lang="ja-JP" altLang="en-US" smtClean="0"/>
-              <a:t>2022/10/1</a:t>
+              <a:t>2022/10/5</a:t>
             </a:fld>
             <a:endParaRPr kumimoji="1" lang="ja-JP" altLang="en-US"/>
           </a:p>
@@ -4847,7 +4968,7 @@
           <a:p>
             <a:fld id="{F783E70F-B172-4985-BA9E-64132CD72D69}" type="datetimeFigureOut">
               <a:rPr kumimoji="1" lang="ja-JP" altLang="en-US" smtClean="0"/>
-              <a:t>2022/10/1</a:t>
+              <a:t>2022/10/5</a:t>
             </a:fld>
             <a:endParaRPr kumimoji="1" lang="ja-JP" altLang="en-US"/>
           </a:p>
@@ -5243,7 +5364,7 @@
           <a:p>
             <a:fld id="{F783E70F-B172-4985-BA9E-64132CD72D69}" type="datetimeFigureOut">
               <a:rPr kumimoji="1" lang="ja-JP" altLang="en-US" smtClean="0"/>
-              <a:t>2022/10/1</a:t>
+              <a:t>2022/10/5</a:t>
             </a:fld>
             <a:endParaRPr kumimoji="1" lang="ja-JP" altLang="en-US"/>
           </a:p>
@@ -5532,7 +5653,7 @@
           <a:p>
             <a:fld id="{F783E70F-B172-4985-BA9E-64132CD72D69}" type="datetimeFigureOut">
               <a:rPr kumimoji="1" lang="ja-JP" altLang="en-US" smtClean="0"/>
-              <a:t>2022/10/1</a:t>
+              <a:t>2022/10/5</a:t>
             </a:fld>
             <a:endParaRPr kumimoji="1" lang="ja-JP" altLang="en-US"/>
           </a:p>
@@ -5826,7 +5947,7 @@
           <a:p>
             <a:fld id="{F783E70F-B172-4985-BA9E-64132CD72D69}" type="datetimeFigureOut">
               <a:rPr kumimoji="1" lang="ja-JP" altLang="en-US" smtClean="0"/>
-              <a:t>2022/10/1</a:t>
+              <a:t>2022/10/5</a:t>
             </a:fld>
             <a:endParaRPr kumimoji="1" lang="ja-JP" altLang="en-US"/>
           </a:p>
@@ -6120,7 +6241,7 @@
           <a:p>
             <a:fld id="{F783E70F-B172-4985-BA9E-64132CD72D69}" type="datetimeFigureOut">
               <a:rPr kumimoji="1" lang="ja-JP" altLang="en-US" smtClean="0"/>
-              <a:t>2022/10/1</a:t>
+              <a:t>2022/10/5</a:t>
             </a:fld>
             <a:endParaRPr kumimoji="1" lang="ja-JP" altLang="en-US"/>
           </a:p>
@@ -6449,7 +6570,7 @@
           <a:p>
             <a:fld id="{F783E70F-B172-4985-BA9E-64132CD72D69}" type="datetimeFigureOut">
               <a:rPr kumimoji="1" lang="ja-JP" altLang="en-US" smtClean="0"/>
-              <a:t>2022/10/1</a:t>
+              <a:t>2022/10/5</a:t>
             </a:fld>
             <a:endParaRPr kumimoji="1" lang="ja-JP" altLang="en-US"/>
           </a:p>
@@ -6836,7 +6957,7 @@
           <a:p>
             <a:fld id="{F783E70F-B172-4985-BA9E-64132CD72D69}" type="datetimeFigureOut">
               <a:rPr kumimoji="1" lang="ja-JP" altLang="en-US" smtClean="0"/>
-              <a:t>2022/10/1</a:t>
+              <a:t>2022/10/5</a:t>
             </a:fld>
             <a:endParaRPr kumimoji="1" lang="ja-JP" altLang="en-US"/>
           </a:p>
@@ -7357,7 +7478,7 @@
           <a:p>
             <a:fld id="{F783E70F-B172-4985-BA9E-64132CD72D69}" type="datetimeFigureOut">
               <a:rPr kumimoji="1" lang="ja-JP" altLang="en-US" smtClean="0"/>
-              <a:t>2022/10/1</a:t>
+              <a:t>2022/10/5</a:t>
             </a:fld>
             <a:endParaRPr kumimoji="1" lang="ja-JP" altLang="en-US"/>
           </a:p>
@@ -7562,7 +7683,7 @@
           <a:p>
             <a:fld id="{F783E70F-B172-4985-BA9E-64132CD72D69}" type="datetimeFigureOut">
               <a:rPr kumimoji="1" lang="ja-JP" altLang="en-US" smtClean="0"/>
-              <a:t>2022/10/1</a:t>
+              <a:t>2022/10/5</a:t>
             </a:fld>
             <a:endParaRPr kumimoji="1" lang="ja-JP" altLang="en-US"/>
           </a:p>
@@ -7739,7 +7860,7 @@
           <a:p>
             <a:fld id="{F783E70F-B172-4985-BA9E-64132CD72D69}" type="datetimeFigureOut">
               <a:rPr kumimoji="1" lang="ja-JP" altLang="en-US" smtClean="0"/>
-              <a:t>2022/10/1</a:t>
+              <a:t>2022/10/5</a:t>
             </a:fld>
             <a:endParaRPr kumimoji="1" lang="ja-JP" altLang="en-US"/>
           </a:p>
@@ -8104,7 +8225,7 @@
           <a:p>
             <a:fld id="{F783E70F-B172-4985-BA9E-64132CD72D69}" type="datetimeFigureOut">
               <a:rPr kumimoji="1" lang="ja-JP" altLang="en-US" smtClean="0"/>
-              <a:t>2022/10/1</a:t>
+              <a:t>2022/10/5</a:t>
             </a:fld>
             <a:endParaRPr kumimoji="1" lang="ja-JP" altLang="en-US"/>
           </a:p>
@@ -8449,7 +8570,7 @@
           <a:p>
             <a:fld id="{F783E70F-B172-4985-BA9E-64132CD72D69}" type="datetimeFigureOut">
               <a:rPr kumimoji="1" lang="ja-JP" altLang="en-US" smtClean="0"/>
-              <a:t>2022/10/1</a:t>
+              <a:t>2022/10/5</a:t>
             </a:fld>
             <a:endParaRPr kumimoji="1" lang="ja-JP" altLang="en-US"/>
           </a:p>
@@ -10598,7 +10719,7 @@
           <a:p>
             <a:fld id="{F783E70F-B172-4985-BA9E-64132CD72D69}" type="datetimeFigureOut">
               <a:rPr kumimoji="1" lang="ja-JP" altLang="en-US" smtClean="0"/>
-              <a:t>2022/10/1</a:t>
+              <a:t>2022/10/5</a:t>
             </a:fld>
             <a:endParaRPr kumimoji="1" lang="ja-JP" altLang="en-US"/>
           </a:p>
@@ -11659,6 +11780,332 @@
 <file path=ppt/slides/slide11.xml><?xml version="1.0" encoding="utf-8"?>
 <p:sld xmlns:a="http://schemas.openxmlformats.org/drawingml/2006/main" xmlns:r="http://schemas.openxmlformats.org/officeDocument/2006/relationships" xmlns:p="http://schemas.openxmlformats.org/presentationml/2006/main">
   <p:cSld>
+    <p:spTree>
+      <p:nvGrpSpPr>
+        <p:cNvPr id="1" name=""/>
+        <p:cNvGrpSpPr/>
+        <p:nvPr/>
+      </p:nvGrpSpPr>
+      <p:grpSpPr>
+        <a:xfrm>
+          <a:off x="0" y="0"/>
+          <a:ext cx="0" cy="0"/>
+          <a:chOff x="0" y="0"/>
+          <a:chExt cx="0" cy="0"/>
+        </a:xfrm>
+      </p:grpSpPr>
+      <p:sp>
+        <p:nvSpPr>
+          <p:cNvPr id="2" name="タイトル 1">
+            <a:extLst>
+              <a:ext uri="{FF2B5EF4-FFF2-40B4-BE49-F238E27FC236}">
+                <a16:creationId xmlns:a16="http://schemas.microsoft.com/office/drawing/2014/main" id="{2E7EFBAC-F1B0-414E-9B75-76530521D74B}"/>
+              </a:ext>
+            </a:extLst>
+          </p:cNvPr>
+          <p:cNvSpPr>
+            <a:spLocks noGrp="1"/>
+          </p:cNvSpPr>
+          <p:nvPr>
+            <p:ph type="title"/>
+          </p:nvPr>
+        </p:nvSpPr>
+        <p:spPr>
+          <a:xfrm>
+            <a:off x="1871472" y="708000"/>
+            <a:ext cx="8911687" cy="1280890"/>
+          </a:xfrm>
+        </p:spPr>
+        <p:txBody>
+          <a:bodyPr/>
+          <a:lstStyle/>
+          <a:p>
+            <a:r>
+              <a:rPr kumimoji="1" lang="en-US" altLang="ja-JP" dirty="0"/>
+              <a:t>AIC(</a:t>
+            </a:r>
+            <a:r>
+              <a:rPr kumimoji="1" lang="ja-JP" altLang="en-US" dirty="0"/>
+              <a:t>赤池情報量基準</a:t>
+            </a:r>
+            <a:r>
+              <a:rPr kumimoji="1" lang="en-US" altLang="ja-JP" dirty="0"/>
+              <a:t>)</a:t>
+            </a:r>
+            <a:endParaRPr kumimoji="1" lang="ja-JP" altLang="en-US" dirty="0"/>
+          </a:p>
+        </p:txBody>
+      </p:sp>
+      <p:sp>
+        <p:nvSpPr>
+          <p:cNvPr id="3" name="コンテンツ プレースホルダー 2">
+            <a:extLst>
+              <a:ext uri="{FF2B5EF4-FFF2-40B4-BE49-F238E27FC236}">
+                <a16:creationId xmlns:a16="http://schemas.microsoft.com/office/drawing/2014/main" id="{B5382AC0-02BC-4844-BC35-88AE0ACD17A3}"/>
+              </a:ext>
+            </a:extLst>
+          </p:cNvPr>
+          <p:cNvSpPr>
+            <a:spLocks noGrp="1"/>
+          </p:cNvSpPr>
+          <p:nvPr>
+            <p:ph idx="1"/>
+          </p:nvPr>
+        </p:nvSpPr>
+        <p:spPr>
+          <a:xfrm>
+            <a:off x="1408841" y="1722538"/>
+            <a:ext cx="9572348" cy="4997044"/>
+          </a:xfrm>
+        </p:spPr>
+        <p:txBody>
+          <a:bodyPr>
+            <a:noAutofit/>
+          </a:bodyPr>
+          <a:lstStyle/>
+          <a:p>
+            <a:pPr marL="0" indent="0">
+              <a:buNone/>
+            </a:pPr>
+            <a:r>
+              <a:rPr kumimoji="1" lang="ja-JP" altLang="en-US" sz="2000" dirty="0"/>
+              <a:t>モデルの評価には</a:t>
+            </a:r>
+            <a:r>
+              <a:rPr kumimoji="1" lang="en-US" altLang="ja-JP" sz="2000" dirty="0"/>
+              <a:t>AIC</a:t>
+            </a:r>
+            <a:r>
+              <a:rPr kumimoji="1" lang="ja-JP" altLang="en-US" sz="2000" dirty="0"/>
+              <a:t>を用いる。</a:t>
+            </a:r>
+            <a:endParaRPr kumimoji="1" lang="en-US" altLang="ja-JP" sz="2000" dirty="0"/>
+          </a:p>
+          <a:p>
+            <a:pPr marL="0" indent="0">
+              <a:buNone/>
+            </a:pPr>
+            <a:r>
+              <a:rPr lang="en-US" altLang="ja-JP" sz="2000" dirty="0"/>
+              <a:t>AIC=-2logL+2(k+1)</a:t>
+            </a:r>
+          </a:p>
+          <a:p>
+            <a:pPr marL="0" indent="0">
+              <a:buNone/>
+            </a:pPr>
+            <a:r>
+              <a:rPr kumimoji="1" lang="en-US" altLang="ja-JP" sz="2000" dirty="0"/>
+              <a:t>L</a:t>
+            </a:r>
+            <a:r>
+              <a:rPr kumimoji="1" lang="ja-JP" altLang="en-US" sz="2000" dirty="0"/>
+              <a:t>はモデルの最大対数尤度</a:t>
+            </a:r>
+            <a:r>
+              <a:rPr kumimoji="1" lang="en-US" altLang="ja-JP" sz="2000" dirty="0"/>
+              <a:t>,k</a:t>
+            </a:r>
+            <a:r>
+              <a:rPr kumimoji="1" lang="ja-JP" altLang="en-US" sz="2000" dirty="0"/>
+              <a:t>は説明変数の数</a:t>
+            </a:r>
+            <a:endParaRPr kumimoji="1" lang="en-US" altLang="ja-JP" sz="2000" dirty="0"/>
+          </a:p>
+          <a:p>
+            <a:pPr marL="0" indent="0">
+              <a:buNone/>
+            </a:pPr>
+            <a:r>
+              <a:rPr lang="en-US" altLang="ja-JP" sz="2000" dirty="0"/>
+              <a:t>AR </a:t>
+            </a:r>
+            <a:r>
+              <a:rPr kumimoji="1" lang="en-US" altLang="ja-JP" sz="2000" dirty="0"/>
+              <a:t>model(</a:t>
+            </a:r>
+            <a:r>
+              <a:rPr kumimoji="1" lang="ja-JP" altLang="en-US" sz="2000" dirty="0"/>
+              <a:t>パラメータ</a:t>
+            </a:r>
+            <a:r>
+              <a:rPr kumimoji="1" lang="en-US" altLang="ja-JP" sz="2000" dirty="0"/>
+              <a:t>1~10</a:t>
+            </a:r>
+            <a:r>
+              <a:rPr kumimoji="1" lang="ja-JP" altLang="en-US" sz="2000" dirty="0"/>
+              <a:t>で検証</a:t>
+            </a:r>
+            <a:r>
+              <a:rPr kumimoji="1" lang="en-US" altLang="ja-JP" sz="2000" dirty="0"/>
+              <a:t>)</a:t>
+            </a:r>
+          </a:p>
+          <a:p>
+            <a:pPr marL="0" indent="0">
+              <a:buNone/>
+            </a:pPr>
+            <a:r>
+              <a:rPr lang="ja-JP" altLang="en-US" sz="2000" dirty="0"/>
+              <a:t>パラメータ</a:t>
+            </a:r>
+            <a:r>
+              <a:rPr lang="en-US" altLang="ja-JP" sz="2000" dirty="0"/>
+              <a:t>10</a:t>
+            </a:r>
+            <a:r>
+              <a:rPr lang="ja-JP" altLang="en-US" sz="2000" dirty="0"/>
+              <a:t>のとき</a:t>
+            </a:r>
+            <a:endParaRPr lang="en-US" altLang="ja-JP" sz="2000" dirty="0"/>
+          </a:p>
+          <a:p>
+            <a:pPr marL="0" indent="0">
+              <a:buNone/>
+            </a:pPr>
+            <a:r>
+              <a:rPr kumimoji="1" lang="en-US" altLang="ja-JP" sz="2000" dirty="0" err="1"/>
+              <a:t>aic</a:t>
+            </a:r>
+            <a:r>
+              <a:rPr kumimoji="1" lang="en-US" altLang="ja-JP" sz="2000" dirty="0"/>
+              <a:t>=813.7300710699859</a:t>
+            </a:r>
+            <a:r>
+              <a:rPr kumimoji="1" lang="ja-JP" altLang="en-US" sz="2000" dirty="0"/>
+              <a:t>の時に最小</a:t>
+            </a:r>
+            <a:endParaRPr kumimoji="1" lang="en-US" altLang="ja-JP" sz="2000" dirty="0"/>
+          </a:p>
+          <a:p>
+            <a:pPr marL="0" indent="0">
+              <a:buNone/>
+            </a:pPr>
+            <a:endParaRPr kumimoji="1" lang="en-US" altLang="ja-JP" sz="2000" dirty="0"/>
+          </a:p>
+          <a:p>
+            <a:pPr marL="0" indent="0">
+              <a:buNone/>
+            </a:pPr>
+            <a:r>
+              <a:rPr lang="en-US" altLang="ja-JP" sz="2000" dirty="0"/>
+              <a:t>SAR model(AR</a:t>
+            </a:r>
+            <a:r>
+              <a:rPr lang="ja-JP" altLang="en-US" sz="2000" dirty="0"/>
+              <a:t>パラメータ</a:t>
+            </a:r>
+            <a:r>
+              <a:rPr lang="en-US" altLang="ja-JP" sz="2000" dirty="0"/>
+              <a:t>1~10,</a:t>
+            </a:r>
+            <a:r>
+              <a:rPr lang="ja-JP" altLang="en-US" sz="2000" dirty="0"/>
+              <a:t>季節パラメータ</a:t>
+            </a:r>
+            <a:r>
+              <a:rPr lang="en-US" altLang="ja-JP" sz="2000" dirty="0"/>
+              <a:t>1~3</a:t>
+            </a:r>
+            <a:r>
+              <a:rPr lang="ja-JP" altLang="en-US" sz="2000" dirty="0"/>
+              <a:t>で検証</a:t>
+            </a:r>
+            <a:r>
+              <a:rPr lang="en-US" altLang="ja-JP" sz="2000" dirty="0"/>
+              <a:t>)</a:t>
+            </a:r>
+          </a:p>
+          <a:p>
+            <a:pPr marL="0" indent="0">
+              <a:buNone/>
+            </a:pPr>
+            <a:r>
+              <a:rPr lang="en-US" altLang="ja-JP" sz="2000" dirty="0"/>
+              <a:t>AR</a:t>
+            </a:r>
+            <a:r>
+              <a:rPr lang="ja-JP" altLang="en-US" sz="2000" dirty="0"/>
+              <a:t>パラメータ</a:t>
+            </a:r>
+            <a:r>
+              <a:rPr lang="en-US" altLang="ja-JP" sz="2000" dirty="0"/>
+              <a:t>=2,</a:t>
+            </a:r>
+            <a:r>
+              <a:rPr lang="ja-JP" altLang="en-US" sz="2000" dirty="0"/>
+              <a:t>季節パラメータ</a:t>
+            </a:r>
+            <a:r>
+              <a:rPr lang="en-US" altLang="ja-JP" sz="2000" dirty="0"/>
+              <a:t>=1</a:t>
+            </a:r>
+            <a:r>
+              <a:rPr lang="ja-JP" altLang="en-US" sz="2000" dirty="0"/>
+              <a:t>のとき</a:t>
+            </a:r>
+            <a:endParaRPr lang="en-US" altLang="ja-JP" sz="2000" dirty="0"/>
+          </a:p>
+          <a:p>
+            <a:pPr marL="0" indent="0">
+              <a:buNone/>
+            </a:pPr>
+            <a:r>
+              <a:rPr lang="en-US" altLang="ja-JP" sz="2000" dirty="0" err="1"/>
+              <a:t>a</a:t>
+            </a:r>
+            <a:r>
+              <a:rPr kumimoji="1" lang="en-US" altLang="ja-JP" sz="2000" dirty="0" err="1"/>
+              <a:t>ic</a:t>
+            </a:r>
+            <a:r>
+              <a:rPr kumimoji="1" lang="en-US" altLang="ja-JP" sz="2000" dirty="0"/>
+              <a:t>=1016.0760862976858</a:t>
+            </a:r>
+            <a:r>
+              <a:rPr lang="ja-JP" altLang="en-US" sz="2000" dirty="0"/>
+              <a:t>の時に最小</a:t>
+            </a:r>
+            <a:endParaRPr kumimoji="1" lang="en-US" altLang="ja-JP" sz="2000" dirty="0"/>
+          </a:p>
+          <a:p>
+            <a:pPr marL="0" indent="0">
+              <a:buNone/>
+            </a:pPr>
+            <a:endParaRPr lang="en-US" altLang="ja-JP" sz="2000" dirty="0"/>
+          </a:p>
+          <a:p>
+            <a:pPr marL="0" indent="0">
+              <a:buNone/>
+            </a:pPr>
+            <a:r>
+              <a:rPr kumimoji="1" lang="ja-JP" altLang="en-US" sz="2000" dirty="0"/>
+              <a:t>よって今回の分析ではこれらのパラメータを用いる</a:t>
+            </a:r>
+            <a:r>
+              <a:rPr lang="ja-JP" altLang="en-US" sz="2000" dirty="0"/>
+              <a:t>。</a:t>
+            </a:r>
+            <a:endParaRPr kumimoji="1" lang="en-US" altLang="ja-JP" sz="2000" dirty="0"/>
+          </a:p>
+        </p:txBody>
+      </p:sp>
+    </p:spTree>
+    <p:extLst>
+      <p:ext uri="{BB962C8B-B14F-4D97-AF65-F5344CB8AC3E}">
+        <p14:creationId xmlns:p14="http://schemas.microsoft.com/office/powerpoint/2010/main" val="3072243567"/>
+      </p:ext>
+    </p:extLst>
+  </p:cSld>
+  <p:clrMapOvr>
+    <a:masterClrMapping/>
+  </p:clrMapOvr>
+</p:sld>
+</file>
+
+<file path=ppt/slides/slide12.xml><?xml version="1.0" encoding="utf-8"?>
+<p:sld xmlns:a="http://schemas.openxmlformats.org/drawingml/2006/main" xmlns:r="http://schemas.openxmlformats.org/officeDocument/2006/relationships" xmlns:p="http://schemas.openxmlformats.org/presentationml/2006/main">
+  <p:cSld>
     <p:bg>
       <p:bgPr>
         <a:gradFill rotWithShape="1">
@@ -11701,7 +12148,7 @@
       </p:grpSpPr>
       <p:sp useBgFill="1">
         <p:nvSpPr>
-          <p:cNvPr id="18" name="Rectangle 11">
+          <p:cNvPr id="32" name="Rectangle 25">
             <a:extLst>
               <a:ext uri="{FF2B5EF4-FFF2-40B4-BE49-F238E27FC236}">
                 <a16:creationId xmlns:a16="http://schemas.microsoft.com/office/drawing/2014/main" id="{B2EC7880-C5D9-40A8-A6B0-3198AD07AD1B}"/>
@@ -11796,7 +12243,7 @@
       </p:sp>
       <p:sp>
         <p:nvSpPr>
-          <p:cNvPr id="19" name="Rectangle 13">
+          <p:cNvPr id="33" name="Rectangle 27">
             <a:extLst>
               <a:ext uri="{FF2B5EF4-FFF2-40B4-BE49-F238E27FC236}">
                 <a16:creationId xmlns:a16="http://schemas.microsoft.com/office/drawing/2014/main" id="{94543A62-A2AB-454A-878E-D3D9190D5FC7}"/>
@@ -12001,10 +12448,10 @@
       </p:sp>
       <p:pic>
         <p:nvPicPr>
-          <p:cNvPr id="5" name="コンテンツ プレースホルダー 4" descr="グラフ&#10;&#10;自動的に生成された説明">
+          <p:cNvPr id="7" name="図 6" descr="グラフィカル ユーザー インターフェイス, グラフ&#10;&#10;自動的に生成された説明">
             <a:extLst>
               <a:ext uri="{FF2B5EF4-FFF2-40B4-BE49-F238E27FC236}">
-                <a16:creationId xmlns:a16="http://schemas.microsoft.com/office/drawing/2014/main" id="{ACF693D0-46D2-4CD5-9522-9ADB3DC9314E}"/>
+                <a16:creationId xmlns:a16="http://schemas.microsoft.com/office/drawing/2014/main" id="{6B047806-EE99-4A69-9546-88934E4F7426}"/>
               </a:ext>
             </a:extLst>
           </p:cNvPr>
@@ -12021,7 +12468,7 @@
               </a:ext>
             </a:extLst>
           </a:blip>
-          <a:srcRect l="6525" r="9083" b="-1"/>
+          <a:srcRect l="11208" r="5062"/>
           <a:stretch/>
         </p:blipFill>
         <p:spPr>
@@ -12036,7 +12483,7 @@
       </p:pic>
       <p:sp>
         <p:nvSpPr>
-          <p:cNvPr id="21" name="Freeform 11">
+          <p:cNvPr id="34" name="Freeform 11">
             <a:extLst>
               <a:ext uri="{FF2B5EF4-FFF2-40B4-BE49-F238E27FC236}">
                 <a16:creationId xmlns:a16="http://schemas.microsoft.com/office/drawing/2014/main" id="{50553464-41F1-4160-9D02-7C5EC7013BDA}"/>
@@ -12264,7 +12711,7 @@
 </p:sld>
 </file>
 
-<file path=ppt/slides/slide12.xml><?xml version="1.0" encoding="utf-8"?>
+<file path=ppt/slides/slide13.xml><?xml version="1.0" encoding="utf-8"?>
 <p:sld xmlns:a="http://schemas.openxmlformats.org/drawingml/2006/main" xmlns:r="http://schemas.openxmlformats.org/officeDocument/2006/relationships" xmlns:p="http://schemas.openxmlformats.org/presentationml/2006/main">
   <p:cSld>
     <p:bg>
@@ -12309,7 +12756,7 @@
       </p:grpSpPr>
       <p:sp useBgFill="1">
         <p:nvSpPr>
-          <p:cNvPr id="14" name="Rectangle 13">
+          <p:cNvPr id="23" name="Rectangle 22">
             <a:extLst>
               <a:ext uri="{FF2B5EF4-FFF2-40B4-BE49-F238E27FC236}">
                 <a16:creationId xmlns:a16="http://schemas.microsoft.com/office/drawing/2014/main" id="{0C8B6C4B-A867-4D7E-9851-29BB2D603B96}"/>
@@ -12404,7 +12851,7 @@
       </p:sp>
       <p:sp>
         <p:nvSpPr>
-          <p:cNvPr id="16" name="Rectangle 15">
+          <p:cNvPr id="25" name="Rectangle 24">
             <a:extLst>
               <a:ext uri="{FF2B5EF4-FFF2-40B4-BE49-F238E27FC236}">
                 <a16:creationId xmlns:a16="http://schemas.microsoft.com/office/drawing/2014/main" id="{470BD5D9-CDC5-465C-9E25-2EB0249FE4C5}"/>
@@ -12548,8 +12995,8 @@
         </p:blipFill>
         <p:spPr>
           <a:xfrm>
-            <a:off x="4589960" y="636995"/>
-            <a:ext cx="3331562" cy="5195394"/>
+            <a:off x="4619544" y="640080"/>
+            <a:ext cx="3380136" cy="5271142"/>
           </a:xfrm>
           <a:prstGeom prst="rect">
             <a:avLst/>
@@ -12558,10 +13005,10 @@
       </p:pic>
       <p:pic>
         <p:nvPicPr>
-          <p:cNvPr id="7" name="図 6" descr="グラフ, ヒストグラム&#10;&#10;自動的に生成された説明">
+          <p:cNvPr id="4" name="図 3" descr="グラフ, ヒストグラム&#10;&#10;自動的に生成された説明">
             <a:extLst>
               <a:ext uri="{FF2B5EF4-FFF2-40B4-BE49-F238E27FC236}">
-                <a16:creationId xmlns:a16="http://schemas.microsoft.com/office/drawing/2014/main" id="{53E58CD6-8F94-4F3A-A6D6-4D0C8774A361}"/>
+                <a16:creationId xmlns:a16="http://schemas.microsoft.com/office/drawing/2014/main" id="{8BB6C468-3E1D-4EBD-B391-DBFD717410BC}"/>
               </a:ext>
             </a:extLst>
           </p:cNvPr>
@@ -12578,7 +13025,7 @@
               </a:ext>
             </a:extLst>
           </a:blip>
-          <a:srcRect l="52430" r="6669" b="2"/>
+          <a:srcRect l="52274" r="6986" b="2"/>
           <a:stretch/>
         </p:blipFill>
         <p:spPr>
@@ -12593,7 +13040,7 @@
       </p:pic>
       <p:sp>
         <p:nvSpPr>
-          <p:cNvPr id="18" name="Freeform 11">
+          <p:cNvPr id="27" name="Freeform 11">
             <a:extLst>
               <a:ext uri="{FF2B5EF4-FFF2-40B4-BE49-F238E27FC236}">
                 <a16:creationId xmlns:a16="http://schemas.microsoft.com/office/drawing/2014/main" id="{9185F495-8EFA-407B-AAD7-A2F52AE2C3EC}"/>
@@ -12821,7 +13268,7 @@
 </p:sld>
 </file>
 
-<file path=ppt/slides/slide13.xml><?xml version="1.0" encoding="utf-8"?>
+<file path=ppt/slides/slide14.xml><?xml version="1.0" encoding="utf-8"?>
 <p:sld xmlns:a="http://schemas.openxmlformats.org/drawingml/2006/main" xmlns:r="http://schemas.openxmlformats.org/officeDocument/2006/relationships" xmlns:p="http://schemas.openxmlformats.org/presentationml/2006/main">
   <p:cSld>
     <p:spTree>
@@ -12866,14 +13313,14 @@
           <a:p>
             <a:r>
               <a:rPr lang="ja-JP" altLang="en-US" dirty="0"/>
-              <a:t>モデルの評価</a:t>
+              <a:t>予測値の評価</a:t>
             </a:r>
             <a:endParaRPr kumimoji="1" lang="ja-JP" altLang="en-US" dirty="0"/>
           </a:p>
         </p:txBody>
       </p:sp>
-      <mc:AlternateContent xmlns:mc="http://schemas.openxmlformats.org/markup-compatibility/2006">
-        <mc:Choice xmlns:a14="http://schemas.microsoft.com/office/drawing/2010/main" Requires="a14">
+      <mc:AlternateContent xmlns:mc="http://schemas.openxmlformats.org/markup-compatibility/2006" xmlns:a14="http://schemas.microsoft.com/office/drawing/2010/main">
+        <mc:Choice Requires="a14">
           <p:sp>
             <p:nvSpPr>
               <p:cNvPr id="3" name="コンテンツ プレースホルダー 2">
@@ -13219,7 +13666,11 @@
                 </a:pPr>
                 <a:r>
                   <a:rPr kumimoji="1" lang="ja-JP" altLang="en-US" sz="2400" dirty="0"/>
-                  <a:t>この値が大きいと予測値が実際の値より外れているということであり、いいモデルとは言えない</a:t>
+                  <a:t>この値が大きいと予測値が実際の値より外れているということ</a:t>
+                </a:r>
+                <a:r>
+                  <a:rPr lang="ja-JP" altLang="en-US" sz="2400" dirty="0"/>
+                  <a:t>になる。</a:t>
                 </a:r>
                 <a:endParaRPr kumimoji="1" lang="en-US" altLang="ja-JP" sz="2400" dirty="0"/>
               </a:p>
@@ -13254,13 +13705,13 @@
                 </a:r>
                 <a:r>
                   <a:rPr lang="en-US" altLang="ja-JP" sz="2400" dirty="0"/>
-                  <a:t>RMSE: 11236.073649144848</a:t>
+                  <a:t>RMSE: 7857.897549416265</a:t>
                 </a:r>
               </a:p>
             </p:txBody>
           </p:sp>
         </mc:Choice>
-        <mc:Fallback>
+        <mc:Fallback xmlns="">
           <p:sp>
             <p:nvSpPr>
               <p:cNvPr id="3" name="コンテンツ プレースホルダー 2">
@@ -13317,7 +13768,7 @@
 </p:sld>
 </file>
 
-<file path=ppt/slides/slide14.xml><?xml version="1.0" encoding="utf-8"?>
+<file path=ppt/slides/slide15.xml><?xml version="1.0" encoding="utf-8"?>
 <p:sld xmlns:a="http://schemas.openxmlformats.org/drawingml/2006/main" xmlns:r="http://schemas.openxmlformats.org/officeDocument/2006/relationships" xmlns:p="http://schemas.openxmlformats.org/presentationml/2006/main">
   <p:cSld>
     <p:spTree>
@@ -14087,8 +14538,8 @@
           </a:p>
         </p:txBody>
       </p:sp>
-      <mc:AlternateContent xmlns:mc="http://schemas.openxmlformats.org/markup-compatibility/2006">
-        <mc:Choice xmlns:a14="http://schemas.microsoft.com/office/drawing/2010/main" Requires="a14">
+      <mc:AlternateContent xmlns:mc="http://schemas.openxmlformats.org/markup-compatibility/2006" xmlns:a14="http://schemas.microsoft.com/office/drawing/2010/main">
+        <mc:Choice Requires="a14">
           <p:sp>
             <p:nvSpPr>
               <p:cNvPr id="3" name="コンテンツ プレースホルダー 2">
@@ -14645,7 +15096,7 @@
             </p:txBody>
           </p:sp>
         </mc:Choice>
-        <mc:Fallback>
+        <mc:Fallback xmlns="">
           <p:sp>
             <p:nvSpPr>
               <p:cNvPr id="3" name="コンテンツ プレースホルダー 2">
@@ -14975,8 +15426,8 @@
           </a:p>
         </p:txBody>
       </p:sp>
-      <mc:AlternateContent xmlns:mc="http://schemas.openxmlformats.org/markup-compatibility/2006">
-        <mc:Choice xmlns:a14="http://schemas.microsoft.com/office/drawing/2010/main" Requires="a14">
+      <mc:AlternateContent xmlns:mc="http://schemas.openxmlformats.org/markup-compatibility/2006" xmlns:a14="http://schemas.microsoft.com/office/drawing/2010/main">
+        <mc:Choice Requires="a14">
           <p:sp>
             <p:nvSpPr>
               <p:cNvPr id="3" name="コンテンツ プレースホルダー 2">
@@ -15109,7 +15560,7 @@
             </p:txBody>
           </p:sp>
         </mc:Choice>
-        <mc:Fallback>
+        <mc:Fallback xmlns="">
           <p:sp>
             <p:nvSpPr>
               <p:cNvPr id="3" name="コンテンツ プレースホルダー 2">

--- a/ARmodel.pptx
+++ b/ARmodel.pptx
@@ -5,24 +5,25 @@
     <p:sldMasterId id="2147483696" r:id="rId1"/>
   </p:sldMasterIdLst>
   <p:notesMasterIdLst>
-    <p:notesMasterId r:id="rId17"/>
+    <p:notesMasterId r:id="rId18"/>
   </p:notesMasterIdLst>
   <p:sldIdLst>
     <p:sldId id="256" r:id="rId2"/>
-    <p:sldId id="257" r:id="rId3"/>
-    <p:sldId id="258" r:id="rId4"/>
-    <p:sldId id="259" r:id="rId5"/>
-    <p:sldId id="260" r:id="rId6"/>
-    <p:sldId id="261" r:id="rId7"/>
-    <p:sldId id="262" r:id="rId8"/>
-    <p:sldId id="263" r:id="rId9"/>
-    <p:sldId id="264" r:id="rId10"/>
-    <p:sldId id="267" r:id="rId11"/>
-    <p:sldId id="270" r:id="rId12"/>
-    <p:sldId id="265" r:id="rId13"/>
-    <p:sldId id="266" r:id="rId14"/>
-    <p:sldId id="268" r:id="rId15"/>
-    <p:sldId id="269" r:id="rId16"/>
+    <p:sldId id="271" r:id="rId3"/>
+    <p:sldId id="257" r:id="rId4"/>
+    <p:sldId id="258" r:id="rId5"/>
+    <p:sldId id="259" r:id="rId6"/>
+    <p:sldId id="260" r:id="rId7"/>
+    <p:sldId id="261" r:id="rId8"/>
+    <p:sldId id="262" r:id="rId9"/>
+    <p:sldId id="263" r:id="rId10"/>
+    <p:sldId id="264" r:id="rId11"/>
+    <p:sldId id="267" r:id="rId12"/>
+    <p:sldId id="270" r:id="rId13"/>
+    <p:sldId id="265" r:id="rId14"/>
+    <p:sldId id="266" r:id="rId15"/>
+    <p:sldId id="268" r:id="rId16"/>
+    <p:sldId id="269" r:id="rId17"/>
   </p:sldIdLst>
   <p:sldSz cx="12192000" cy="6858000"/>
   <p:notesSz cx="6858000" cy="9144000"/>
@@ -1433,7 +1434,7 @@
           <a:p>
             <a:fld id="{05913748-C3C3-497B-971B-D487EE6E04F6}" type="datetimeFigureOut">
               <a:rPr kumimoji="1" lang="ja-JP" altLang="en-US" smtClean="0"/>
-              <a:t>2022/10/5</a:t>
+              <a:t>2022/10/6</a:t>
             </a:fld>
             <a:endParaRPr kumimoji="1" lang="ja-JP" altLang="en-US"/>
           </a:p>
@@ -1776,90 +1777,7 @@
           <a:bodyPr/>
           <a:lstStyle/>
           <a:p>
-            <a:r>
-              <a:rPr kumimoji="1" lang="ja-JP" altLang="en-US" dirty="0"/>
-              <a:t>時系列データとは月や年など一定の間隔でとられた一連のデータのことを言う。</a:t>
-            </a:r>
-            <a:endParaRPr kumimoji="1" lang="en-US" altLang="ja-JP" dirty="0"/>
-          </a:p>
-          <a:p>
-            <a:r>
-              <a:rPr kumimoji="1" lang="ja-JP" altLang="en-US" dirty="0"/>
-              <a:t>時系列データの特徴として各間隔でデータは一回しか手に入らないということがある。</a:t>
-            </a:r>
-            <a:endParaRPr kumimoji="1" lang="en-US" altLang="ja-JP" dirty="0"/>
-          </a:p>
-          <a:p>
-            <a:r>
-              <a:rPr kumimoji="1" lang="ja-JP" altLang="en-US" dirty="0"/>
-              <a:t>例えば</a:t>
-            </a:r>
-            <a:r>
-              <a:rPr kumimoji="1" lang="en-US" altLang="ja-JP" dirty="0"/>
-              <a:t>2020/1/1</a:t>
-            </a:r>
-            <a:r>
-              <a:rPr kumimoji="1" lang="ja-JP" altLang="en-US" dirty="0"/>
-              <a:t>の気温のデータはその日観測して一回しか取得出来ない。</a:t>
-            </a:r>
-            <a:endParaRPr kumimoji="1" lang="en-US" altLang="ja-JP" dirty="0"/>
-          </a:p>
-          <a:p>
-            <a:endParaRPr kumimoji="1" lang="en-US" altLang="ja-JP" dirty="0"/>
-          </a:p>
-          <a:p>
-            <a:endParaRPr kumimoji="1" lang="en-US" altLang="ja-JP" dirty="0"/>
-          </a:p>
-          <a:p>
-            <a:r>
-              <a:rPr kumimoji="1" lang="ja-JP" altLang="en-US" dirty="0"/>
-              <a:t>どのように時系列データを取り扱っていくか</a:t>
-            </a:r>
-            <a:endParaRPr kumimoji="1" lang="en-US" altLang="ja-JP" dirty="0"/>
-          </a:p>
-          <a:p>
-            <a:r>
-              <a:rPr kumimoji="1" lang="ja-JP" altLang="en-US" dirty="0"/>
-              <a:t>ここでいう母集団というのは</a:t>
-            </a:r>
-            <a:r>
-              <a:rPr kumimoji="1" lang="en-US" altLang="ja-JP" dirty="0"/>
-              <a:t>2020/1/1</a:t>
-            </a:r>
-            <a:r>
-              <a:rPr kumimoji="1" lang="ja-JP" altLang="en-US" dirty="0"/>
-              <a:t>という日が無数にあったときの気温のデータ群のこと。</a:t>
-            </a:r>
-            <a:endParaRPr kumimoji="1" lang="en-US" altLang="ja-JP" dirty="0"/>
-          </a:p>
-          <a:p>
-            <a:r>
-              <a:rPr kumimoji="1" lang="ja-JP" altLang="en-US" dirty="0"/>
-              <a:t>つまり実現値はその母集団のデータから確率的に観測されたデータが取得できたと考える。</a:t>
-            </a:r>
-            <a:endParaRPr kumimoji="1" lang="en-US" altLang="ja-JP" dirty="0"/>
-          </a:p>
-          <a:p>
-            <a:r>
-              <a:rPr kumimoji="1" lang="ja-JP" altLang="en-US" dirty="0"/>
-              <a:t>そのためパラレルワールドの世界線では違う観測値が得られていたかもしれない。</a:t>
-            </a:r>
-            <a:endParaRPr kumimoji="1" lang="en-US" altLang="ja-JP" dirty="0"/>
-          </a:p>
-          <a:p>
-            <a:endParaRPr kumimoji="1" lang="en-US" altLang="ja-JP" dirty="0"/>
-          </a:p>
-          <a:p>
-            <a:endParaRPr kumimoji="1" lang="en-US" altLang="ja-JP" dirty="0"/>
-          </a:p>
-          <a:p>
-            <a:endParaRPr kumimoji="1" lang="en-US" altLang="ja-JP" dirty="0"/>
-          </a:p>
-          <a:p>
-            <a:endParaRPr kumimoji="1" lang="en-US" altLang="ja-JP" dirty="0"/>
-          </a:p>
-          <a:p>
-            <a:endParaRPr kumimoji="1" lang="en-US" altLang="ja-JP" dirty="0"/>
+            <a:endParaRPr kumimoji="1" lang="ja-JP" altLang="en-US" dirty="0"/>
           </a:p>
         </p:txBody>
       </p:sp>
@@ -1880,7 +1798,7 @@
           <a:p>
             <a:fld id="{E2F9E952-8737-4CBD-93F9-62310AC6F9C6}" type="slidenum">
               <a:rPr kumimoji="1" lang="ja-JP" altLang="en-US" smtClean="0"/>
-              <a:t>2</a:t>
+              <a:t>1</a:t>
             </a:fld>
             <a:endParaRPr kumimoji="1" lang="ja-JP" altLang="en-US"/>
           </a:p>
@@ -1889,7 +1807,7 @@
     </p:spTree>
     <p:extLst>
       <p:ext uri="{BB962C8B-B14F-4D97-AF65-F5344CB8AC3E}">
-        <p14:creationId xmlns:p14="http://schemas.microsoft.com/office/powerpoint/2010/main" val="3589367858"/>
+        <p14:creationId xmlns:p14="http://schemas.microsoft.com/office/powerpoint/2010/main" val="3813827302"/>
       </p:ext>
     </p:extLst>
   </p:cSld>
@@ -1945,21 +1863,21 @@
           <a:p>
             <a:r>
               <a:rPr kumimoji="1" lang="ja-JP" altLang="en-US" dirty="0"/>
-              <a:t>上の図の緑の線は標準正規分布を表す線で、オレンジの線は実際のモデルでのホワイトノイズである。ホワイトノイズは無秩序に標準正規分布から取得されるデータであるのでオレンジの線が緑の線に</a:t>
+              <a:t>モデルはどのような確率分布なのかを表す。その確率分布から実際の実測値がどれくらいの確率で得られるのかを表すのが尤度であり、値が大きいということはその確率分布（モデル）からデータを取得した場合実測値を得られる可能性が高いということを表します。つまりこの値は大きいほど実際の確率分布とモデルが近いということを表すのでモデルの評価になります。</a:t>
             </a:r>
             <a:endParaRPr kumimoji="1" lang="en-US" altLang="ja-JP" dirty="0"/>
           </a:p>
           <a:p>
             <a:r>
               <a:rPr kumimoji="1" lang="ja-JP" altLang="en-US" dirty="0"/>
-              <a:t>近ければ近いほどいいモデルということになる。</a:t>
+              <a:t>またパラメータを増やせば実測したデータとの適合率は上がりますが、標本に飛び値、が含まれる場合、標本に適合しすぎると予測がうまくいかない。そのためパラメータはできるだけ少ないほうがいい。</a:t>
             </a:r>
             <a:endParaRPr kumimoji="1" lang="en-US" altLang="ja-JP" dirty="0"/>
           </a:p>
           <a:p>
             <a:r>
               <a:rPr kumimoji="1" lang="ja-JP" altLang="en-US" dirty="0"/>
-              <a:t>下のグラフはホワイトノイズのコレログラムである。本来ホワイトノイズは無秩序である必要があるため前のデータとの相関はあってはだめなので自己相関が低ければ低いほどいいモデルということになる。</a:t>
+              <a:t>つまり良いモデルは少ないパラメータで実際の確率分布に近くなるように作ったものということになる。</a:t>
             </a:r>
             <a:endParaRPr kumimoji="1" lang="en-US" altLang="ja-JP" dirty="0"/>
           </a:p>
@@ -1982,7 +1900,7 @@
           <a:p>
             <a:fld id="{E2F9E952-8737-4CBD-93F9-62310AC6F9C6}" type="slidenum">
               <a:rPr kumimoji="1" lang="ja-JP" altLang="en-US" smtClean="0"/>
-              <a:t>13</a:t>
+              <a:t>12</a:t>
             </a:fld>
             <a:endParaRPr kumimoji="1" lang="ja-JP" altLang="en-US"/>
           </a:p>
@@ -1991,7 +1909,7 @@
     </p:spTree>
     <p:extLst>
       <p:ext uri="{BB962C8B-B14F-4D97-AF65-F5344CB8AC3E}">
-        <p14:creationId xmlns:p14="http://schemas.microsoft.com/office/powerpoint/2010/main" val="692050670"/>
+        <p14:creationId xmlns:p14="http://schemas.microsoft.com/office/powerpoint/2010/main" val="2616868300"/>
       </p:ext>
     </p:extLst>
   </p:cSld>
@@ -2046,77 +1964,14 @@
           <a:lstStyle/>
           <a:p>
             <a:r>
-              <a:rPr kumimoji="1" lang="ja-JP" altLang="en-US" dirty="0"/>
-              <a:t>この評価はテストデータによって行っている。</a:t>
-            </a:r>
-            <a:endParaRPr kumimoji="1" lang="en-US" altLang="ja-JP" dirty="0"/>
-          </a:p>
-          <a:p>
-            <a:r>
-              <a:rPr kumimoji="1" lang="ja-JP" altLang="en-US" dirty="0"/>
-              <a:t>今回</a:t>
-            </a:r>
-            <a:r>
-              <a:rPr kumimoji="1" lang="en-US" altLang="ja-JP" dirty="0"/>
-              <a:t>SAR</a:t>
-            </a:r>
-            <a:r>
-              <a:rPr kumimoji="1" lang="ja-JP" altLang="en-US" dirty="0"/>
-              <a:t>モデルの方は</a:t>
-            </a:r>
-            <a:r>
-              <a:rPr kumimoji="1" lang="en-US" altLang="ja-JP" dirty="0"/>
-              <a:t>AIC</a:t>
-            </a:r>
-            <a:r>
-              <a:rPr kumimoji="1" lang="ja-JP" altLang="en-US" dirty="0"/>
-              <a:t>が最小のものを選んだが、テストデータでの評価はＡＲモデルの方が良いモデルになっている。</a:t>
-            </a:r>
-            <a:endParaRPr kumimoji="1" lang="en-US" altLang="ja-JP" dirty="0"/>
-          </a:p>
-          <a:p>
-            <a:r>
-              <a:rPr kumimoji="1" lang="ja-JP" altLang="en-US" dirty="0"/>
-              <a:t>ＳＡＲモデルで</a:t>
-            </a:r>
-            <a:r>
-              <a:rPr kumimoji="1" lang="en-US" altLang="ja-JP" dirty="0"/>
-              <a:t>AIC</a:t>
-            </a:r>
-            <a:r>
-              <a:rPr kumimoji="1" lang="ja-JP" altLang="en-US" dirty="0"/>
-              <a:t>が比較的低いものを選んだ時</a:t>
-            </a:r>
-            <a:r>
               <a:rPr kumimoji="1" lang="en-US" altLang="ja-JP" dirty="0"/>
               <a:t>AR</a:t>
             </a:r>
             <a:r>
               <a:rPr kumimoji="1" lang="ja-JP" altLang="en-US" dirty="0"/>
-              <a:t>モデルより精度がいいものもあったため</a:t>
-            </a:r>
-            <a:r>
-              <a:rPr kumimoji="1" lang="en-US" altLang="ja-JP" dirty="0"/>
-              <a:t>AIC</a:t>
-            </a:r>
-            <a:r>
-              <a:rPr kumimoji="1" lang="ja-JP" altLang="en-US" dirty="0"/>
-              <a:t>が低いモデルが必ずしもいいモデルと</a:t>
+              <a:t>モデルで予測値が含まれていない部分があるのは過去のデータを予測するのに使うがそのデータがないためである。</a:t>
             </a:r>
             <a:endParaRPr kumimoji="1" lang="en-US" altLang="ja-JP" dirty="0"/>
-          </a:p>
-          <a:p>
-            <a:r>
-              <a:rPr kumimoji="1" lang="ja-JP" altLang="en-US" dirty="0"/>
-              <a:t>限らないことが分かる。</a:t>
-            </a:r>
-            <a:endParaRPr kumimoji="1" lang="en-US" altLang="ja-JP" dirty="0"/>
-          </a:p>
-          <a:p>
-            <a:endParaRPr kumimoji="1" lang="en-US" altLang="ja-JP" dirty="0"/>
-          </a:p>
-          <a:p>
-            <a:endParaRPr kumimoji="1" lang="ja-JP" altLang="en-US" dirty="0"/>
           </a:p>
         </p:txBody>
       </p:sp>
@@ -2137,7 +1992,7 @@
           <a:p>
             <a:fld id="{E2F9E952-8737-4CBD-93F9-62310AC6F9C6}" type="slidenum">
               <a:rPr kumimoji="1" lang="ja-JP" altLang="en-US" smtClean="0"/>
-              <a:t>14</a:t>
+              <a:t>13</a:t>
             </a:fld>
             <a:endParaRPr kumimoji="1" lang="ja-JP" altLang="en-US"/>
           </a:p>
@@ -2146,7 +2001,7 @@
     </p:spTree>
     <p:extLst>
       <p:ext uri="{BB962C8B-B14F-4D97-AF65-F5344CB8AC3E}">
-        <p14:creationId xmlns:p14="http://schemas.microsoft.com/office/powerpoint/2010/main" val="3758375425"/>
+        <p14:creationId xmlns:p14="http://schemas.microsoft.com/office/powerpoint/2010/main" val="1905731758"/>
       </p:ext>
     </p:extLst>
   </p:cSld>
@@ -2202,22 +2057,178 @@
           <a:p>
             <a:r>
               <a:rPr kumimoji="1" lang="ja-JP" altLang="en-US" dirty="0"/>
-              <a:t>より短い期間で狭い領域での時系列データを分析する。</a:t>
+              <a:t>上の図の緑の線は標準正規分布を表す線で、オレンジの線は実際のモデルでのホワイトノイズである。ホワイトノイズは無秩序に標準正規分布から取得されるデータであるのでオレンジの線が緑の線に</a:t>
             </a:r>
             <a:endParaRPr kumimoji="1" lang="en-US" altLang="ja-JP" dirty="0"/>
           </a:p>
           <a:p>
             <a:r>
               <a:rPr kumimoji="1" lang="ja-JP" altLang="en-US" dirty="0"/>
-              <a:t>短い期間、狭い領域の方が需要があるため。</a:t>
+              <a:t>近ければ近いほどいいモデルということになる。</a:t>
             </a:r>
             <a:endParaRPr kumimoji="1" lang="en-US" altLang="ja-JP" dirty="0"/>
           </a:p>
           <a:p>
             <a:r>
               <a:rPr kumimoji="1" lang="ja-JP" altLang="en-US" dirty="0"/>
-              <a:t>短い期間、狭い領域だと小さなことでもデータに影響を与えるため予測が難しい。</a:t>
-            </a:r>
+              <a:t>下のグラフはホワイトノイズのコレログラムである。本来ホワイトノイズは無秩序である必要があるため前のデータとの相関はあってはだめなので自己相関が低ければ低いほどいいモデルということになる。</a:t>
+            </a:r>
+            <a:endParaRPr kumimoji="1" lang="en-US" altLang="ja-JP" dirty="0"/>
+          </a:p>
+        </p:txBody>
+      </p:sp>
+      <p:sp>
+        <p:nvSpPr>
+          <p:cNvPr id="4" name="スライド番号プレースホルダー 3"/>
+          <p:cNvSpPr>
+            <a:spLocks noGrp="1"/>
+          </p:cNvSpPr>
+          <p:nvPr>
+            <p:ph type="sldNum" sz="quarter" idx="5"/>
+          </p:nvPr>
+        </p:nvSpPr>
+        <p:spPr/>
+        <p:txBody>
+          <a:bodyPr/>
+          <a:lstStyle/>
+          <a:p>
+            <a:fld id="{E2F9E952-8737-4CBD-93F9-62310AC6F9C6}" type="slidenum">
+              <a:rPr kumimoji="1" lang="ja-JP" altLang="en-US" smtClean="0"/>
+              <a:t>14</a:t>
+            </a:fld>
+            <a:endParaRPr kumimoji="1" lang="ja-JP" altLang="en-US"/>
+          </a:p>
+        </p:txBody>
+      </p:sp>
+    </p:spTree>
+    <p:extLst>
+      <p:ext uri="{BB962C8B-B14F-4D97-AF65-F5344CB8AC3E}">
+        <p14:creationId xmlns:p14="http://schemas.microsoft.com/office/powerpoint/2010/main" val="692050670"/>
+      </p:ext>
+    </p:extLst>
+  </p:cSld>
+  <p:clrMapOvr>
+    <a:masterClrMapping/>
+  </p:clrMapOvr>
+</p:notes>
+</file>
+
+<file path=ppt/notesSlides/notesSlide13.xml><?xml version="1.0" encoding="utf-8"?>
+<p:notes xmlns:a="http://schemas.openxmlformats.org/drawingml/2006/main" xmlns:r="http://schemas.openxmlformats.org/officeDocument/2006/relationships" xmlns:p="http://schemas.openxmlformats.org/presentationml/2006/main">
+  <p:cSld>
+    <p:spTree>
+      <p:nvGrpSpPr>
+        <p:cNvPr id="1" name=""/>
+        <p:cNvGrpSpPr/>
+        <p:nvPr/>
+      </p:nvGrpSpPr>
+      <p:grpSpPr>
+        <a:xfrm>
+          <a:off x="0" y="0"/>
+          <a:ext cx="0" cy="0"/>
+          <a:chOff x="0" y="0"/>
+          <a:chExt cx="0" cy="0"/>
+        </a:xfrm>
+      </p:grpSpPr>
+      <p:sp>
+        <p:nvSpPr>
+          <p:cNvPr id="2" name="スライド イメージ プレースホルダー 1"/>
+          <p:cNvSpPr>
+            <a:spLocks noGrp="1" noRot="1" noChangeAspect="1"/>
+          </p:cNvSpPr>
+          <p:nvPr>
+            <p:ph type="sldImg"/>
+          </p:nvPr>
+        </p:nvSpPr>
+        <p:spPr/>
+      </p:sp>
+      <p:sp>
+        <p:nvSpPr>
+          <p:cNvPr id="3" name="ノート プレースホルダー 2"/>
+          <p:cNvSpPr>
+            <a:spLocks noGrp="1"/>
+          </p:cNvSpPr>
+          <p:nvPr>
+            <p:ph type="body" idx="1"/>
+          </p:nvPr>
+        </p:nvSpPr>
+        <p:spPr/>
+        <p:txBody>
+          <a:bodyPr/>
+          <a:lstStyle/>
+          <a:p>
+            <a:r>
+              <a:rPr kumimoji="1" lang="ja-JP" altLang="en-US" dirty="0"/>
+              <a:t>この評価はテストデータによって行っている。</a:t>
+            </a:r>
+            <a:endParaRPr kumimoji="1" lang="en-US" altLang="ja-JP" dirty="0"/>
+          </a:p>
+          <a:p>
+            <a:r>
+              <a:rPr kumimoji="1" lang="ja-JP" altLang="en-US" dirty="0"/>
+              <a:t>今回</a:t>
+            </a:r>
+            <a:r>
+              <a:rPr kumimoji="1" lang="en-US" altLang="ja-JP" dirty="0"/>
+              <a:t>SAR</a:t>
+            </a:r>
+            <a:r>
+              <a:rPr kumimoji="1" lang="ja-JP" altLang="en-US" dirty="0"/>
+              <a:t>モデルの方は</a:t>
+            </a:r>
+            <a:r>
+              <a:rPr kumimoji="1" lang="en-US" altLang="ja-JP" dirty="0"/>
+              <a:t>AIC</a:t>
+            </a:r>
+            <a:r>
+              <a:rPr kumimoji="1" lang="ja-JP" altLang="en-US" dirty="0"/>
+              <a:t>が最小のものを選んだが、テストデータでの評価はＡＲモデルの方が良いモデルになっている。</a:t>
+            </a:r>
+            <a:endParaRPr kumimoji="1" lang="en-US" altLang="ja-JP" dirty="0"/>
+          </a:p>
+          <a:p>
+            <a:r>
+              <a:rPr kumimoji="1" lang="ja-JP" altLang="en-US" dirty="0"/>
+              <a:t>ＳＡＲモデルで</a:t>
+            </a:r>
+            <a:r>
+              <a:rPr kumimoji="1" lang="en-US" altLang="ja-JP" dirty="0"/>
+              <a:t>AIC</a:t>
+            </a:r>
+            <a:r>
+              <a:rPr kumimoji="1" lang="ja-JP" altLang="en-US" dirty="0"/>
+              <a:t>が比較的低いものを選んだ時</a:t>
+            </a:r>
+            <a:r>
+              <a:rPr kumimoji="1" lang="en-US" altLang="ja-JP" dirty="0"/>
+              <a:t>AR</a:t>
+            </a:r>
+            <a:r>
+              <a:rPr kumimoji="1" lang="ja-JP" altLang="en-US" dirty="0"/>
+              <a:t>モデルより精度がいいものもあったため</a:t>
+            </a:r>
+            <a:r>
+              <a:rPr kumimoji="1" lang="en-US" altLang="ja-JP" dirty="0"/>
+              <a:t>AIC</a:t>
+            </a:r>
+            <a:r>
+              <a:rPr kumimoji="1" lang="ja-JP" altLang="en-US" dirty="0"/>
+              <a:t>が低いモデルが必ずしもいいモデルと</a:t>
+            </a:r>
+            <a:endParaRPr kumimoji="1" lang="en-US" altLang="ja-JP" dirty="0"/>
+          </a:p>
+          <a:p>
+            <a:r>
+              <a:rPr kumimoji="1" lang="ja-JP" altLang="en-US" dirty="0"/>
+              <a:t>限らないことが分かる。</a:t>
+            </a:r>
+            <a:endParaRPr kumimoji="1" lang="en-US" altLang="ja-JP" dirty="0"/>
+          </a:p>
+          <a:p>
+            <a:endParaRPr kumimoji="1" lang="en-US" altLang="ja-JP" dirty="0"/>
+          </a:p>
+          <a:p>
+            <a:endParaRPr kumimoji="1" lang="ja-JP" altLang="en-US" dirty="0"/>
           </a:p>
         </p:txBody>
       </p:sp>
@@ -2239,6 +2250,148 @@
             <a:fld id="{E2F9E952-8737-4CBD-93F9-62310AC6F9C6}" type="slidenum">
               <a:rPr kumimoji="1" lang="ja-JP" altLang="en-US" smtClean="0"/>
               <a:t>15</a:t>
+            </a:fld>
+            <a:endParaRPr kumimoji="1" lang="ja-JP" altLang="en-US"/>
+          </a:p>
+        </p:txBody>
+      </p:sp>
+    </p:spTree>
+    <p:extLst>
+      <p:ext uri="{BB962C8B-B14F-4D97-AF65-F5344CB8AC3E}">
+        <p14:creationId xmlns:p14="http://schemas.microsoft.com/office/powerpoint/2010/main" val="3758375425"/>
+      </p:ext>
+    </p:extLst>
+  </p:cSld>
+  <p:clrMapOvr>
+    <a:masterClrMapping/>
+  </p:clrMapOvr>
+</p:notes>
+</file>
+
+<file path=ppt/notesSlides/notesSlide14.xml><?xml version="1.0" encoding="utf-8"?>
+<p:notes xmlns:a="http://schemas.openxmlformats.org/drawingml/2006/main" xmlns:r="http://schemas.openxmlformats.org/officeDocument/2006/relationships" xmlns:p="http://schemas.openxmlformats.org/presentationml/2006/main">
+  <p:cSld>
+    <p:spTree>
+      <p:nvGrpSpPr>
+        <p:cNvPr id="1" name=""/>
+        <p:cNvGrpSpPr/>
+        <p:nvPr/>
+      </p:nvGrpSpPr>
+      <p:grpSpPr>
+        <a:xfrm>
+          <a:off x="0" y="0"/>
+          <a:ext cx="0" cy="0"/>
+          <a:chOff x="0" y="0"/>
+          <a:chExt cx="0" cy="0"/>
+        </a:xfrm>
+      </p:grpSpPr>
+      <p:sp>
+        <p:nvSpPr>
+          <p:cNvPr id="2" name="スライド イメージ プレースホルダー 1"/>
+          <p:cNvSpPr>
+            <a:spLocks noGrp="1" noRot="1" noChangeAspect="1"/>
+          </p:cNvSpPr>
+          <p:nvPr>
+            <p:ph type="sldImg"/>
+          </p:nvPr>
+        </p:nvSpPr>
+        <p:spPr/>
+      </p:sp>
+      <p:sp>
+        <p:nvSpPr>
+          <p:cNvPr id="3" name="ノート プレースホルダー 2"/>
+          <p:cNvSpPr>
+            <a:spLocks noGrp="1"/>
+          </p:cNvSpPr>
+          <p:nvPr>
+            <p:ph type="body" idx="1"/>
+          </p:nvPr>
+        </p:nvSpPr>
+        <p:spPr/>
+        <p:txBody>
+          <a:bodyPr/>
+          <a:lstStyle/>
+          <a:p>
+            <a:r>
+              <a:rPr kumimoji="1" lang="ja-JP" altLang="en-US" dirty="0"/>
+              <a:t>先ほど挙げた東京都全体などの分析だとあまり需要がないので</a:t>
+            </a:r>
+            <a:endParaRPr kumimoji="1" lang="en-US" altLang="ja-JP" dirty="0"/>
+          </a:p>
+          <a:p>
+            <a:r>
+              <a:rPr kumimoji="1" lang="ja-JP" altLang="en-US" dirty="0"/>
+              <a:t>狭い領域で短い時間間隔で需要のある分析を行う。</a:t>
+            </a:r>
+            <a:endParaRPr kumimoji="1" lang="en-US" altLang="ja-JP" dirty="0"/>
+          </a:p>
+          <a:p>
+            <a:r>
+              <a:rPr kumimoji="1" lang="ja-JP" altLang="en-US" dirty="0"/>
+              <a:t>短い期間、狭い領域の方が需要があるため。</a:t>
+            </a:r>
+            <a:endParaRPr kumimoji="1" lang="en-US" altLang="ja-JP" dirty="0"/>
+          </a:p>
+          <a:p>
+            <a:r>
+              <a:rPr kumimoji="1" lang="ja-JP" altLang="en-US" dirty="0"/>
+              <a:t>短い期間、狭い領域だと小さなことでもデータに影響を与えるため予測が難しい。</a:t>
+            </a:r>
+            <a:endParaRPr kumimoji="1" lang="en-US" altLang="ja-JP" dirty="0"/>
+          </a:p>
+          <a:p>
+            <a:endParaRPr kumimoji="1" lang="en-US" altLang="ja-JP" dirty="0"/>
+          </a:p>
+          <a:p>
+            <a:r>
+              <a:rPr kumimoji="1" lang="ja-JP" altLang="en-US" dirty="0"/>
+              <a:t>ものを製造する減量を作る　　ごみを排出する</a:t>
+            </a:r>
+            <a:endParaRPr kumimoji="1" lang="en-US" altLang="ja-JP" dirty="0"/>
+          </a:p>
+          <a:p>
+            <a:r>
+              <a:rPr kumimoji="1" lang="ja-JP" altLang="en-US" dirty="0"/>
+              <a:t>上流側のデータと下流側のデータの関連性</a:t>
+            </a:r>
+            <a:endParaRPr kumimoji="1" lang="en-US" altLang="ja-JP" dirty="0"/>
+          </a:p>
+          <a:p>
+            <a:endParaRPr kumimoji="1" lang="en-US" altLang="ja-JP" dirty="0"/>
+          </a:p>
+          <a:p>
+            <a:r>
+              <a:rPr kumimoji="1" lang="ja-JP" altLang="en-US" dirty="0"/>
+              <a:t>物を製造したり、原料を作ったりしたときの量とゴミの排出量との定量的な関係を知ることが目的</a:t>
+            </a:r>
+            <a:endParaRPr kumimoji="1" lang="en-US" altLang="ja-JP" dirty="0"/>
+          </a:p>
+          <a:p>
+            <a:endParaRPr kumimoji="1" lang="en-US" altLang="ja-JP" dirty="0"/>
+          </a:p>
+          <a:p>
+            <a:endParaRPr kumimoji="1" lang="en-US" altLang="ja-JP" dirty="0"/>
+          </a:p>
+        </p:txBody>
+      </p:sp>
+      <p:sp>
+        <p:nvSpPr>
+          <p:cNvPr id="4" name="スライド番号プレースホルダー 3"/>
+          <p:cNvSpPr>
+            <a:spLocks noGrp="1"/>
+          </p:cNvSpPr>
+          <p:nvPr>
+            <p:ph type="sldNum" sz="quarter" idx="5"/>
+          </p:nvPr>
+        </p:nvSpPr>
+        <p:spPr/>
+        <p:txBody>
+          <a:bodyPr/>
+          <a:lstStyle/>
+          <a:p>
+            <a:fld id="{E2F9E952-8737-4CBD-93F9-62310AC6F9C6}" type="slidenum">
+              <a:rPr kumimoji="1" lang="ja-JP" altLang="en-US" smtClean="0"/>
+              <a:t>16</a:t>
             </a:fld>
             <a:endParaRPr kumimoji="1" lang="ja-JP" altLang="en-US"/>
           </a:p>
@@ -2301,121 +2454,6 @@
           <a:bodyPr/>
           <a:lstStyle/>
           <a:p>
-            <a:r>
-              <a:rPr kumimoji="1" lang="ja-JP" altLang="en-US" dirty="0"/>
-              <a:t>この場合期待値は</a:t>
-            </a:r>
-            <a:r>
-              <a:rPr kumimoji="1" lang="en-US" altLang="ja-JP" dirty="0"/>
-              <a:t>3.5</a:t>
-            </a:r>
-            <a:r>
-              <a:rPr kumimoji="1" lang="ja-JP" altLang="en-US" dirty="0"/>
-              <a:t>になる。つまり実際に観測していないが、確率的に</a:t>
-            </a:r>
-            <a:r>
-              <a:rPr kumimoji="1" lang="en-US" altLang="ja-JP" dirty="0"/>
-              <a:t>3.5</a:t>
-            </a:r>
-            <a:r>
-              <a:rPr kumimoji="1" lang="ja-JP" altLang="en-US" dirty="0"/>
-              <a:t>付近になるだろうと予測できる。</a:t>
-            </a:r>
-            <a:endParaRPr kumimoji="1" lang="en-US" altLang="ja-JP" dirty="0"/>
-          </a:p>
-          <a:p>
-            <a:pPr marL="0" marR="0" lvl="0" indent="0" algn="l" defTabSz="914400" rtl="0" eaLnBrk="1" fontAlgn="auto" latinLnBrk="0" hangingPunct="1">
-              <a:lnSpc>
-                <a:spcPct val="100000"/>
-              </a:lnSpc>
-              <a:spcBef>
-                <a:spcPts val="0"/>
-              </a:spcBef>
-              <a:spcAft>
-                <a:spcPts val="0"/>
-              </a:spcAft>
-              <a:buClrTx/>
-              <a:buSzTx/>
-              <a:buFontTx/>
-              <a:buNone/>
-              <a:tabLst/>
-              <a:defRPr/>
-            </a:pPr>
-            <a:r>
-              <a:rPr kumimoji="1" lang="ja-JP" altLang="en-US" dirty="0"/>
-              <a:t>このように母集団の平均や分散が分かれば、例えばこれが未来の日の気温の母集団だとしたら未来の日にとりうるであろう気温を予測できるようになる。</a:t>
-            </a:r>
-            <a:endParaRPr kumimoji="1" lang="en-US" altLang="ja-JP" dirty="0"/>
-          </a:p>
-          <a:p>
-            <a:pPr marL="0" marR="0" lvl="0" indent="0" algn="l" defTabSz="914400" rtl="0" eaLnBrk="1" fontAlgn="auto" latinLnBrk="0" hangingPunct="1">
-              <a:lnSpc>
-                <a:spcPct val="100000"/>
-              </a:lnSpc>
-              <a:spcBef>
-                <a:spcPts val="0"/>
-              </a:spcBef>
-              <a:spcAft>
-                <a:spcPts val="0"/>
-              </a:spcAft>
-              <a:buClrTx/>
-              <a:buSzTx/>
-              <a:buFontTx/>
-              <a:buNone/>
-              <a:tabLst/>
-              <a:defRPr/>
-            </a:pPr>
-            <a:r>
-              <a:rPr kumimoji="1" lang="ja-JP" altLang="en-US" dirty="0"/>
-              <a:t>ただこの確率分布は天から降ってくるわけではなく、あらゆる条件を加味して自分で考える必要がある。</a:t>
-            </a:r>
-            <a:endParaRPr kumimoji="1" lang="en-US" altLang="ja-JP" dirty="0"/>
-          </a:p>
-          <a:p>
-            <a:pPr marL="0" marR="0" lvl="0" indent="0" algn="l" defTabSz="914400" rtl="0" eaLnBrk="1" fontAlgn="auto" latinLnBrk="0" hangingPunct="1">
-              <a:lnSpc>
-                <a:spcPct val="100000"/>
-              </a:lnSpc>
-              <a:spcBef>
-                <a:spcPts val="0"/>
-              </a:spcBef>
-              <a:spcAft>
-                <a:spcPts val="0"/>
-              </a:spcAft>
-              <a:buClrTx/>
-              <a:buSzTx/>
-              <a:buFontTx/>
-              <a:buNone/>
-              <a:tabLst/>
-              <a:defRPr/>
-            </a:pPr>
-            <a:r>
-              <a:rPr kumimoji="1" lang="ja-JP" altLang="en-US" dirty="0"/>
-              <a:t>例えば気温の例で行くと、前の日の気温が高ければ次の日の気温も高くなるだろうし、季節的に夏の方が気温が高くなる。こういった条件を加味してどのような母集団から取られるデータなのかをモデル化していく。</a:t>
-            </a:r>
-            <a:endParaRPr kumimoji="1" lang="en-US" altLang="ja-JP" dirty="0"/>
-          </a:p>
-          <a:p>
-            <a:pPr marL="0" marR="0" lvl="0" indent="0" algn="l" defTabSz="914400" rtl="0" eaLnBrk="1" fontAlgn="auto" latinLnBrk="0" hangingPunct="1">
-              <a:lnSpc>
-                <a:spcPct val="100000"/>
-              </a:lnSpc>
-              <a:spcBef>
-                <a:spcPts val="0"/>
-              </a:spcBef>
-              <a:spcAft>
-                <a:spcPts val="0"/>
-              </a:spcAft>
-              <a:buClrTx/>
-              <a:buSzTx/>
-              <a:buFontTx/>
-              <a:buNone/>
-              <a:tabLst/>
-              <a:defRPr/>
-            </a:pPr>
-            <a:endParaRPr kumimoji="1" lang="en-US" altLang="ja-JP" dirty="0"/>
-          </a:p>
-          <a:p>
             <a:endParaRPr kumimoji="1" lang="ja-JP" altLang="en-US" dirty="0"/>
           </a:p>
         </p:txBody>
@@ -2437,7 +2475,7 @@
           <a:p>
             <a:fld id="{E2F9E952-8737-4CBD-93F9-62310AC6F9C6}" type="slidenum">
               <a:rPr kumimoji="1" lang="ja-JP" altLang="en-US" smtClean="0"/>
-              <a:t>3</a:t>
+              <a:t>2</a:t>
             </a:fld>
             <a:endParaRPr kumimoji="1" lang="ja-JP" altLang="en-US"/>
           </a:p>
@@ -2446,7 +2484,7 @@
     </p:spTree>
     <p:extLst>
       <p:ext uri="{BB962C8B-B14F-4D97-AF65-F5344CB8AC3E}">
-        <p14:creationId xmlns:p14="http://schemas.microsoft.com/office/powerpoint/2010/main" val="3549683613"/>
+        <p14:creationId xmlns:p14="http://schemas.microsoft.com/office/powerpoint/2010/main" val="1195528184"/>
       </p:ext>
     </p:extLst>
   </p:cSld>
@@ -2501,88 +2539,89 @@
           <a:lstStyle/>
           <a:p>
             <a:r>
+              <a:rPr kumimoji="1" lang="ja-JP" altLang="en-US"/>
+              <a:t>一般廃棄物は日々変わっていく量なので時系列データである。</a:t>
+            </a:r>
+            <a:endParaRPr kumimoji="1" lang="en-US" altLang="ja-JP"/>
+          </a:p>
+          <a:p>
+            <a:r>
               <a:rPr kumimoji="1" lang="ja-JP" altLang="en-US" dirty="0"/>
-              <a:t>自己共分散というのは</a:t>
+              <a:t>時系列データとは月や年など一定の間隔でとられた一連のデータのことを言う。</a:t>
+            </a:r>
+            <a:endParaRPr kumimoji="1" lang="en-US" altLang="ja-JP" dirty="0"/>
+          </a:p>
+          <a:p>
+            <a:r>
+              <a:rPr kumimoji="1" lang="ja-JP" altLang="en-US" dirty="0"/>
+              <a:t>時系列データの特徴として各間隔でデータは一回しか手に入らないということがある。</a:t>
+            </a:r>
+            <a:endParaRPr kumimoji="1" lang="en-US" altLang="ja-JP" dirty="0"/>
+          </a:p>
+          <a:p>
+            <a:r>
+              <a:rPr kumimoji="1" lang="ja-JP" altLang="en-US" dirty="0"/>
+              <a:t>例えば</a:t>
             </a:r>
             <a:r>
               <a:rPr kumimoji="1" lang="en-US" altLang="ja-JP" dirty="0"/>
-              <a:t>t</a:t>
+              <a:t>2020/1/1</a:t>
             </a:r>
             <a:r>
               <a:rPr kumimoji="1" lang="ja-JP" altLang="en-US" dirty="0"/>
-              <a:t>時点のデータと</a:t>
+              <a:t>の気温のデータはその日観測して一回しか取得出来ない。</a:t>
+            </a:r>
+            <a:endParaRPr kumimoji="1" lang="en-US" altLang="ja-JP" dirty="0"/>
+          </a:p>
+          <a:p>
+            <a:endParaRPr kumimoji="1" lang="en-US" altLang="ja-JP" dirty="0"/>
+          </a:p>
+          <a:p>
+            <a:endParaRPr kumimoji="1" lang="en-US" altLang="ja-JP" dirty="0"/>
+          </a:p>
+          <a:p>
+            <a:r>
+              <a:rPr kumimoji="1" lang="ja-JP" altLang="en-US" dirty="0"/>
+              <a:t>どのように時系列データを取り扱っていくか</a:t>
+            </a:r>
+            <a:endParaRPr kumimoji="1" lang="en-US" altLang="ja-JP" dirty="0"/>
+          </a:p>
+          <a:p>
+            <a:r>
+              <a:rPr kumimoji="1" lang="ja-JP" altLang="en-US" dirty="0"/>
+              <a:t>ここでいう母集団というのは</a:t>
             </a:r>
             <a:r>
               <a:rPr kumimoji="1" lang="en-US" altLang="ja-JP" dirty="0"/>
-              <a:t>t-k</a:t>
+              <a:t>2020/1/1</a:t>
             </a:r>
             <a:r>
               <a:rPr kumimoji="1" lang="ja-JP" altLang="en-US" dirty="0"/>
-              <a:t>時点のデータの平均からの散らばり度合いを掛け算しているもの。</a:t>
+              <a:t>という日が無数にあったときの気温のデータ群のこと。</a:t>
             </a:r>
             <a:endParaRPr kumimoji="1" lang="en-US" altLang="ja-JP" dirty="0"/>
           </a:p>
           <a:p>
             <a:r>
               <a:rPr kumimoji="1" lang="ja-JP" altLang="en-US" dirty="0"/>
-              <a:t>この値がプラスだと</a:t>
-            </a:r>
-            <a:r>
-              <a:rPr kumimoji="1" lang="en-US" altLang="ja-JP" dirty="0"/>
-              <a:t>t</a:t>
-            </a:r>
+              <a:t>つまり実現値はその母集団のデータから確率的に観測されたデータが取得できたと考える。</a:t>
+            </a:r>
+            <a:endParaRPr kumimoji="1" lang="en-US" altLang="ja-JP" dirty="0"/>
+          </a:p>
+          <a:p>
             <a:r>
               <a:rPr kumimoji="1" lang="ja-JP" altLang="en-US" dirty="0"/>
-              <a:t>時点のデータが期待値より大きい時</a:t>
-            </a:r>
-            <a:r>
-              <a:rPr kumimoji="1" lang="en-US" altLang="ja-JP" dirty="0"/>
-              <a:t>t-k</a:t>
-            </a:r>
-            <a:r>
-              <a:rPr kumimoji="1" lang="ja-JP" altLang="en-US" dirty="0"/>
-              <a:t>地点でも期待値より大きいデータであるということを表している。</a:t>
+              <a:t>そのためパラレルワールドの世界線では違う観測値が得られていたかもしれない。</a:t>
             </a:r>
             <a:endParaRPr kumimoji="1" lang="en-US" altLang="ja-JP" dirty="0"/>
           </a:p>
           <a:p>
-            <a:r>
-              <a:rPr kumimoji="1" lang="ja-JP" altLang="en-US" dirty="0"/>
-              <a:t>また平均</a:t>
-            </a:r>
-            <a:r>
-              <a:rPr kumimoji="1" lang="en-US" altLang="ja-JP" dirty="0" err="1"/>
-              <a:t>μt</a:t>
-            </a:r>
-            <a:r>
-              <a:rPr kumimoji="1" lang="ja-JP" altLang="en-US" dirty="0"/>
-              <a:t>や</a:t>
-            </a:r>
-            <a:r>
-              <a:rPr kumimoji="1" lang="en-US" altLang="ja-JP" dirty="0"/>
-              <a:t>μt-1</a:t>
-            </a:r>
-            <a:r>
-              <a:rPr kumimoji="1" lang="ja-JP" altLang="en-US" dirty="0"/>
-              <a:t>はその時点でのデータが複数あるとしたとき平均的にその値になるという意味なので平均の値は時点によって違う。</a:t>
-            </a:r>
             <a:endParaRPr kumimoji="1" lang="en-US" altLang="ja-JP" dirty="0"/>
           </a:p>
           <a:p>
             <a:endParaRPr kumimoji="1" lang="en-US" altLang="ja-JP" dirty="0"/>
           </a:p>
           <a:p>
-            <a:r>
-              <a:rPr kumimoji="1" lang="ja-JP" altLang="en-US" dirty="0"/>
-              <a:t>自己共分散の場合ちがう時系列データ同士で自己共分散を比較することはできない。なぜならデータ自体の大きさが違うからだ。</a:t>
-            </a:r>
-            <a:endParaRPr kumimoji="1" lang="en-US" altLang="ja-JP" dirty="0"/>
-          </a:p>
-          <a:p>
-            <a:r>
-              <a:rPr kumimoji="1" lang="ja-JP" altLang="en-US" dirty="0"/>
-              <a:t>そのため標準化をすることで違うデータ群の自己相関を比較することができる。それが自己相関係数である。</a:t>
-            </a:r>
             <a:endParaRPr kumimoji="1" lang="en-US" altLang="ja-JP" dirty="0"/>
           </a:p>
           <a:p>
@@ -2610,7 +2649,7 @@
           <a:p>
             <a:fld id="{E2F9E952-8737-4CBD-93F9-62310AC6F9C6}" type="slidenum">
               <a:rPr kumimoji="1" lang="ja-JP" altLang="en-US" smtClean="0"/>
-              <a:t>4</a:t>
+              <a:t>3</a:t>
             </a:fld>
             <a:endParaRPr kumimoji="1" lang="ja-JP" altLang="en-US"/>
           </a:p>
@@ -2619,7 +2658,7 @@
     </p:spTree>
     <p:extLst>
       <p:ext uri="{BB962C8B-B14F-4D97-AF65-F5344CB8AC3E}">
-        <p14:creationId xmlns:p14="http://schemas.microsoft.com/office/powerpoint/2010/main" val="3762164904"/>
+        <p14:creationId xmlns:p14="http://schemas.microsoft.com/office/powerpoint/2010/main" val="3589367858"/>
       </p:ext>
     </p:extLst>
   </p:cSld>
@@ -2675,32 +2714,120 @@
           <a:p>
             <a:r>
               <a:rPr kumimoji="1" lang="ja-JP" altLang="en-US" dirty="0"/>
-              <a:t>ホワイトノイズは誤差であるため過去の影響を受けずにとられる必要がある。そのため自己相関はどの地点をとっても０ になってないといけない。</a:t>
+              <a:t>この場合期待値は</a:t>
+            </a:r>
+            <a:r>
+              <a:rPr kumimoji="1" lang="en-US" altLang="ja-JP" dirty="0"/>
+              <a:t>3.5</a:t>
+            </a:r>
+            <a:r>
+              <a:rPr kumimoji="1" lang="ja-JP" altLang="en-US" dirty="0"/>
+              <a:t>になる。つまり実際に観測していないが、確率的に</a:t>
+            </a:r>
+            <a:r>
+              <a:rPr kumimoji="1" lang="en-US" altLang="ja-JP" dirty="0"/>
+              <a:t>3.5</a:t>
+            </a:r>
+            <a:r>
+              <a:rPr kumimoji="1" lang="ja-JP" altLang="en-US" dirty="0"/>
+              <a:t>付近になるだろうと予測できる。</a:t>
             </a:r>
             <a:endParaRPr kumimoji="1" lang="en-US" altLang="ja-JP" dirty="0"/>
           </a:p>
           <a:p>
+            <a:pPr marL="0" marR="0" lvl="0" indent="0" algn="l" defTabSz="914400" rtl="0" eaLnBrk="1" fontAlgn="auto" latinLnBrk="0" hangingPunct="1">
+              <a:lnSpc>
+                <a:spcPct val="100000"/>
+              </a:lnSpc>
+              <a:spcBef>
+                <a:spcPts val="0"/>
+              </a:spcBef>
+              <a:spcAft>
+                <a:spcPts val="0"/>
+              </a:spcAft>
+              <a:buClrTx/>
+              <a:buSzTx/>
+              <a:buFontTx/>
+              <a:buNone/>
+              <a:tabLst/>
+              <a:defRPr/>
+            </a:pPr>
             <a:r>
               <a:rPr kumimoji="1" lang="ja-JP" altLang="en-US" dirty="0"/>
-              <a:t>自己相関が</a:t>
-            </a:r>
-            <a:r>
-              <a:rPr kumimoji="1" lang="en-US" altLang="ja-JP" dirty="0"/>
-              <a:t>0</a:t>
-            </a:r>
+              <a:t>このように母集団の平均や分散が分かれば、例えばこれが未来の日の気温の母集団だとしたら未来の日にとりうるであろう気温を予測できるようになる。</a:t>
+            </a:r>
+            <a:endParaRPr kumimoji="1" lang="en-US" altLang="ja-JP" dirty="0"/>
+          </a:p>
+          <a:p>
+            <a:pPr marL="0" marR="0" lvl="0" indent="0" algn="l" defTabSz="914400" rtl="0" eaLnBrk="1" fontAlgn="auto" latinLnBrk="0" hangingPunct="1">
+              <a:lnSpc>
+                <a:spcPct val="100000"/>
+              </a:lnSpc>
+              <a:spcBef>
+                <a:spcPts val="0"/>
+              </a:spcBef>
+              <a:spcAft>
+                <a:spcPts val="0"/>
+              </a:spcAft>
+              <a:buClrTx/>
+              <a:buSzTx/>
+              <a:buFontTx/>
+              <a:buNone/>
+              <a:tabLst/>
+              <a:defRPr/>
+            </a:pPr>
             <a:r>
               <a:rPr kumimoji="1" lang="ja-JP" altLang="en-US" dirty="0"/>
-              <a:t>でないと過去の影響を少なからず受けているということになるので①</a:t>
-            </a:r>
-            <a:r>
-              <a:rPr kumimoji="1" lang="en-US" altLang="ja-JP" dirty="0"/>
-              <a:t>~</a:t>
-            </a:r>
+              <a:t>ただこの確率分布は天から降ってくるわけではなく、あらゆる条件を加味して自分で考える必要がある。</a:t>
+            </a:r>
+            <a:endParaRPr kumimoji="1" lang="en-US" altLang="ja-JP" dirty="0"/>
+          </a:p>
+          <a:p>
+            <a:pPr marL="0" marR="0" lvl="0" indent="0" algn="l" defTabSz="914400" rtl="0" eaLnBrk="1" fontAlgn="auto" latinLnBrk="0" hangingPunct="1">
+              <a:lnSpc>
+                <a:spcPct val="100000"/>
+              </a:lnSpc>
+              <a:spcBef>
+                <a:spcPts val="0"/>
+              </a:spcBef>
+              <a:spcAft>
+                <a:spcPts val="0"/>
+              </a:spcAft>
+              <a:buClrTx/>
+              <a:buSzTx/>
+              <a:buFontTx/>
+              <a:buNone/>
+              <a:tabLst/>
+              <a:defRPr/>
+            </a:pPr>
             <a:r>
               <a:rPr kumimoji="1" lang="ja-JP" altLang="en-US" dirty="0"/>
-              <a:t>④でうまくモデル化できていないということになる。</a:t>
+              <a:t>例えば気温の例で行くと、前の日の気温が高ければ次の日の気温も高くなるだろうし、季節的に夏の方が気温が高くなる。こういった条件を加味してどのような母集団から取られるデータなのかをモデル化していく。</a:t>
             </a:r>
             <a:endParaRPr kumimoji="1" lang="en-US" altLang="ja-JP" dirty="0"/>
+          </a:p>
+          <a:p>
+            <a:pPr marL="0" marR="0" lvl="0" indent="0" algn="l" defTabSz="914400" rtl="0" eaLnBrk="1" fontAlgn="auto" latinLnBrk="0" hangingPunct="1">
+              <a:lnSpc>
+                <a:spcPct val="100000"/>
+              </a:lnSpc>
+              <a:spcBef>
+                <a:spcPts val="0"/>
+              </a:spcBef>
+              <a:spcAft>
+                <a:spcPts val="0"/>
+              </a:spcAft>
+              <a:buClrTx/>
+              <a:buSzTx/>
+              <a:buFontTx/>
+              <a:buNone/>
+              <a:tabLst/>
+              <a:defRPr/>
+            </a:pPr>
+            <a:endParaRPr kumimoji="1" lang="en-US" altLang="ja-JP" dirty="0"/>
+          </a:p>
+          <a:p>
+            <a:endParaRPr kumimoji="1" lang="ja-JP" altLang="en-US" dirty="0"/>
           </a:p>
         </p:txBody>
       </p:sp>
@@ -2721,7 +2848,7 @@
           <a:p>
             <a:fld id="{E2F9E952-8737-4CBD-93F9-62310AC6F9C6}" type="slidenum">
               <a:rPr kumimoji="1" lang="ja-JP" altLang="en-US" smtClean="0"/>
-              <a:t>6</a:t>
+              <a:t>4</a:t>
             </a:fld>
             <a:endParaRPr kumimoji="1" lang="ja-JP" altLang="en-US"/>
           </a:p>
@@ -2730,7 +2857,7 @@
     </p:spTree>
     <p:extLst>
       <p:ext uri="{BB962C8B-B14F-4D97-AF65-F5344CB8AC3E}">
-        <p14:creationId xmlns:p14="http://schemas.microsoft.com/office/powerpoint/2010/main" val="2346787821"/>
+        <p14:creationId xmlns:p14="http://schemas.microsoft.com/office/powerpoint/2010/main" val="3549683613"/>
       </p:ext>
     </p:extLst>
   </p:cSld>
@@ -2786,103 +2913,94 @@
           <a:p>
             <a:r>
               <a:rPr kumimoji="1" lang="ja-JP" altLang="en-US" dirty="0"/>
-              <a:t>これは東京都の事務所別月別ごみ収集量である。このグラフから周期性が見て取れる。</a:t>
+              <a:t>自己共分散というのは</a:t>
+            </a:r>
+            <a:r>
+              <a:rPr kumimoji="1" lang="en-US" altLang="ja-JP" dirty="0"/>
+              <a:t>t</a:t>
+            </a:r>
+            <a:r>
+              <a:rPr kumimoji="1" lang="ja-JP" altLang="en-US" dirty="0"/>
+              <a:t>時点のデータと</a:t>
+            </a:r>
+            <a:r>
+              <a:rPr kumimoji="1" lang="en-US" altLang="ja-JP" dirty="0"/>
+              <a:t>t-k</a:t>
+            </a:r>
+            <a:r>
+              <a:rPr kumimoji="1" lang="ja-JP" altLang="en-US" dirty="0"/>
+              <a:t>時点のデータの平均からの散らばり度合いを掛け算しているもの。</a:t>
             </a:r>
             <a:endParaRPr kumimoji="1" lang="en-US" altLang="ja-JP" dirty="0"/>
           </a:p>
           <a:p>
             <a:r>
               <a:rPr kumimoji="1" lang="ja-JP" altLang="en-US" dirty="0"/>
-              <a:t>また点線は近似曲線を表しており、長期的に見たときにゴミの量の増減はあまりなさそうである。（トレンドはなさそう）</a:t>
+              <a:t>この値がプラスだと</a:t>
+            </a:r>
+            <a:r>
+              <a:rPr kumimoji="1" lang="en-US" altLang="ja-JP" dirty="0"/>
+              <a:t>t</a:t>
+            </a:r>
+            <a:r>
+              <a:rPr kumimoji="1" lang="ja-JP" altLang="en-US" dirty="0"/>
+              <a:t>時点のデータが期待値より大きい時</a:t>
+            </a:r>
+            <a:r>
+              <a:rPr kumimoji="1" lang="en-US" altLang="ja-JP" dirty="0"/>
+              <a:t>t-k</a:t>
+            </a:r>
+            <a:r>
+              <a:rPr kumimoji="1" lang="ja-JP" altLang="en-US" dirty="0"/>
+              <a:t>地点でも期待値より大きいデータであるということを表している。</a:t>
             </a:r>
             <a:endParaRPr kumimoji="1" lang="en-US" altLang="ja-JP" dirty="0"/>
           </a:p>
           <a:p>
+            <a:r>
+              <a:rPr kumimoji="1" lang="ja-JP" altLang="en-US" dirty="0"/>
+              <a:t>また平均</a:t>
+            </a:r>
+            <a:r>
+              <a:rPr kumimoji="1" lang="en-US" altLang="ja-JP" dirty="0" err="1"/>
+              <a:t>μt</a:t>
+            </a:r>
+            <a:r>
+              <a:rPr kumimoji="1" lang="ja-JP" altLang="en-US" dirty="0"/>
+              <a:t>や</a:t>
+            </a:r>
+            <a:r>
+              <a:rPr kumimoji="1" lang="en-US" altLang="ja-JP" dirty="0"/>
+              <a:t>μt-1</a:t>
+            </a:r>
+            <a:r>
+              <a:rPr kumimoji="1" lang="ja-JP" altLang="en-US" dirty="0"/>
+              <a:t>はその時点でのデータが複数あるとしたとき平均的にその値になるという意味なので平均の値は時点によって違う。</a:t>
+            </a:r>
             <a:endParaRPr kumimoji="1" lang="en-US" altLang="ja-JP" dirty="0"/>
           </a:p>
           <a:p>
+            <a:endParaRPr kumimoji="1" lang="en-US" altLang="ja-JP" dirty="0"/>
+          </a:p>
+          <a:p>
             <a:r>
               <a:rPr kumimoji="1" lang="ja-JP" altLang="en-US" dirty="0"/>
-              <a:t>なぜ</a:t>
-            </a:r>
-            <a:r>
-              <a:rPr kumimoji="1" lang="en-US" altLang="ja-JP" dirty="0"/>
-              <a:t>12</a:t>
-            </a:r>
+              <a:t>自己共分散の場合ちがう時系列データ同士で自己共分散を比較することはできない。なぜならデータ自体の大きさが違うからだ。</a:t>
+            </a:r>
+            <a:endParaRPr kumimoji="1" lang="en-US" altLang="ja-JP" dirty="0"/>
+          </a:p>
+          <a:p>
             <a:r>
               <a:rPr kumimoji="1" lang="ja-JP" altLang="en-US" dirty="0"/>
-              <a:t>月が多く</a:t>
-            </a:r>
-            <a:r>
-              <a:rPr kumimoji="1" lang="en-US" altLang="ja-JP" dirty="0"/>
-              <a:t>2,3</a:t>
-            </a:r>
-            <a:r>
-              <a:rPr kumimoji="1" lang="ja-JP" altLang="en-US" dirty="0"/>
-              <a:t>月が少なくなるのか？</a:t>
+              <a:t>そのため標準化をすることで違うデータ群の自己相関を比較することができる。それが自己相関係数である。</a:t>
             </a:r>
             <a:endParaRPr kumimoji="1" lang="en-US" altLang="ja-JP" dirty="0"/>
           </a:p>
           <a:p>
-            <a:r>
-              <a:rPr kumimoji="1" lang="ja-JP" altLang="en-US" dirty="0"/>
-              <a:t>ひと月当たりの日数は月によって異なり、</a:t>
-            </a:r>
-            <a:r>
-              <a:rPr kumimoji="1" lang="en-US" altLang="ja-JP" dirty="0"/>
-              <a:t>5,7,10,11,12,1</a:t>
-            </a:r>
-            <a:r>
-              <a:rPr kumimoji="1" lang="ja-JP" altLang="en-US" dirty="0"/>
-              <a:t>で多くなる傾向がある。この月は</a:t>
-            </a:r>
-            <a:r>
-              <a:rPr kumimoji="1" lang="en-US" altLang="ja-JP" dirty="0"/>
-              <a:t>31</a:t>
-            </a:r>
-            <a:r>
-              <a:rPr kumimoji="1" lang="ja-JP" altLang="en-US" dirty="0"/>
-              <a:t>日まである。</a:t>
-            </a:r>
-            <a:r>
-              <a:rPr kumimoji="1" lang="en-US" altLang="ja-JP" dirty="0"/>
-              <a:t>12</a:t>
-            </a:r>
-            <a:r>
-              <a:rPr kumimoji="1" lang="ja-JP" altLang="en-US" dirty="0"/>
-              <a:t>月は毎回多い。</a:t>
-            </a:r>
-            <a:r>
-              <a:rPr kumimoji="1" lang="en-US" altLang="ja-JP" dirty="0"/>
-              <a:t>12</a:t>
-            </a:r>
-            <a:r>
-              <a:rPr kumimoji="1" lang="ja-JP" altLang="en-US" dirty="0"/>
-              <a:t>月は大掃除シーズンでごみの量も増えるからだと考えられる</a:t>
-            </a:r>
             <a:endParaRPr kumimoji="1" lang="en-US" altLang="ja-JP" dirty="0"/>
           </a:p>
           <a:p>
-            <a:r>
-              <a:rPr kumimoji="1" lang="ja-JP" altLang="en-US" dirty="0"/>
-              <a:t>また</a:t>
-            </a:r>
-            <a:r>
-              <a:rPr kumimoji="1" lang="en-US" altLang="ja-JP" dirty="0"/>
-              <a:t>2,9</a:t>
-            </a:r>
-            <a:r>
-              <a:rPr kumimoji="1" lang="ja-JP" altLang="en-US" dirty="0"/>
-              <a:t>月で少ない傾向がある。</a:t>
-            </a:r>
-            <a:r>
-              <a:rPr kumimoji="1" lang="en-US" altLang="ja-JP" dirty="0"/>
-              <a:t>2</a:t>
-            </a:r>
-            <a:r>
-              <a:rPr kumimoji="1" lang="ja-JP" altLang="en-US" dirty="0"/>
-              <a:t>月は毎回少ない。</a:t>
-            </a:r>
+            <a:endParaRPr kumimoji="1" lang="en-US" altLang="ja-JP" dirty="0"/>
           </a:p>
         </p:txBody>
       </p:sp>
@@ -2903,7 +3021,7 @@
           <a:p>
             <a:fld id="{E2F9E952-8737-4CBD-93F9-62310AC6F9C6}" type="slidenum">
               <a:rPr kumimoji="1" lang="ja-JP" altLang="en-US" smtClean="0"/>
-              <a:t>8</a:t>
+              <a:t>5</a:t>
             </a:fld>
             <a:endParaRPr kumimoji="1" lang="ja-JP" altLang="en-US"/>
           </a:p>
@@ -2912,7 +3030,7 @@
     </p:spTree>
     <p:extLst>
       <p:ext uri="{BB962C8B-B14F-4D97-AF65-F5344CB8AC3E}">
-        <p14:creationId xmlns:p14="http://schemas.microsoft.com/office/powerpoint/2010/main" val="2615201588"/>
+        <p14:creationId xmlns:p14="http://schemas.microsoft.com/office/powerpoint/2010/main" val="3762164904"/>
       </p:ext>
     </p:extLst>
   </p:cSld>
@@ -2967,73 +3085,32 @@
           <a:lstStyle/>
           <a:p>
             <a:r>
+              <a:rPr kumimoji="1" lang="ja-JP" altLang="en-US" dirty="0"/>
+              <a:t>ホワイトノイズは誤差であるため過去の影響を受けずにとられる必要がある。そのため自己相関はどの地点をとっても０ になってないといけない。</a:t>
+            </a:r>
+            <a:endParaRPr kumimoji="1" lang="en-US" altLang="ja-JP" dirty="0"/>
+          </a:p>
+          <a:p>
+            <a:r>
+              <a:rPr kumimoji="1" lang="ja-JP" altLang="en-US" dirty="0"/>
+              <a:t>自己相関が</a:t>
+            </a:r>
+            <a:r>
               <a:rPr kumimoji="1" lang="en-US" altLang="ja-JP" dirty="0"/>
-              <a:t>12,24</a:t>
+              <a:t>0</a:t>
             </a:r>
             <a:r>
               <a:rPr kumimoji="1" lang="ja-JP" altLang="en-US" dirty="0"/>
-              <a:t>で相関がみられているのは</a:t>
+              <a:t>でないと過去の影響を少なからず受けているということになるので①</a:t>
             </a:r>
             <a:r>
               <a:rPr kumimoji="1" lang="en-US" altLang="ja-JP" dirty="0"/>
-              <a:t>12</a:t>
+              <a:t>~</a:t>
             </a:r>
             <a:r>
               <a:rPr kumimoji="1" lang="ja-JP" altLang="en-US" dirty="0"/>
-              <a:t>か月、</a:t>
-            </a:r>
-            <a:r>
-              <a:rPr kumimoji="1" lang="en-US" altLang="ja-JP" dirty="0"/>
-              <a:t>24</a:t>
-            </a:r>
-            <a:r>
-              <a:rPr kumimoji="1" lang="ja-JP" altLang="en-US" dirty="0"/>
-              <a:t>か月で相関がみられているということである。</a:t>
-            </a:r>
-            <a:endParaRPr kumimoji="1" lang="en-US" altLang="ja-JP" dirty="0"/>
-          </a:p>
-          <a:p>
-            <a:r>
-              <a:rPr kumimoji="1" lang="ja-JP" altLang="en-US" dirty="0"/>
-              <a:t>つまり夏なら夏との相関が、冬なら冬の相関があるということで季節的周期があることが見て取れる。</a:t>
-            </a:r>
-            <a:endParaRPr kumimoji="1" lang="en-US" altLang="ja-JP" dirty="0"/>
-          </a:p>
-          <a:p>
-            <a:endParaRPr kumimoji="1" lang="en-US" altLang="ja-JP" dirty="0"/>
-          </a:p>
-          <a:p>
-            <a:r>
-              <a:rPr kumimoji="1" lang="ja-JP" altLang="en-US" dirty="0"/>
-              <a:t>コレログラムは</a:t>
-            </a:r>
-            <a:r>
-              <a:rPr kumimoji="1" lang="en-US" altLang="ja-JP" dirty="0"/>
-              <a:t>AR</a:t>
-            </a:r>
-            <a:r>
-              <a:rPr kumimoji="1" lang="ja-JP" altLang="en-US" dirty="0"/>
-              <a:t>や</a:t>
-            </a:r>
-            <a:r>
-              <a:rPr kumimoji="1" lang="en-US" altLang="ja-JP" dirty="0"/>
-              <a:t>MA</a:t>
-            </a:r>
-            <a:r>
-              <a:rPr kumimoji="1" lang="ja-JP" altLang="en-US" dirty="0"/>
-              <a:t>モデルの次数の決定に使われていたが、最近ではモデルのよさの指標として、</a:t>
-            </a:r>
-            <a:r>
-              <a:rPr kumimoji="1" lang="en-US" altLang="ja-JP" dirty="0"/>
-              <a:t>AIC</a:t>
-            </a:r>
-            <a:r>
-              <a:rPr kumimoji="1" lang="ja-JP" altLang="en-US" dirty="0"/>
-              <a:t>という指標が使われる。</a:t>
-            </a:r>
-            <a:endParaRPr kumimoji="1" lang="en-US" altLang="ja-JP" dirty="0"/>
-          </a:p>
-          <a:p>
+              <a:t>④でうまくモデル化できていないということになる。</a:t>
+            </a:r>
             <a:endParaRPr kumimoji="1" lang="en-US" altLang="ja-JP" dirty="0"/>
           </a:p>
         </p:txBody>
@@ -3055,7 +3132,7 @@
           <a:p>
             <a:fld id="{E2F9E952-8737-4CBD-93F9-62310AC6F9C6}" type="slidenum">
               <a:rPr kumimoji="1" lang="ja-JP" altLang="en-US" smtClean="0"/>
-              <a:t>9</a:t>
+              <a:t>7</a:t>
             </a:fld>
             <a:endParaRPr kumimoji="1" lang="ja-JP" altLang="en-US"/>
           </a:p>
@@ -3064,7 +3141,7 @@
     </p:spTree>
     <p:extLst>
       <p:ext uri="{BB962C8B-B14F-4D97-AF65-F5344CB8AC3E}">
-        <p14:creationId xmlns:p14="http://schemas.microsoft.com/office/powerpoint/2010/main" val="2101305767"/>
+        <p14:creationId xmlns:p14="http://schemas.microsoft.com/office/powerpoint/2010/main" val="2346787821"/>
       </p:ext>
     </p:extLst>
   </p:cSld>
@@ -3120,34 +3197,103 @@
           <a:p>
             <a:r>
               <a:rPr kumimoji="1" lang="ja-JP" altLang="en-US" dirty="0"/>
-              <a:t>イメージは過去と相関があるものをコレログラムで判定して式にどれくらいまでさかのぼるかを考えるということ。</a:t>
+              <a:t>これは東京都の事務所別月別ごみ収集量である。このグラフから周期性が見て取れる。</a:t>
             </a:r>
             <a:endParaRPr kumimoji="1" lang="en-US" altLang="ja-JP" dirty="0"/>
           </a:p>
           <a:p>
             <a:r>
               <a:rPr kumimoji="1" lang="ja-JP" altLang="en-US" dirty="0"/>
-              <a:t>最近では</a:t>
+              <a:t>また点線は近似曲線を表しており、長期的に見たときにゴミの量の増減はあまりなさそうである。（トレンドはなさそう）</a:t>
+            </a:r>
+            <a:endParaRPr kumimoji="1" lang="en-US" altLang="ja-JP" dirty="0"/>
+          </a:p>
+          <a:p>
+            <a:endParaRPr kumimoji="1" lang="en-US" altLang="ja-JP" dirty="0"/>
+          </a:p>
+          <a:p>
+            <a:r>
+              <a:rPr kumimoji="1" lang="ja-JP" altLang="en-US" dirty="0"/>
+              <a:t>なぜ</a:t>
             </a:r>
             <a:r>
               <a:rPr kumimoji="1" lang="en-US" altLang="ja-JP" dirty="0"/>
-              <a:t>AIC</a:t>
+              <a:t>12</a:t>
             </a:r>
             <a:r>
               <a:rPr kumimoji="1" lang="ja-JP" altLang="en-US" dirty="0"/>
-              <a:t>によって次数が決定されている。</a:t>
+              <a:t>月が多く</a:t>
+            </a:r>
+            <a:r>
+              <a:rPr kumimoji="1" lang="en-US" altLang="ja-JP" dirty="0"/>
+              <a:t>2,3</a:t>
+            </a:r>
+            <a:r>
+              <a:rPr kumimoji="1" lang="ja-JP" altLang="en-US" dirty="0"/>
+              <a:t>月が少なくなるのか？</a:t>
             </a:r>
             <a:endParaRPr kumimoji="1" lang="en-US" altLang="ja-JP" dirty="0"/>
           </a:p>
           <a:p>
+            <a:r>
+              <a:rPr kumimoji="1" lang="ja-JP" altLang="en-US" dirty="0"/>
+              <a:t>ひと月当たりの日数は月によって異なり、</a:t>
+            </a:r>
+            <a:r>
+              <a:rPr kumimoji="1" lang="en-US" altLang="ja-JP" dirty="0"/>
+              <a:t>5,7,10,11,12,1</a:t>
+            </a:r>
+            <a:r>
+              <a:rPr kumimoji="1" lang="ja-JP" altLang="en-US" dirty="0"/>
+              <a:t>で多くなる傾向がある。この月は</a:t>
+            </a:r>
+            <a:r>
+              <a:rPr kumimoji="1" lang="en-US" altLang="ja-JP" dirty="0"/>
+              <a:t>31</a:t>
+            </a:r>
+            <a:r>
+              <a:rPr kumimoji="1" lang="ja-JP" altLang="en-US" dirty="0"/>
+              <a:t>日まである。</a:t>
+            </a:r>
+            <a:r>
+              <a:rPr kumimoji="1" lang="en-US" altLang="ja-JP" dirty="0"/>
+              <a:t>12</a:t>
+            </a:r>
+            <a:r>
+              <a:rPr kumimoji="1" lang="ja-JP" altLang="en-US" dirty="0"/>
+              <a:t>月は毎回多い。</a:t>
+            </a:r>
+            <a:r>
+              <a:rPr kumimoji="1" lang="en-US" altLang="ja-JP" dirty="0"/>
+              <a:t>12</a:t>
+            </a:r>
+            <a:r>
+              <a:rPr kumimoji="1" lang="ja-JP" altLang="en-US" dirty="0"/>
+              <a:t>月は大掃除シーズンでごみの量も増えるからだと考えられる</a:t>
+            </a:r>
             <a:endParaRPr kumimoji="1" lang="en-US" altLang="ja-JP" dirty="0"/>
           </a:p>
           <a:p>
             <a:r>
               <a:rPr kumimoji="1" lang="ja-JP" altLang="en-US" dirty="0"/>
-              <a:t>あてはまり度合いと複雑さの指標あてはまりが良くてもそのデータにだけ当てはまりすぎるとよくないので複雑さという指標で罰則をつけている。</a:t>
-            </a:r>
-            <a:endParaRPr kumimoji="1" lang="en-US" altLang="ja-JP" dirty="0"/>
+              <a:t>また</a:t>
+            </a:r>
+            <a:r>
+              <a:rPr kumimoji="1" lang="en-US" altLang="ja-JP" dirty="0"/>
+              <a:t>2,9</a:t>
+            </a:r>
+            <a:r>
+              <a:rPr kumimoji="1" lang="ja-JP" altLang="en-US" dirty="0"/>
+              <a:t>月で少ない傾向がある。</a:t>
+            </a:r>
+            <a:r>
+              <a:rPr kumimoji="1" lang="en-US" altLang="ja-JP" dirty="0"/>
+              <a:t>2</a:t>
+            </a:r>
+            <a:r>
+              <a:rPr kumimoji="1" lang="ja-JP" altLang="en-US" dirty="0"/>
+              <a:t>月は毎回少ない。</a:t>
+            </a:r>
           </a:p>
         </p:txBody>
       </p:sp>
@@ -3168,7 +3314,7 @@
           <a:p>
             <a:fld id="{E2F9E952-8737-4CBD-93F9-62310AC6F9C6}" type="slidenum">
               <a:rPr kumimoji="1" lang="ja-JP" altLang="en-US" smtClean="0"/>
-              <a:t>10</a:t>
+              <a:t>9</a:t>
             </a:fld>
             <a:endParaRPr kumimoji="1" lang="ja-JP" altLang="en-US"/>
           </a:p>
@@ -3177,7 +3323,7 @@
     </p:spTree>
     <p:extLst>
       <p:ext uri="{BB962C8B-B14F-4D97-AF65-F5344CB8AC3E}">
-        <p14:creationId xmlns:p14="http://schemas.microsoft.com/office/powerpoint/2010/main" val="2228716036"/>
+        <p14:creationId xmlns:p14="http://schemas.microsoft.com/office/powerpoint/2010/main" val="2615201588"/>
       </p:ext>
     </p:extLst>
   </p:cSld>
@@ -3232,23 +3378,73 @@
           <a:lstStyle/>
           <a:p>
             <a:r>
+              <a:rPr kumimoji="1" lang="en-US" altLang="ja-JP" dirty="0"/>
+              <a:t>12,24</a:t>
+            </a:r>
+            <a:r>
               <a:rPr kumimoji="1" lang="ja-JP" altLang="en-US" dirty="0"/>
-              <a:t>モデルはどのような確率分布なのかを表す。その確率分布から実際の実測値がどれくらいの確率で得られるのかを表すのが尤度であり、値が大きいということはその確率分布（モデル）からデータを取得した場合実測値を得られる可能性が高いということを表します。つまりこの値は大きいほど実際の確率分布とモデルが近いということを表すのでモデルの評価になります。</a:t>
+              <a:t>で相関がみられているのは</a:t>
+            </a:r>
+            <a:r>
+              <a:rPr kumimoji="1" lang="en-US" altLang="ja-JP" dirty="0"/>
+              <a:t>12</a:t>
+            </a:r>
+            <a:r>
+              <a:rPr kumimoji="1" lang="ja-JP" altLang="en-US" dirty="0"/>
+              <a:t>か月、</a:t>
+            </a:r>
+            <a:r>
+              <a:rPr kumimoji="1" lang="en-US" altLang="ja-JP" dirty="0"/>
+              <a:t>24</a:t>
+            </a:r>
+            <a:r>
+              <a:rPr kumimoji="1" lang="ja-JP" altLang="en-US" dirty="0"/>
+              <a:t>か月で相関がみられているということである。</a:t>
             </a:r>
             <a:endParaRPr kumimoji="1" lang="en-US" altLang="ja-JP" dirty="0"/>
           </a:p>
           <a:p>
             <a:r>
               <a:rPr kumimoji="1" lang="ja-JP" altLang="en-US" dirty="0"/>
-              <a:t>またパラメータを増やせば実測したデータとの適合率は上がりますが、標本に飛び値、が含まれる場合、標本に適合しすぎると予測がうまくいかない。そのためパラメータはできるだけ少ないほうがいい。</a:t>
+              <a:t>つまり夏なら夏との相関が、冬なら冬の相関があるということで季節的周期があることが見て取れる。</a:t>
             </a:r>
             <a:endParaRPr kumimoji="1" lang="en-US" altLang="ja-JP" dirty="0"/>
           </a:p>
           <a:p>
+            <a:endParaRPr kumimoji="1" lang="en-US" altLang="ja-JP" dirty="0"/>
+          </a:p>
+          <a:p>
             <a:r>
               <a:rPr kumimoji="1" lang="ja-JP" altLang="en-US" dirty="0"/>
-              <a:t>つまり良いモデルは少ないパラメータで実際の確率分布に近くなるように作ったものということになる。</a:t>
-            </a:r>
+              <a:t>コレログラムは</a:t>
+            </a:r>
+            <a:r>
+              <a:rPr kumimoji="1" lang="en-US" altLang="ja-JP" dirty="0"/>
+              <a:t>AR</a:t>
+            </a:r>
+            <a:r>
+              <a:rPr kumimoji="1" lang="ja-JP" altLang="en-US" dirty="0"/>
+              <a:t>や</a:t>
+            </a:r>
+            <a:r>
+              <a:rPr kumimoji="1" lang="en-US" altLang="ja-JP" dirty="0"/>
+              <a:t>MA</a:t>
+            </a:r>
+            <a:r>
+              <a:rPr kumimoji="1" lang="ja-JP" altLang="en-US" dirty="0"/>
+              <a:t>モデルの次数の決定に使われていたが、最近ではモデルのよさの指標として、</a:t>
+            </a:r>
+            <a:r>
+              <a:rPr kumimoji="1" lang="en-US" altLang="ja-JP" dirty="0"/>
+              <a:t>AIC</a:t>
+            </a:r>
+            <a:r>
+              <a:rPr kumimoji="1" lang="ja-JP" altLang="en-US" dirty="0"/>
+              <a:t>という指標が使われる。</a:t>
+            </a:r>
+            <a:endParaRPr kumimoji="1" lang="en-US" altLang="ja-JP" dirty="0"/>
+          </a:p>
+          <a:p>
             <a:endParaRPr kumimoji="1" lang="en-US" altLang="ja-JP" dirty="0"/>
           </a:p>
         </p:txBody>
@@ -3270,7 +3466,7 @@
           <a:p>
             <a:fld id="{E2F9E952-8737-4CBD-93F9-62310AC6F9C6}" type="slidenum">
               <a:rPr kumimoji="1" lang="ja-JP" altLang="en-US" smtClean="0"/>
-              <a:t>11</a:t>
+              <a:t>10</a:t>
             </a:fld>
             <a:endParaRPr kumimoji="1" lang="ja-JP" altLang="en-US"/>
           </a:p>
@@ -3279,7 +3475,7 @@
     </p:spTree>
     <p:extLst>
       <p:ext uri="{BB962C8B-B14F-4D97-AF65-F5344CB8AC3E}">
-        <p14:creationId xmlns:p14="http://schemas.microsoft.com/office/powerpoint/2010/main" val="2616868300"/>
+        <p14:creationId xmlns:p14="http://schemas.microsoft.com/office/powerpoint/2010/main" val="2101305767"/>
       </p:ext>
     </p:extLst>
   </p:cSld>
@@ -3334,16 +3530,33 @@
           <a:lstStyle/>
           <a:p>
             <a:r>
+              <a:rPr kumimoji="1" lang="ja-JP" altLang="en-US" dirty="0"/>
+              <a:t>イメージは過去と相関があるものをコレログラムで判定して式にどれくらいまでさかのぼるかを考えるということ。</a:t>
+            </a:r>
+            <a:endParaRPr kumimoji="1" lang="en-US" altLang="ja-JP" dirty="0"/>
+          </a:p>
+          <a:p>
+            <a:r>
+              <a:rPr kumimoji="1" lang="ja-JP" altLang="en-US" dirty="0"/>
+              <a:t>最近では</a:t>
+            </a:r>
+            <a:r>
               <a:rPr kumimoji="1" lang="en-US" altLang="ja-JP" dirty="0"/>
-              <a:t>AR</a:t>
+              <a:t>AIC</a:t>
             </a:r>
             <a:r>
               <a:rPr kumimoji="1" lang="ja-JP" altLang="en-US" dirty="0"/>
-              <a:t>モデルで予測値が含まれていない部分があるのは過去のデータを予測するのに使うがそのデータがないためで</a:t>
-            </a:r>
-            <a:r>
-              <a:rPr kumimoji="1" lang="ja-JP" altLang="en-US"/>
-              <a:t>ある。</a:t>
+              <a:t>によって次数が決定されている。</a:t>
+            </a:r>
+            <a:endParaRPr kumimoji="1" lang="en-US" altLang="ja-JP" dirty="0"/>
+          </a:p>
+          <a:p>
+            <a:endParaRPr kumimoji="1" lang="en-US" altLang="ja-JP" dirty="0"/>
+          </a:p>
+          <a:p>
+            <a:r>
+              <a:rPr kumimoji="1" lang="ja-JP" altLang="en-US" dirty="0"/>
+              <a:t>あてはまり度合いと複雑さの指標あてはまりが良くてもそのデータにだけ当てはまりすぎるとよくないので複雑さという指標で罰則をつけている。</a:t>
             </a:r>
             <a:endParaRPr kumimoji="1" lang="en-US" altLang="ja-JP" dirty="0"/>
           </a:p>
@@ -3366,7 +3579,7 @@
           <a:p>
             <a:fld id="{E2F9E952-8737-4CBD-93F9-62310AC6F9C6}" type="slidenum">
               <a:rPr kumimoji="1" lang="ja-JP" altLang="en-US" smtClean="0"/>
-              <a:t>12</a:t>
+              <a:t>11</a:t>
             </a:fld>
             <a:endParaRPr kumimoji="1" lang="ja-JP" altLang="en-US"/>
           </a:p>
@@ -3375,7 +3588,7 @@
     </p:spTree>
     <p:extLst>
       <p:ext uri="{BB962C8B-B14F-4D97-AF65-F5344CB8AC3E}">
-        <p14:creationId xmlns:p14="http://schemas.microsoft.com/office/powerpoint/2010/main" val="1905731758"/>
+        <p14:creationId xmlns:p14="http://schemas.microsoft.com/office/powerpoint/2010/main" val="2228716036"/>
       </p:ext>
     </p:extLst>
   </p:cSld>
@@ -3571,9 +3784,9 @@
           <a:bodyPr/>
           <a:lstStyle/>
           <a:p>
-            <a:fld id="{F783E70F-B172-4985-BA9E-64132CD72D69}" type="datetimeFigureOut">
+            <a:fld id="{BBF13180-6CC3-4513-BCEF-38F1F431899B}" type="datetime1">
               <a:rPr kumimoji="1" lang="ja-JP" altLang="en-US" smtClean="0"/>
-              <a:t>2022/10/5</a:t>
+              <a:t>2022/10/6</a:t>
             </a:fld>
             <a:endParaRPr kumimoji="1" lang="ja-JP" altLang="en-US"/>
           </a:p>
@@ -3909,9 +4122,9 @@
           <a:bodyPr/>
           <a:lstStyle/>
           <a:p>
-            <a:fld id="{F783E70F-B172-4985-BA9E-64132CD72D69}" type="datetimeFigureOut">
+            <a:fld id="{C77E01D7-6536-4E8B-B6D8-01F973205F03}" type="datetime1">
               <a:rPr kumimoji="1" lang="ja-JP" altLang="en-US" smtClean="0"/>
-              <a:t>2022/10/5</a:t>
+              <a:t>2022/10/6</a:t>
             </a:fld>
             <a:endParaRPr kumimoji="1" lang="ja-JP" altLang="en-US"/>
           </a:p>
@@ -4310,9 +4523,9 @@
           <a:bodyPr/>
           <a:lstStyle/>
           <a:p>
-            <a:fld id="{F783E70F-B172-4985-BA9E-64132CD72D69}" type="datetimeFigureOut">
+            <a:fld id="{9CD16166-FB43-4117-9000-1EE3D4FBD179}" type="datetime1">
               <a:rPr kumimoji="1" lang="ja-JP" altLang="en-US" smtClean="0"/>
-              <a:t>2022/10/5</a:t>
+              <a:t>2022/10/6</a:t>
             </a:fld>
             <a:endParaRPr kumimoji="1" lang="ja-JP" altLang="en-US"/>
           </a:p>
@@ -4646,9 +4859,9 @@
           <a:bodyPr/>
           <a:lstStyle/>
           <a:p>
-            <a:fld id="{F783E70F-B172-4985-BA9E-64132CD72D69}" type="datetimeFigureOut">
+            <a:fld id="{EC6EFA26-119C-4B3F-82B9-9D771E2235B0}" type="datetime1">
               <a:rPr kumimoji="1" lang="ja-JP" altLang="en-US" smtClean="0"/>
-              <a:t>2022/10/5</a:t>
+              <a:t>2022/10/6</a:t>
             </a:fld>
             <a:endParaRPr kumimoji="1" lang="ja-JP" altLang="en-US"/>
           </a:p>
@@ -4966,9 +5179,9 @@
           <a:bodyPr/>
           <a:lstStyle/>
           <a:p>
-            <a:fld id="{F783E70F-B172-4985-BA9E-64132CD72D69}" type="datetimeFigureOut">
+            <a:fld id="{47DCA0B7-83A9-4237-B79A-C685F29A7BFA}" type="datetime1">
               <a:rPr kumimoji="1" lang="ja-JP" altLang="en-US" smtClean="0"/>
-              <a:t>2022/10/5</a:t>
+              <a:t>2022/10/6</a:t>
             </a:fld>
             <a:endParaRPr kumimoji="1" lang="ja-JP" altLang="en-US"/>
           </a:p>
@@ -5362,9 +5575,9 @@
           <a:bodyPr/>
           <a:lstStyle/>
           <a:p>
-            <a:fld id="{F783E70F-B172-4985-BA9E-64132CD72D69}" type="datetimeFigureOut">
+            <a:fld id="{AB70C65A-A875-4F16-AB63-3B84E63922F5}" type="datetime1">
               <a:rPr kumimoji="1" lang="ja-JP" altLang="en-US" smtClean="0"/>
-              <a:t>2022/10/5</a:t>
+              <a:t>2022/10/6</a:t>
             </a:fld>
             <a:endParaRPr kumimoji="1" lang="ja-JP" altLang="en-US"/>
           </a:p>
@@ -5651,9 +5864,9 @@
           <a:bodyPr/>
           <a:lstStyle/>
           <a:p>
-            <a:fld id="{F783E70F-B172-4985-BA9E-64132CD72D69}" type="datetimeFigureOut">
+            <a:fld id="{C1ED2FBB-1B30-44D5-86B2-F11ABF861BD6}" type="datetime1">
               <a:rPr kumimoji="1" lang="ja-JP" altLang="en-US" smtClean="0"/>
-              <a:t>2022/10/5</a:t>
+              <a:t>2022/10/6</a:t>
             </a:fld>
             <a:endParaRPr kumimoji="1" lang="ja-JP" altLang="en-US"/>
           </a:p>
@@ -5945,9 +6158,9 @@
           <a:bodyPr/>
           <a:lstStyle/>
           <a:p>
-            <a:fld id="{F783E70F-B172-4985-BA9E-64132CD72D69}" type="datetimeFigureOut">
+            <a:fld id="{24CCFED8-A809-43E4-8AFF-CA1D1B31BEBA}" type="datetime1">
               <a:rPr kumimoji="1" lang="ja-JP" altLang="en-US" smtClean="0"/>
-              <a:t>2022/10/5</a:t>
+              <a:t>2022/10/6</a:t>
             </a:fld>
             <a:endParaRPr kumimoji="1" lang="ja-JP" altLang="en-US"/>
           </a:p>
@@ -6239,9 +6452,9 @@
           <a:bodyPr/>
           <a:lstStyle/>
           <a:p>
-            <a:fld id="{F783E70F-B172-4985-BA9E-64132CD72D69}" type="datetimeFigureOut">
+            <a:fld id="{459728A2-D3A5-4188-BE65-9B5AD26B4451}" type="datetime1">
               <a:rPr kumimoji="1" lang="ja-JP" altLang="en-US" smtClean="0"/>
-              <a:t>2022/10/5</a:t>
+              <a:t>2022/10/6</a:t>
             </a:fld>
             <a:endParaRPr kumimoji="1" lang="ja-JP" altLang="en-US"/>
           </a:p>
@@ -6568,9 +6781,9 @@
           <a:bodyPr/>
           <a:lstStyle/>
           <a:p>
-            <a:fld id="{F783E70F-B172-4985-BA9E-64132CD72D69}" type="datetimeFigureOut">
+            <a:fld id="{81D566C9-B9ED-4807-88AA-60D51483D74B}" type="datetime1">
               <a:rPr kumimoji="1" lang="ja-JP" altLang="en-US" smtClean="0"/>
-              <a:t>2022/10/5</a:t>
+              <a:t>2022/10/6</a:t>
             </a:fld>
             <a:endParaRPr kumimoji="1" lang="ja-JP" altLang="en-US"/>
           </a:p>
@@ -6955,9 +7168,9 @@
           <a:bodyPr/>
           <a:lstStyle/>
           <a:p>
-            <a:fld id="{F783E70F-B172-4985-BA9E-64132CD72D69}" type="datetimeFigureOut">
+            <a:fld id="{320596D5-A683-496B-92C2-65EB6E3CDED4}" type="datetime1">
               <a:rPr kumimoji="1" lang="ja-JP" altLang="en-US" smtClean="0"/>
-              <a:t>2022/10/5</a:t>
+              <a:t>2022/10/6</a:t>
             </a:fld>
             <a:endParaRPr kumimoji="1" lang="ja-JP" altLang="en-US"/>
           </a:p>
@@ -7476,9 +7689,9 @@
           <a:bodyPr/>
           <a:lstStyle/>
           <a:p>
-            <a:fld id="{F783E70F-B172-4985-BA9E-64132CD72D69}" type="datetimeFigureOut">
+            <a:fld id="{4A35FA76-42F8-488C-9E1D-1EC3F6505ED5}" type="datetime1">
               <a:rPr kumimoji="1" lang="ja-JP" altLang="en-US" smtClean="0"/>
-              <a:t>2022/10/5</a:t>
+              <a:t>2022/10/6</a:t>
             </a:fld>
             <a:endParaRPr kumimoji="1" lang="ja-JP" altLang="en-US"/>
           </a:p>
@@ -7681,9 +7894,9 @@
           <a:bodyPr/>
           <a:lstStyle/>
           <a:p>
-            <a:fld id="{F783E70F-B172-4985-BA9E-64132CD72D69}" type="datetimeFigureOut">
+            <a:fld id="{6DA75AEA-CB99-4721-B649-D1801B30D438}" type="datetime1">
               <a:rPr kumimoji="1" lang="ja-JP" altLang="en-US" smtClean="0"/>
-              <a:t>2022/10/5</a:t>
+              <a:t>2022/10/6</a:t>
             </a:fld>
             <a:endParaRPr kumimoji="1" lang="ja-JP" altLang="en-US"/>
           </a:p>
@@ -7858,9 +8071,9 @@
           <a:bodyPr/>
           <a:lstStyle/>
           <a:p>
-            <a:fld id="{F783E70F-B172-4985-BA9E-64132CD72D69}" type="datetimeFigureOut">
+            <a:fld id="{DDDB00EA-1DAA-45C6-B6F2-DC94CB11917B}" type="datetime1">
               <a:rPr kumimoji="1" lang="ja-JP" altLang="en-US" smtClean="0"/>
-              <a:t>2022/10/5</a:t>
+              <a:t>2022/10/6</a:t>
             </a:fld>
             <a:endParaRPr kumimoji="1" lang="ja-JP" altLang="en-US"/>
           </a:p>
@@ -8223,9 +8436,9 @@
           <a:bodyPr/>
           <a:lstStyle/>
           <a:p>
-            <a:fld id="{F783E70F-B172-4985-BA9E-64132CD72D69}" type="datetimeFigureOut">
+            <a:fld id="{FD81C6ED-626D-4581-BCC8-8B5EEC4C1F8D}" type="datetime1">
               <a:rPr kumimoji="1" lang="ja-JP" altLang="en-US" smtClean="0"/>
-              <a:t>2022/10/5</a:t>
+              <a:t>2022/10/6</a:t>
             </a:fld>
             <a:endParaRPr kumimoji="1" lang="ja-JP" altLang="en-US"/>
           </a:p>
@@ -8568,9 +8781,9 @@
           <a:bodyPr/>
           <a:lstStyle/>
           <a:p>
-            <a:fld id="{F783E70F-B172-4985-BA9E-64132CD72D69}" type="datetimeFigureOut">
+            <a:fld id="{96C5D792-0545-4BA2-8750-3C51047FB10E}" type="datetime1">
               <a:rPr kumimoji="1" lang="ja-JP" altLang="en-US" smtClean="0"/>
-              <a:t>2022/10/5</a:t>
+              <a:t>2022/10/6</a:t>
             </a:fld>
             <a:endParaRPr kumimoji="1" lang="ja-JP" altLang="en-US"/>
           </a:p>
@@ -10717,9 +10930,9 @@
             </a:lvl1pPr>
           </a:lstStyle>
           <a:p>
-            <a:fld id="{F783E70F-B172-4985-BA9E-64132CD72D69}" type="datetimeFigureOut">
+            <a:fld id="{D903A3B4-B0F1-4621-96DE-0096C80DD501}" type="datetime1">
               <a:rPr kumimoji="1" lang="ja-JP" altLang="en-US" smtClean="0"/>
-              <a:t>2022/10/5</a:t>
+              <a:t>2022/10/6</a:t>
             </a:fld>
             <a:endParaRPr kumimoji="1" lang="ja-JP" altLang="en-US"/>
           </a:p>
@@ -10827,6 +11040,7 @@
     <p:sldLayoutId id="2147483711" r:id="rId15"/>
     <p:sldLayoutId id="2147483712" r:id="rId16"/>
   </p:sldLayoutIdLst>
+  <p:hf hdr="0" ftr="0" dt="0"/>
   <p:txStyles>
     <p:titleStyle>
       <a:lvl1pPr algn="l" defTabSz="457200" rtl="0" eaLnBrk="1" latinLnBrk="0" hangingPunct="1">
@@ -11255,7 +11469,7 @@
         </p:nvSpPr>
         <p:spPr>
           <a:xfrm>
-            <a:off x="2780743" y="1655806"/>
+            <a:off x="1965393" y="1582097"/>
             <a:ext cx="8915399" cy="2262781"/>
           </a:xfrm>
         </p:spPr>
@@ -11263,13 +11477,14 @@
           <a:bodyPr/>
           <a:lstStyle/>
           <a:p>
+            <a:pPr algn="ctr"/>
             <a:r>
               <a:rPr kumimoji="1" lang="en-US" altLang="ja-JP" dirty="0"/>
               <a:t>AI</a:t>
             </a:r>
             <a:r>
               <a:rPr kumimoji="1" lang="ja-JP" altLang="en-US" dirty="0"/>
-              <a:t>を用いた廃棄物量予測</a:t>
+              <a:t>を用いた一般廃棄物量予測に関する研究</a:t>
             </a:r>
           </a:p>
         </p:txBody>
@@ -11292,7 +11507,7 @@
         </p:nvSpPr>
         <p:spPr>
           <a:xfrm>
-            <a:off x="2162905" y="4709357"/>
+            <a:off x="1337958" y="4629844"/>
             <a:ext cx="8915399" cy="985673"/>
           </a:xfrm>
         </p:spPr>
@@ -11303,7 +11518,7 @@
             <a:pPr algn="ctr"/>
             <a:r>
               <a:rPr kumimoji="1" lang="ja-JP" altLang="en-US" dirty="0"/>
-              <a:t>資源循環・廃棄物工学、資源循環システム工学研究室</a:t>
+              <a:t>資源循環・廃棄物工学、資源循環情報システム工学研究室</a:t>
             </a:r>
             <a:endParaRPr kumimoji="1" lang="en-US" altLang="ja-JP" dirty="0"/>
           </a:p>
@@ -11318,6 +11533,35 @@
               <a:t>　濵地雅也</a:t>
             </a:r>
             <a:endParaRPr kumimoji="1" lang="ja-JP" altLang="en-US" dirty="0"/>
+          </a:p>
+        </p:txBody>
+      </p:sp>
+      <p:sp>
+        <p:nvSpPr>
+          <p:cNvPr id="5" name="スライド番号プレースホルダー 4">
+            <a:extLst>
+              <a:ext uri="{FF2B5EF4-FFF2-40B4-BE49-F238E27FC236}">
+                <a16:creationId xmlns:a16="http://schemas.microsoft.com/office/drawing/2014/main" id="{C38CEB4E-AD9A-44A7-9FF7-906D0B355DC3}"/>
+              </a:ext>
+            </a:extLst>
+          </p:cNvPr>
+          <p:cNvSpPr>
+            <a:spLocks noGrp="1"/>
+          </p:cNvSpPr>
+          <p:nvPr>
+            <p:ph type="sldNum" sz="quarter" idx="12"/>
+          </p:nvPr>
+        </p:nvSpPr>
+        <p:spPr/>
+        <p:txBody>
+          <a:bodyPr/>
+          <a:lstStyle/>
+          <a:p>
+            <a:fld id="{EEF0CD42-B27A-436B-8D8B-4B5243D0CCC4}" type="slidenum">
+              <a:rPr kumimoji="1" lang="ja-JP" altLang="en-US" smtClean="0"/>
+              <a:t>1</a:t>
+            </a:fld>
+            <a:endParaRPr kumimoji="1" lang="ja-JP" altLang="en-US"/>
           </a:p>
         </p:txBody>
       </p:sp>
@@ -11335,6 +11579,586 @@
 </file>
 
 <file path=ppt/slides/slide10.xml><?xml version="1.0" encoding="utf-8"?>
+<p:sld xmlns:a="http://schemas.openxmlformats.org/drawingml/2006/main" xmlns:r="http://schemas.openxmlformats.org/officeDocument/2006/relationships" xmlns:p="http://schemas.openxmlformats.org/presentationml/2006/main">
+  <p:cSld>
+    <p:bg>
+      <p:bgPr>
+        <a:gradFill rotWithShape="1">
+          <a:gsLst>
+            <a:gs pos="0">
+              <a:schemeClr val="bg2">
+                <a:tint val="90000"/>
+                <a:satMod val="92000"/>
+                <a:lumMod val="120000"/>
+              </a:schemeClr>
+            </a:gs>
+            <a:gs pos="100000">
+              <a:schemeClr val="bg2">
+                <a:shade val="98000"/>
+                <a:satMod val="120000"/>
+                <a:lumMod val="98000"/>
+              </a:schemeClr>
+            </a:gs>
+          </a:gsLst>
+          <a:path path="circle">
+            <a:fillToRect l="50000" t="50000" r="100000" b="100000"/>
+          </a:path>
+        </a:gradFill>
+        <a:effectLst/>
+      </p:bgPr>
+    </p:bg>
+    <p:spTree>
+      <p:nvGrpSpPr>
+        <p:cNvPr id="1" name=""/>
+        <p:cNvGrpSpPr/>
+        <p:nvPr/>
+      </p:nvGrpSpPr>
+      <p:grpSpPr>
+        <a:xfrm>
+          <a:off x="0" y="0"/>
+          <a:ext cx="0" cy="0"/>
+          <a:chOff x="0" y="0"/>
+          <a:chExt cx="0" cy="0"/>
+        </a:xfrm>
+      </p:grpSpPr>
+      <p:sp useBgFill="1">
+        <p:nvSpPr>
+          <p:cNvPr id="12" name="Rectangle 11">
+            <a:extLst>
+              <a:ext uri="{FF2B5EF4-FFF2-40B4-BE49-F238E27FC236}">
+                <a16:creationId xmlns:a16="http://schemas.microsoft.com/office/drawing/2014/main" id="{3F4C104D-5F30-4811-9376-566B26E4719A}"/>
+              </a:ext>
+              <a:ext uri="{C183D7F6-B498-43B3-948B-1728B52AA6E4}">
+                <adec:decorative xmlns:adec="http://schemas.microsoft.com/office/drawing/2017/decorative" val="1"/>
+              </a:ext>
+            </a:extLst>
+          </p:cNvPr>
+          <p:cNvSpPr>
+            <a:spLocks noGrp="1" noRot="1" noChangeAspect="1" noMove="1" noResize="1" noEditPoints="1" noAdjustHandles="1" noChangeArrowheads="1" noChangeShapeType="1" noTextEdit="1"/>
+          </p:cNvSpPr>
+          <p:nvPr>
+            <p:extLst>
+              <p:ext uri="{386F3935-93C4-4BCD-93E2-E3B085C9AB24}">
+                <p16:designElem xmlns:p16="http://schemas.microsoft.com/office/powerpoint/2015/main" val="1"/>
+              </p:ext>
+            </p:extLst>
+          </p:nvPr>
+        </p:nvSpPr>
+        <p:spPr>
+          <a:xfrm>
+            <a:off x="0" y="-786"/>
+            <a:ext cx="12192000" cy="6854038"/>
+          </a:xfrm>
+          <a:prstGeom prst="rect">
+            <a:avLst/>
+          </a:prstGeom>
+          <a:ln>
+            <a:noFill/>
+          </a:ln>
+        </p:spPr>
+        <p:style>
+          <a:lnRef idx="2">
+            <a:schemeClr val="accent1">
+              <a:shade val="50000"/>
+            </a:schemeClr>
+          </a:lnRef>
+          <a:fillRef idx="1">
+            <a:schemeClr val="accent1"/>
+          </a:fillRef>
+          <a:effectRef idx="0">
+            <a:schemeClr val="accent1"/>
+          </a:effectRef>
+          <a:fontRef idx="minor">
+            <a:schemeClr val="lt1"/>
+          </a:fontRef>
+        </p:style>
+        <p:txBody>
+          <a:bodyPr rtlCol="0" anchor="ctr"/>
+          <a:lstStyle/>
+          <a:p>
+            <a:pPr algn="ctr"/>
+            <a:endParaRPr lang="en-US"/>
+          </a:p>
+        </p:txBody>
+      </p:sp>
+      <p:sp>
+        <p:nvSpPr>
+          <p:cNvPr id="2" name="タイトル 1">
+            <a:extLst>
+              <a:ext uri="{FF2B5EF4-FFF2-40B4-BE49-F238E27FC236}">
+                <a16:creationId xmlns:a16="http://schemas.microsoft.com/office/drawing/2014/main" id="{30EDDE81-7097-41E5-9F79-8AEA8B8F17A5}"/>
+              </a:ext>
+            </a:extLst>
+          </p:cNvPr>
+          <p:cNvSpPr>
+            <a:spLocks noGrp="1"/>
+          </p:cNvSpPr>
+          <p:nvPr>
+            <p:ph type="title"/>
+          </p:nvPr>
+        </p:nvSpPr>
+        <p:spPr>
+          <a:xfrm>
+            <a:off x="649224" y="645106"/>
+            <a:ext cx="3650279" cy="1259894"/>
+          </a:xfrm>
+        </p:spPr>
+        <p:txBody>
+          <a:bodyPr>
+            <a:normAutofit/>
+          </a:bodyPr>
+          <a:lstStyle/>
+          <a:p>
+            <a:r>
+              <a:rPr kumimoji="1" lang="ja-JP" altLang="en-US" dirty="0"/>
+              <a:t>実際のデータの分析</a:t>
+            </a:r>
+          </a:p>
+        </p:txBody>
+      </p:sp>
+      <p:sp>
+        <p:nvSpPr>
+          <p:cNvPr id="14" name="Rectangle 13">
+            <a:extLst>
+              <a:ext uri="{FF2B5EF4-FFF2-40B4-BE49-F238E27FC236}">
+                <a16:creationId xmlns:a16="http://schemas.microsoft.com/office/drawing/2014/main" id="{0815E34B-5D02-4E01-A936-E8E1C0AB6F12}"/>
+              </a:ext>
+              <a:ext uri="{C183D7F6-B498-43B3-948B-1728B52AA6E4}">
+                <adec:decorative xmlns:adec="http://schemas.microsoft.com/office/drawing/2017/decorative" val="1"/>
+              </a:ext>
+            </a:extLst>
+          </p:cNvPr>
+          <p:cNvSpPr>
+            <a:spLocks noGrp="1" noRot="1" noChangeAspect="1" noMove="1" noResize="1" noEditPoints="1" noAdjustHandles="1" noChangeArrowheads="1" noChangeShapeType="1" noTextEdit="1"/>
+          </p:cNvSpPr>
+          <p:nvPr>
+            <p:extLst>
+              <p:ext uri="{386F3935-93C4-4BCD-93E2-E3B085C9AB24}">
+                <p16:designElem xmlns:p16="http://schemas.microsoft.com/office/powerpoint/2015/main" val="1"/>
+              </p:ext>
+            </p:extLst>
+          </p:nvPr>
+        </p:nvSpPr>
+        <p:spPr>
+          <a:xfrm>
+            <a:off x="0" y="0"/>
+            <a:ext cx="182880" cy="6858000"/>
+          </a:xfrm>
+          <a:prstGeom prst="rect">
+            <a:avLst/>
+          </a:prstGeom>
+          <a:solidFill>
+            <a:schemeClr val="tx2"/>
+          </a:solidFill>
+          <a:ln>
+            <a:noFill/>
+          </a:ln>
+          <a:effectLst/>
+        </p:spPr>
+        <p:style>
+          <a:lnRef idx="1">
+            <a:schemeClr val="accent1"/>
+          </a:lnRef>
+          <a:fillRef idx="3">
+            <a:schemeClr val="accent1"/>
+          </a:fillRef>
+          <a:effectRef idx="2">
+            <a:schemeClr val="accent1"/>
+          </a:effectRef>
+          <a:fontRef idx="minor">
+            <a:schemeClr val="lt1"/>
+          </a:fontRef>
+        </p:style>
+      </p:sp>
+      <p:sp>
+        <p:nvSpPr>
+          <p:cNvPr id="9" name="Content Placeholder 8">
+            <a:extLst>
+              <a:ext uri="{FF2B5EF4-FFF2-40B4-BE49-F238E27FC236}">
+                <a16:creationId xmlns:a16="http://schemas.microsoft.com/office/drawing/2014/main" id="{15F28B7C-3EB3-A6C3-9770-C334F1D1F297}"/>
+              </a:ext>
+            </a:extLst>
+          </p:cNvPr>
+          <p:cNvSpPr>
+            <a:spLocks noGrp="1"/>
+          </p:cNvSpPr>
+          <p:nvPr>
+            <p:ph idx="1"/>
+          </p:nvPr>
+        </p:nvSpPr>
+        <p:spPr>
+          <a:xfrm>
+            <a:off x="649225" y="2133600"/>
+            <a:ext cx="3650278" cy="3759253"/>
+          </a:xfrm>
+        </p:spPr>
+        <p:txBody>
+          <a:bodyPr>
+            <a:normAutofit/>
+          </a:bodyPr>
+          <a:lstStyle/>
+          <a:p>
+            <a:pPr marL="0" indent="0">
+              <a:buNone/>
+            </a:pPr>
+            <a:r>
+              <a:rPr lang="ja-JP" altLang="en-US" dirty="0"/>
+              <a:t>先ほどの東京都のデータの各間隔の自己相関をグラフにしたもの。</a:t>
+            </a:r>
+            <a:endParaRPr lang="en-US" altLang="ja-JP" dirty="0"/>
+          </a:p>
+          <a:p>
+            <a:pPr marL="0" indent="0">
+              <a:buNone/>
+            </a:pPr>
+            <a:r>
+              <a:rPr lang="en-US" dirty="0"/>
+              <a:t>X</a:t>
+            </a:r>
+            <a:r>
+              <a:rPr lang="ja-JP" altLang="en-US" dirty="0"/>
+              <a:t>軸は原地点とどれくらいの地点離れているかを表している。</a:t>
+            </a:r>
+            <a:endParaRPr lang="en-US" altLang="ja-JP" dirty="0"/>
+          </a:p>
+          <a:p>
+            <a:pPr marL="0" indent="0">
+              <a:buNone/>
+            </a:pPr>
+            <a:r>
+              <a:rPr lang="en-US" dirty="0"/>
+              <a:t>0</a:t>
+            </a:r>
+            <a:r>
+              <a:rPr lang="ja-JP" altLang="en-US" dirty="0"/>
+              <a:t>の時の自己相関が</a:t>
+            </a:r>
+            <a:r>
+              <a:rPr lang="en-US" altLang="ja-JP" dirty="0"/>
+              <a:t>1</a:t>
+            </a:r>
+            <a:r>
+              <a:rPr lang="ja-JP" altLang="en-US" dirty="0"/>
+              <a:t>なのは自分自身で相関をとっているからである。</a:t>
+            </a:r>
+            <a:endParaRPr lang="en-US" altLang="ja-JP" dirty="0"/>
+          </a:p>
+          <a:p>
+            <a:pPr marL="0" indent="0">
+              <a:buNone/>
+            </a:pPr>
+            <a:r>
+              <a:rPr lang="ja-JP" altLang="en-US" dirty="0"/>
+              <a:t>これを見ると</a:t>
+            </a:r>
+            <a:r>
+              <a:rPr lang="en-US" altLang="ja-JP" dirty="0"/>
+              <a:t>12,24</a:t>
+            </a:r>
+            <a:r>
+              <a:rPr lang="ja-JP" altLang="en-US" dirty="0"/>
+              <a:t>で相関がみられる。</a:t>
+            </a:r>
+            <a:endParaRPr lang="en-US" dirty="0"/>
+          </a:p>
+        </p:txBody>
+      </p:sp>
+      <p:pic>
+        <p:nvPicPr>
+          <p:cNvPr id="5" name="コンテンツ プレースホルダー 4" descr="グラフ&#10;&#10;自動的に生成された説明">
+            <a:extLst>
+              <a:ext uri="{FF2B5EF4-FFF2-40B4-BE49-F238E27FC236}">
+                <a16:creationId xmlns:a16="http://schemas.microsoft.com/office/drawing/2014/main" id="{EBA868FC-402A-499E-9A90-402AE0FED074}"/>
+              </a:ext>
+            </a:extLst>
+          </p:cNvPr>
+          <p:cNvPicPr>
+            <a:picLocks noChangeAspect="1"/>
+          </p:cNvPicPr>
+          <p:nvPr/>
+        </p:nvPicPr>
+        <p:blipFill>
+          <a:blip r:embed="rId3">
+            <a:extLst>
+              <a:ext uri="{28A0092B-C50C-407E-A947-70E740481C1C}">
+                <a14:useLocalDpi xmlns:a14="http://schemas.microsoft.com/office/drawing/2010/main" val="0"/>
+              </a:ext>
+            </a:extLst>
+          </a:blip>
+          <a:stretch>
+            <a:fillRect/>
+          </a:stretch>
+        </p:blipFill>
+        <p:spPr>
+          <a:xfrm>
+            <a:off x="4619543" y="1067398"/>
+            <a:ext cx="6953577" cy="4398136"/>
+          </a:xfrm>
+          <a:prstGeom prst="rect">
+            <a:avLst/>
+          </a:prstGeom>
+        </p:spPr>
+      </p:pic>
+      <p:sp>
+        <p:nvSpPr>
+          <p:cNvPr id="16" name="Freeform 11">
+            <a:extLst>
+              <a:ext uri="{FF2B5EF4-FFF2-40B4-BE49-F238E27FC236}">
+                <a16:creationId xmlns:a16="http://schemas.microsoft.com/office/drawing/2014/main" id="{7DE3414B-B032-4710-A468-D3285E38C5FF}"/>
+              </a:ext>
+              <a:ext uri="{C183D7F6-B498-43B3-948B-1728B52AA6E4}">
+                <adec:decorative xmlns:adec="http://schemas.microsoft.com/office/drawing/2017/decorative" val="1"/>
+              </a:ext>
+            </a:extLst>
+          </p:cNvPr>
+          <p:cNvSpPr>
+            <a:spLocks noGrp="1" noRot="1" noChangeAspect="1" noMove="1" noResize="1" noEditPoints="1" noAdjustHandles="1" noChangeArrowheads="1" noChangeShapeType="1" noTextEdit="1"/>
+          </p:cNvSpPr>
+          <p:nvPr>
+            <p:extLst>
+              <p:ext uri="{386F3935-93C4-4BCD-93E2-E3B085C9AB24}">
+                <p16:designElem xmlns:p16="http://schemas.microsoft.com/office/powerpoint/2015/main" val="1"/>
+              </p:ext>
+            </p:extLst>
+          </p:nvPr>
+        </p:nvSpPr>
+        <p:spPr>
+          <a:xfrm>
+            <a:off x="-1" y="6061223"/>
+            <a:ext cx="1038036" cy="506277"/>
+          </a:xfrm>
+          <a:custGeom>
+            <a:avLst/>
+            <a:gdLst>
+              <a:gd name="connsiteX0" fmla="*/ 0 w 1038036"/>
+              <a:gd name="connsiteY0" fmla="*/ 0 h 506277"/>
+              <a:gd name="connsiteX1" fmla="*/ 182880 w 1038036"/>
+              <a:gd name="connsiteY1" fmla="*/ 0 h 506277"/>
+              <a:gd name="connsiteX2" fmla="*/ 291705 w 1038036"/>
+              <a:gd name="connsiteY2" fmla="*/ 0 h 506277"/>
+              <a:gd name="connsiteX3" fmla="*/ 291705 w 1038036"/>
+              <a:gd name="connsiteY3" fmla="*/ 151 h 506277"/>
+              <a:gd name="connsiteX4" fmla="*/ 692049 w 1038036"/>
+              <a:gd name="connsiteY4" fmla="*/ 705 h 506277"/>
+              <a:gd name="connsiteX5" fmla="*/ 782744 w 1038036"/>
+              <a:gd name="connsiteY5" fmla="*/ 705 h 506277"/>
+              <a:gd name="connsiteX6" fmla="*/ 797001 w 1038036"/>
+              <a:gd name="connsiteY6" fmla="*/ 5473 h 506277"/>
+              <a:gd name="connsiteX7" fmla="*/ 801982 w 1038036"/>
+              <a:gd name="connsiteY7" fmla="*/ 10242 h 506277"/>
+              <a:gd name="connsiteX8" fmla="*/ 1030951 w 1038036"/>
+              <a:gd name="connsiteY8" fmla="*/ 239185 h 506277"/>
+              <a:gd name="connsiteX9" fmla="*/ 1030951 w 1038036"/>
+              <a:gd name="connsiteY9" fmla="*/ 267797 h 506277"/>
+              <a:gd name="connsiteX10" fmla="*/ 801982 w 1038036"/>
+              <a:gd name="connsiteY10" fmla="*/ 496740 h 506277"/>
+              <a:gd name="connsiteX11" fmla="*/ 797001 w 1038036"/>
+              <a:gd name="connsiteY11" fmla="*/ 501508 h 506277"/>
+              <a:gd name="connsiteX12" fmla="*/ 782744 w 1038036"/>
+              <a:gd name="connsiteY12" fmla="*/ 506277 h 506277"/>
+              <a:gd name="connsiteX13" fmla="*/ 692049 w 1038036"/>
+              <a:gd name="connsiteY13" fmla="*/ 506277 h 506277"/>
+              <a:gd name="connsiteX14" fmla="*/ 291705 w 1038036"/>
+              <a:gd name="connsiteY14" fmla="*/ 505140 h 506277"/>
+              <a:gd name="connsiteX15" fmla="*/ 291705 w 1038036"/>
+              <a:gd name="connsiteY15" fmla="*/ 506277 h 506277"/>
+              <a:gd name="connsiteX16" fmla="*/ 0 w 1038036"/>
+              <a:gd name="connsiteY16" fmla="*/ 506277 h 506277"/>
+            </a:gdLst>
+            <a:ahLst/>
+            <a:cxnLst>
+              <a:cxn ang="0">
+                <a:pos x="connsiteX0" y="connsiteY0"/>
+              </a:cxn>
+              <a:cxn ang="0">
+                <a:pos x="connsiteX1" y="connsiteY1"/>
+              </a:cxn>
+              <a:cxn ang="0">
+                <a:pos x="connsiteX2" y="connsiteY2"/>
+              </a:cxn>
+              <a:cxn ang="0">
+                <a:pos x="connsiteX3" y="connsiteY3"/>
+              </a:cxn>
+              <a:cxn ang="0">
+                <a:pos x="connsiteX4" y="connsiteY4"/>
+              </a:cxn>
+              <a:cxn ang="0">
+                <a:pos x="connsiteX5" y="connsiteY5"/>
+              </a:cxn>
+              <a:cxn ang="0">
+                <a:pos x="connsiteX6" y="connsiteY6"/>
+              </a:cxn>
+              <a:cxn ang="0">
+                <a:pos x="connsiteX7" y="connsiteY7"/>
+              </a:cxn>
+              <a:cxn ang="0">
+                <a:pos x="connsiteX8" y="connsiteY8"/>
+              </a:cxn>
+              <a:cxn ang="0">
+                <a:pos x="connsiteX9" y="connsiteY9"/>
+              </a:cxn>
+              <a:cxn ang="0">
+                <a:pos x="connsiteX10" y="connsiteY10"/>
+              </a:cxn>
+              <a:cxn ang="0">
+                <a:pos x="connsiteX11" y="connsiteY11"/>
+              </a:cxn>
+              <a:cxn ang="0">
+                <a:pos x="connsiteX12" y="connsiteY12"/>
+              </a:cxn>
+              <a:cxn ang="0">
+                <a:pos x="connsiteX13" y="connsiteY13"/>
+              </a:cxn>
+              <a:cxn ang="0">
+                <a:pos x="connsiteX14" y="connsiteY14"/>
+              </a:cxn>
+              <a:cxn ang="0">
+                <a:pos x="connsiteX15" y="connsiteY15"/>
+              </a:cxn>
+              <a:cxn ang="0">
+                <a:pos x="connsiteX16" y="connsiteY16"/>
+              </a:cxn>
+            </a:cxnLst>
+            <a:rect l="l" t="t" r="r" b="b"/>
+            <a:pathLst>
+              <a:path w="1038036" h="506277">
+                <a:moveTo>
+                  <a:pt x="0" y="0"/>
+                </a:moveTo>
+                <a:lnTo>
+                  <a:pt x="182880" y="0"/>
+                </a:lnTo>
+                <a:lnTo>
+                  <a:pt x="291705" y="0"/>
+                </a:lnTo>
+                <a:lnTo>
+                  <a:pt x="291705" y="151"/>
+                </a:lnTo>
+                <a:lnTo>
+                  <a:pt x="692049" y="705"/>
+                </a:lnTo>
+                <a:lnTo>
+                  <a:pt x="782744" y="705"/>
+                </a:lnTo>
+                <a:cubicBezTo>
+                  <a:pt x="787553" y="705"/>
+                  <a:pt x="792363" y="5473"/>
+                  <a:pt x="797001" y="5473"/>
+                </a:cubicBezTo>
+                <a:cubicBezTo>
+                  <a:pt x="797001" y="10242"/>
+                  <a:pt x="801982" y="10242"/>
+                  <a:pt x="801982" y="10242"/>
+                </a:cubicBezTo>
+                <a:lnTo>
+                  <a:pt x="1030951" y="239185"/>
+                </a:lnTo>
+                <a:cubicBezTo>
+                  <a:pt x="1040398" y="248722"/>
+                  <a:pt x="1040398" y="258259"/>
+                  <a:pt x="1030951" y="267797"/>
+                </a:cubicBezTo>
+                <a:lnTo>
+                  <a:pt x="801982" y="496740"/>
+                </a:lnTo>
+                <a:cubicBezTo>
+                  <a:pt x="800436" y="498363"/>
+                  <a:pt x="798547" y="499885"/>
+                  <a:pt x="797001" y="501508"/>
+                </a:cubicBezTo>
+                <a:cubicBezTo>
+                  <a:pt x="792363" y="506277"/>
+                  <a:pt x="787553" y="506277"/>
+                  <a:pt x="782744" y="506277"/>
+                </a:cubicBezTo>
+                <a:lnTo>
+                  <a:pt x="692049" y="506277"/>
+                </a:lnTo>
+                <a:lnTo>
+                  <a:pt x="291705" y="505140"/>
+                </a:lnTo>
+                <a:lnTo>
+                  <a:pt x="291705" y="506277"/>
+                </a:lnTo>
+                <a:lnTo>
+                  <a:pt x="0" y="506277"/>
+                </a:lnTo>
+                <a:close/>
+              </a:path>
+            </a:pathLst>
+          </a:custGeom>
+          <a:ln>
+            <a:noFill/>
+          </a:ln>
+        </p:spPr>
+        <p:style>
+          <a:lnRef idx="2">
+            <a:schemeClr val="accent1">
+              <a:shade val="50000"/>
+            </a:schemeClr>
+          </a:lnRef>
+          <a:fillRef idx="1">
+            <a:schemeClr val="accent1"/>
+          </a:fillRef>
+          <a:effectRef idx="0">
+            <a:schemeClr val="accent1"/>
+          </a:effectRef>
+          <a:fontRef idx="minor">
+            <a:schemeClr val="lt1"/>
+          </a:fontRef>
+        </p:style>
+        <p:txBody>
+          <a:bodyPr rtlCol="0" anchor="ctr"/>
+          <a:lstStyle/>
+          <a:p>
+            <a:pPr algn="ctr"/>
+            <a:endParaRPr lang="en-US"/>
+          </a:p>
+        </p:txBody>
+      </p:sp>
+      <p:sp>
+        <p:nvSpPr>
+          <p:cNvPr id="4" name="スライド番号プレースホルダー 3">
+            <a:extLst>
+              <a:ext uri="{FF2B5EF4-FFF2-40B4-BE49-F238E27FC236}">
+                <a16:creationId xmlns:a16="http://schemas.microsoft.com/office/drawing/2014/main" id="{5CAE6E08-D125-49DE-8CB0-92BAD414431E}"/>
+              </a:ext>
+            </a:extLst>
+          </p:cNvPr>
+          <p:cNvSpPr>
+            <a:spLocks noGrp="1"/>
+          </p:cNvSpPr>
+          <p:nvPr>
+            <p:ph type="sldNum" sz="quarter" idx="12"/>
+          </p:nvPr>
+        </p:nvSpPr>
+        <p:spPr/>
+        <p:txBody>
+          <a:bodyPr/>
+          <a:lstStyle/>
+          <a:p>
+            <a:fld id="{EEF0CD42-B27A-436B-8D8B-4B5243D0CCC4}" type="slidenum">
+              <a:rPr kumimoji="1" lang="ja-JP" altLang="en-US" smtClean="0"/>
+              <a:t>10</a:t>
+            </a:fld>
+            <a:endParaRPr kumimoji="1" lang="ja-JP" altLang="en-US"/>
+          </a:p>
+        </p:txBody>
+      </p:sp>
+    </p:spTree>
+    <p:extLst>
+      <p:ext uri="{BB962C8B-B14F-4D97-AF65-F5344CB8AC3E}">
+        <p14:creationId xmlns:p14="http://schemas.microsoft.com/office/powerpoint/2010/main" val="3977072571"/>
+      </p:ext>
+    </p:extLst>
+  </p:cSld>
+  <p:clrMapOvr>
+    <a:masterClrMapping/>
+  </p:clrMapOvr>
+</p:sld>
+</file>
+
+<file path=ppt/slides/slide11.xml><?xml version="1.0" encoding="utf-8"?>
 <p:sld xmlns:a="http://schemas.openxmlformats.org/drawingml/2006/main" xmlns:r="http://schemas.openxmlformats.org/officeDocument/2006/relationships" xmlns:p="http://schemas.openxmlformats.org/presentationml/2006/main">
   <p:cSld>
     <p:spTree>
@@ -11764,6 +12588,35 @@
           </p:sp>
         </mc:Fallback>
       </mc:AlternateContent>
+      <p:sp>
+        <p:nvSpPr>
+          <p:cNvPr id="5" name="スライド番号プレースホルダー 4">
+            <a:extLst>
+              <a:ext uri="{FF2B5EF4-FFF2-40B4-BE49-F238E27FC236}">
+                <a16:creationId xmlns:a16="http://schemas.microsoft.com/office/drawing/2014/main" id="{BD65A90E-CD00-45AE-9754-94E3A1FF28B0}"/>
+              </a:ext>
+            </a:extLst>
+          </p:cNvPr>
+          <p:cNvSpPr>
+            <a:spLocks noGrp="1"/>
+          </p:cNvSpPr>
+          <p:nvPr>
+            <p:ph type="sldNum" sz="quarter" idx="12"/>
+          </p:nvPr>
+        </p:nvSpPr>
+        <p:spPr/>
+        <p:txBody>
+          <a:bodyPr/>
+          <a:lstStyle/>
+          <a:p>
+            <a:fld id="{EEF0CD42-B27A-436B-8D8B-4B5243D0CCC4}" type="slidenum">
+              <a:rPr kumimoji="1" lang="ja-JP" altLang="en-US" smtClean="0"/>
+              <a:t>11</a:t>
+            </a:fld>
+            <a:endParaRPr kumimoji="1" lang="ja-JP" altLang="en-US"/>
+          </a:p>
+        </p:txBody>
+      </p:sp>
     </p:spTree>
     <p:extLst>
       <p:ext uri="{BB962C8B-B14F-4D97-AF65-F5344CB8AC3E}">
@@ -11777,7 +12630,7 @@
 </p:sld>
 </file>
 
-<file path=ppt/slides/slide11.xml><?xml version="1.0" encoding="utf-8"?>
+<file path=ppt/slides/slide12.xml><?xml version="1.0" encoding="utf-8"?>
 <p:sld xmlns:a="http://schemas.openxmlformats.org/drawingml/2006/main" xmlns:r="http://schemas.openxmlformats.org/officeDocument/2006/relationships" xmlns:p="http://schemas.openxmlformats.org/presentationml/2006/main">
   <p:cSld>
     <p:spTree>
@@ -12090,6 +12943,35 @@
           </a:p>
         </p:txBody>
       </p:sp>
+      <p:sp>
+        <p:nvSpPr>
+          <p:cNvPr id="5" name="スライド番号プレースホルダー 4">
+            <a:extLst>
+              <a:ext uri="{FF2B5EF4-FFF2-40B4-BE49-F238E27FC236}">
+                <a16:creationId xmlns:a16="http://schemas.microsoft.com/office/drawing/2014/main" id="{6C527716-6BB8-47A8-82B5-D76089C30775}"/>
+              </a:ext>
+            </a:extLst>
+          </p:cNvPr>
+          <p:cNvSpPr>
+            <a:spLocks noGrp="1"/>
+          </p:cNvSpPr>
+          <p:nvPr>
+            <p:ph type="sldNum" sz="quarter" idx="12"/>
+          </p:nvPr>
+        </p:nvSpPr>
+        <p:spPr/>
+        <p:txBody>
+          <a:bodyPr/>
+          <a:lstStyle/>
+          <a:p>
+            <a:fld id="{EEF0CD42-B27A-436B-8D8B-4B5243D0CCC4}" type="slidenum">
+              <a:rPr kumimoji="1" lang="ja-JP" altLang="en-US" smtClean="0"/>
+              <a:t>12</a:t>
+            </a:fld>
+            <a:endParaRPr kumimoji="1" lang="ja-JP" altLang="en-US"/>
+          </a:p>
+        </p:txBody>
+      </p:sp>
     </p:spTree>
     <p:extLst>
       <p:ext uri="{BB962C8B-B14F-4D97-AF65-F5344CB8AC3E}">
@@ -12103,7 +12985,7 @@
 </p:sld>
 </file>
 
-<file path=ppt/slides/slide12.xml><?xml version="1.0" encoding="utf-8"?>
+<file path=ppt/slides/slide13.xml><?xml version="1.0" encoding="utf-8"?>
 <p:sld xmlns:a="http://schemas.openxmlformats.org/drawingml/2006/main" xmlns:r="http://schemas.openxmlformats.org/officeDocument/2006/relationships" xmlns:p="http://schemas.openxmlformats.org/presentationml/2006/main">
   <p:cSld>
     <p:bg>
@@ -12473,8 +13355,8 @@
         </p:blipFill>
         <p:spPr>
           <a:xfrm>
-            <a:off x="4619543" y="640080"/>
-            <a:ext cx="6953577" cy="5252773"/>
+            <a:off x="4629955" y="640080"/>
+            <a:ext cx="6943166" cy="5252773"/>
           </a:xfrm>
           <a:prstGeom prst="rect">
             <a:avLst/>
@@ -12698,6 +13580,35 @@
           </a:p>
         </p:txBody>
       </p:sp>
+      <p:sp>
+        <p:nvSpPr>
+          <p:cNvPr id="4" name="スライド番号プレースホルダー 3">
+            <a:extLst>
+              <a:ext uri="{FF2B5EF4-FFF2-40B4-BE49-F238E27FC236}">
+                <a16:creationId xmlns:a16="http://schemas.microsoft.com/office/drawing/2014/main" id="{5F7F6462-EEAE-4163-9628-5FAA54D9C420}"/>
+              </a:ext>
+            </a:extLst>
+          </p:cNvPr>
+          <p:cNvSpPr>
+            <a:spLocks noGrp="1"/>
+          </p:cNvSpPr>
+          <p:nvPr>
+            <p:ph type="sldNum" sz="quarter" idx="12"/>
+          </p:nvPr>
+        </p:nvSpPr>
+        <p:spPr/>
+        <p:txBody>
+          <a:bodyPr/>
+          <a:lstStyle/>
+          <a:p>
+            <a:fld id="{EEF0CD42-B27A-436B-8D8B-4B5243D0CCC4}" type="slidenum">
+              <a:rPr kumimoji="1" lang="ja-JP" altLang="en-US" smtClean="0"/>
+              <a:t>13</a:t>
+            </a:fld>
+            <a:endParaRPr kumimoji="1" lang="ja-JP" altLang="en-US"/>
+          </a:p>
+        </p:txBody>
+      </p:sp>
     </p:spTree>
     <p:extLst>
       <p:ext uri="{BB962C8B-B14F-4D97-AF65-F5344CB8AC3E}">
@@ -12711,7 +13622,7 @@
 </p:sld>
 </file>
 
-<file path=ppt/slides/slide13.xml><?xml version="1.0" encoding="utf-8"?>
+<file path=ppt/slides/slide14.xml><?xml version="1.0" encoding="utf-8"?>
 <p:sld xmlns:a="http://schemas.openxmlformats.org/drawingml/2006/main" xmlns:r="http://schemas.openxmlformats.org/officeDocument/2006/relationships" xmlns:p="http://schemas.openxmlformats.org/presentationml/2006/main">
   <p:cSld>
     <p:bg>
@@ -13255,6 +14166,35 @@
           </a:p>
         </p:txBody>
       </p:sp>
+      <p:sp>
+        <p:nvSpPr>
+          <p:cNvPr id="6" name="スライド番号プレースホルダー 5">
+            <a:extLst>
+              <a:ext uri="{FF2B5EF4-FFF2-40B4-BE49-F238E27FC236}">
+                <a16:creationId xmlns:a16="http://schemas.microsoft.com/office/drawing/2014/main" id="{8459EBF5-91C8-43E9-8FC4-E9C693413B86}"/>
+              </a:ext>
+            </a:extLst>
+          </p:cNvPr>
+          <p:cNvSpPr>
+            <a:spLocks noGrp="1"/>
+          </p:cNvSpPr>
+          <p:nvPr>
+            <p:ph type="sldNum" sz="quarter" idx="12"/>
+          </p:nvPr>
+        </p:nvSpPr>
+        <p:spPr/>
+        <p:txBody>
+          <a:bodyPr/>
+          <a:lstStyle/>
+          <a:p>
+            <a:fld id="{EEF0CD42-B27A-436B-8D8B-4B5243D0CCC4}" type="slidenum">
+              <a:rPr kumimoji="1" lang="ja-JP" altLang="en-US" smtClean="0"/>
+              <a:t>14</a:t>
+            </a:fld>
+            <a:endParaRPr kumimoji="1" lang="ja-JP" altLang="en-US"/>
+          </a:p>
+        </p:txBody>
+      </p:sp>
     </p:spTree>
     <p:extLst>
       <p:ext uri="{BB962C8B-B14F-4D97-AF65-F5344CB8AC3E}">
@@ -13268,7 +14208,7 @@
 </p:sld>
 </file>
 
-<file path=ppt/slides/slide14.xml><?xml version="1.0" encoding="utf-8"?>
+<file path=ppt/slides/slide15.xml><?xml version="1.0" encoding="utf-8"?>
 <p:sld xmlns:a="http://schemas.openxmlformats.org/drawingml/2006/main" xmlns:r="http://schemas.openxmlformats.org/officeDocument/2006/relationships" xmlns:p="http://schemas.openxmlformats.org/presentationml/2006/main">
   <p:cSld>
     <p:spTree>
@@ -13755,6 +14695,35 @@
           </p:sp>
         </mc:Fallback>
       </mc:AlternateContent>
+      <p:sp>
+        <p:nvSpPr>
+          <p:cNvPr id="5" name="スライド番号プレースホルダー 4">
+            <a:extLst>
+              <a:ext uri="{FF2B5EF4-FFF2-40B4-BE49-F238E27FC236}">
+                <a16:creationId xmlns:a16="http://schemas.microsoft.com/office/drawing/2014/main" id="{0321C524-05C3-405C-A080-A57AC25A2D94}"/>
+              </a:ext>
+            </a:extLst>
+          </p:cNvPr>
+          <p:cNvSpPr>
+            <a:spLocks noGrp="1"/>
+          </p:cNvSpPr>
+          <p:nvPr>
+            <p:ph type="sldNum" sz="quarter" idx="12"/>
+          </p:nvPr>
+        </p:nvSpPr>
+        <p:spPr/>
+        <p:txBody>
+          <a:bodyPr/>
+          <a:lstStyle/>
+          <a:p>
+            <a:fld id="{EEF0CD42-B27A-436B-8D8B-4B5243D0CCC4}" type="slidenum">
+              <a:rPr kumimoji="1" lang="ja-JP" altLang="en-US" smtClean="0"/>
+              <a:t>15</a:t>
+            </a:fld>
+            <a:endParaRPr kumimoji="1" lang="ja-JP" altLang="en-US"/>
+          </a:p>
+        </p:txBody>
+      </p:sp>
     </p:spTree>
     <p:extLst>
       <p:ext uri="{BB962C8B-B14F-4D97-AF65-F5344CB8AC3E}">
@@ -13768,7 +14737,7 @@
 </p:sld>
 </file>
 
-<file path=ppt/slides/slide15.xml><?xml version="1.0" encoding="utf-8"?>
+<file path=ppt/slides/slide16.xml><?xml version="1.0" encoding="utf-8"?>
 <p:sld xmlns:a="http://schemas.openxmlformats.org/drawingml/2006/main" xmlns:r="http://schemas.openxmlformats.org/officeDocument/2006/relationships" xmlns:p="http://schemas.openxmlformats.org/presentationml/2006/main">
   <p:cSld>
     <p:spTree>
@@ -13881,7 +14850,15 @@
             </a:pPr>
             <a:r>
               <a:rPr kumimoji="1" lang="ja-JP" altLang="en-US" sz="2400" b="1" dirty="0"/>
-              <a:t>・より短い期間で狭い領域での時系列データを分析する。</a:t>
+              <a:t>・より短い時間間隔で狭い領域</a:t>
+            </a:r>
+            <a:r>
+              <a:rPr kumimoji="1" lang="ja-JP" altLang="en-US" sz="2400" b="1"/>
+              <a:t>でのデータを集めて分析</a:t>
+            </a:r>
+            <a:r>
+              <a:rPr kumimoji="1" lang="ja-JP" altLang="en-US" sz="2400" b="1" dirty="0"/>
+              <a:t>する。</a:t>
             </a:r>
             <a:endParaRPr kumimoji="1" lang="en-US" altLang="ja-JP" sz="2400" b="1" dirty="0"/>
           </a:p>
@@ -13897,15 +14874,38 @@
             </a:pPr>
             <a:r>
               <a:rPr lang="ja-JP" altLang="en-US" sz="2400" b="1" dirty="0"/>
-              <a:t>・需要のあるデータでの分析をする。</a:t>
-            </a:r>
-            <a:endParaRPr kumimoji="1" lang="en-US" altLang="ja-JP" sz="2400" b="1" dirty="0"/>
-          </a:p>
-          <a:p>
-            <a:pPr marL="0" indent="0">
-              <a:buNone/>
-            </a:pPr>
+              <a:t>・上流側のデータと下流側のデータの関連性を明確にする。</a:t>
+            </a:r>
             <a:endParaRPr kumimoji="1" lang="ja-JP" altLang="en-US" sz="2400" dirty="0"/>
+          </a:p>
+        </p:txBody>
+      </p:sp>
+      <p:sp>
+        <p:nvSpPr>
+          <p:cNvPr id="5" name="スライド番号プレースホルダー 4">
+            <a:extLst>
+              <a:ext uri="{FF2B5EF4-FFF2-40B4-BE49-F238E27FC236}">
+                <a16:creationId xmlns:a16="http://schemas.microsoft.com/office/drawing/2014/main" id="{6E645607-6DC9-4EDE-84DC-A71C532C1D3B}"/>
+              </a:ext>
+            </a:extLst>
+          </p:cNvPr>
+          <p:cNvSpPr>
+            <a:spLocks noGrp="1"/>
+          </p:cNvSpPr>
+          <p:nvPr>
+            <p:ph type="sldNum" sz="quarter" idx="12"/>
+          </p:nvPr>
+        </p:nvSpPr>
+        <p:spPr/>
+        <p:txBody>
+          <a:bodyPr/>
+          <a:lstStyle/>
+          <a:p>
+            <a:fld id="{EEF0CD42-B27A-436B-8D8B-4B5243D0CCC4}" type="slidenum">
+              <a:rPr kumimoji="1" lang="ja-JP" altLang="en-US" smtClean="0"/>
+              <a:t>16</a:t>
+            </a:fld>
+            <a:endParaRPr kumimoji="1" lang="ja-JP" altLang="en-US"/>
           </a:p>
         </p:txBody>
       </p:sp>
@@ -13944,7 +14944,7 @@
           <p:cNvPr id="2" name="タイトル 1">
             <a:extLst>
               <a:ext uri="{FF2B5EF4-FFF2-40B4-BE49-F238E27FC236}">
-                <a16:creationId xmlns:a16="http://schemas.microsoft.com/office/drawing/2014/main" id="{7D37FF5A-078A-45C1-B49A-68F449CD1794}"/>
+                <a16:creationId xmlns:a16="http://schemas.microsoft.com/office/drawing/2014/main" id="{561768A2-9175-400E-A65F-6159E76538A6}"/>
               </a:ext>
             </a:extLst>
           </p:cNvPr>
@@ -13957,8 +14957,8 @@
         </p:nvSpPr>
         <p:spPr>
           <a:xfrm>
-            <a:off x="1640156" y="771595"/>
-            <a:ext cx="7523509" cy="654082"/>
+            <a:off x="1837551" y="743380"/>
+            <a:ext cx="8911687" cy="1280890"/>
           </a:xfrm>
         </p:spPr>
         <p:txBody>
@@ -13967,7 +14967,7 @@
           <a:p>
             <a:r>
               <a:rPr kumimoji="1" lang="ja-JP" altLang="en-US" dirty="0"/>
-              <a:t>時系列データとは？</a:t>
+              <a:t>目次</a:t>
             </a:r>
           </a:p>
         </p:txBody>
@@ -13977,7 +14977,7 @@
           <p:cNvPr id="3" name="コンテンツ プレースホルダー 2">
             <a:extLst>
               <a:ext uri="{FF2B5EF4-FFF2-40B4-BE49-F238E27FC236}">
-                <a16:creationId xmlns:a16="http://schemas.microsoft.com/office/drawing/2014/main" id="{6696C3B1-9422-4BC7-A54B-9C178B2BEF9B}"/>
+                <a16:creationId xmlns:a16="http://schemas.microsoft.com/office/drawing/2014/main" id="{96383390-3429-47F2-9BE6-A1975E1E2BC4}"/>
               </a:ext>
             </a:extLst>
           </p:cNvPr>
@@ -13990,8 +14990,8 @@
         </p:nvSpPr>
         <p:spPr>
           <a:xfrm>
-            <a:off x="1311018" y="1582994"/>
-            <a:ext cx="8915400" cy="1641987"/>
+            <a:off x="1247429" y="1676400"/>
+            <a:ext cx="8915400" cy="3777622"/>
           </a:xfrm>
         </p:spPr>
         <p:txBody>
@@ -14004,188 +15004,85 @@
               <a:buNone/>
             </a:pPr>
             <a:r>
-              <a:rPr kumimoji="1" lang="ja-JP" altLang="en-US" sz="2800" dirty="0"/>
-              <a:t>月や年などある一定の間隔でとられた一連のデータのことを言う。特徴として各間隔のデータは一回しか手に入らないということが挙げられる。</a:t>
-            </a:r>
-            <a:endParaRPr kumimoji="1" lang="en-US" altLang="ja-JP" sz="2800" dirty="0"/>
+              <a:rPr kumimoji="1" lang="ja-JP" altLang="en-US" sz="3600" dirty="0"/>
+              <a:t>・時系列データとは？</a:t>
+            </a:r>
+            <a:endParaRPr kumimoji="1" lang="en-US" altLang="ja-JP" sz="3600" dirty="0"/>
           </a:p>
           <a:p>
             <a:pPr marL="0" indent="0">
               <a:buNone/>
             </a:pPr>
-            <a:endParaRPr kumimoji="1" lang="en-US" altLang="ja-JP" dirty="0"/>
+            <a:r>
+              <a:rPr lang="ja-JP" altLang="en-US" sz="3600" dirty="0"/>
+              <a:t>・時系列データの構造</a:t>
+            </a:r>
+            <a:endParaRPr lang="en-US" altLang="ja-JP" sz="3600" dirty="0"/>
           </a:p>
           <a:p>
             <a:pPr marL="0" indent="0">
               <a:buNone/>
             </a:pPr>
-            <a:endParaRPr lang="en-US" altLang="ja-JP" dirty="0"/>
+            <a:r>
+              <a:rPr kumimoji="1" lang="ja-JP" altLang="en-US" sz="3600" dirty="0"/>
+              <a:t>・実際のデータ分析</a:t>
+            </a:r>
+            <a:endParaRPr kumimoji="1" lang="en-US" altLang="ja-JP" sz="3600" dirty="0"/>
           </a:p>
           <a:p>
             <a:pPr marL="0" indent="0">
               <a:buNone/>
             </a:pPr>
-            <a:endParaRPr lang="en-US" altLang="ja-JP" dirty="0"/>
+            <a:r>
+              <a:rPr lang="ja-JP" altLang="en-US" sz="3600" dirty="0"/>
+              <a:t>・予測値の評価</a:t>
+            </a:r>
+            <a:endParaRPr lang="en-US" altLang="ja-JP" sz="3600" dirty="0"/>
           </a:p>
           <a:p>
             <a:pPr marL="0" indent="0">
               <a:buNone/>
             </a:pPr>
-            <a:endParaRPr kumimoji="1" lang="en-US" altLang="ja-JP" dirty="0"/>
-          </a:p>
-          <a:p>
-            <a:pPr marL="0" indent="0">
-              <a:buNone/>
-            </a:pPr>
-            <a:endParaRPr lang="en-US" altLang="ja-JP" dirty="0"/>
-          </a:p>
-        </p:txBody>
-      </p:sp>
-      <p:sp>
-        <p:nvSpPr>
-          <p:cNvPr id="4" name="矢印: 下 3">
+            <a:r>
+              <a:rPr kumimoji="1" lang="ja-JP" altLang="en-US" sz="3600" dirty="0"/>
+              <a:t>・今後の展望</a:t>
+            </a:r>
+          </a:p>
+        </p:txBody>
+      </p:sp>
+      <p:sp>
+        <p:nvSpPr>
+          <p:cNvPr id="5" name="スライド番号プレースホルダー 4">
             <a:extLst>
               <a:ext uri="{FF2B5EF4-FFF2-40B4-BE49-F238E27FC236}">
-                <a16:creationId xmlns:a16="http://schemas.microsoft.com/office/drawing/2014/main" id="{A365B8FD-F8BE-4126-83E1-1DBD0A583488}"/>
+                <a16:creationId xmlns:a16="http://schemas.microsoft.com/office/drawing/2014/main" id="{45A8648E-77FC-4817-B10C-FCED1598A6D7}"/>
               </a:ext>
             </a:extLst>
           </p:cNvPr>
-          <p:cNvSpPr/>
-          <p:nvPr/>
-        </p:nvSpPr>
-        <p:spPr>
-          <a:xfrm>
-            <a:off x="3722255" y="3192983"/>
-            <a:ext cx="1180821" cy="978396"/>
-          </a:xfrm>
-          <a:prstGeom prst="downArrow">
-            <a:avLst/>
-          </a:prstGeom>
-        </p:spPr>
-        <p:style>
-          <a:lnRef idx="2">
-            <a:schemeClr val="accent1">
-              <a:shade val="50000"/>
-            </a:schemeClr>
-          </a:lnRef>
-          <a:fillRef idx="1">
-            <a:schemeClr val="accent1"/>
-          </a:fillRef>
-          <a:effectRef idx="0">
-            <a:schemeClr val="accent1"/>
-          </a:effectRef>
-          <a:fontRef idx="minor">
-            <a:schemeClr val="lt1"/>
-          </a:fontRef>
-        </p:style>
-        <p:txBody>
-          <a:bodyPr rtlCol="0" anchor="ctr"/>
+          <p:cNvSpPr>
+            <a:spLocks noGrp="1"/>
+          </p:cNvSpPr>
+          <p:nvPr>
+            <p:ph type="sldNum" sz="quarter" idx="12"/>
+          </p:nvPr>
+        </p:nvSpPr>
+        <p:spPr/>
+        <p:txBody>
+          <a:bodyPr/>
           <a:lstStyle/>
           <a:p>
-            <a:pPr algn="ctr"/>
+            <a:fld id="{EEF0CD42-B27A-436B-8D8B-4B5243D0CCC4}" type="slidenum">
+              <a:rPr kumimoji="1" lang="ja-JP" altLang="en-US" smtClean="0"/>
+              <a:t>2</a:t>
+            </a:fld>
             <a:endParaRPr kumimoji="1" lang="ja-JP" altLang="en-US"/>
-          </a:p>
-        </p:txBody>
-      </p:sp>
-      <p:sp>
-        <p:nvSpPr>
-          <p:cNvPr id="7" name="テキスト ボックス 6">
-            <a:extLst>
-              <a:ext uri="{FF2B5EF4-FFF2-40B4-BE49-F238E27FC236}">
-                <a16:creationId xmlns:a16="http://schemas.microsoft.com/office/drawing/2014/main" id="{DA4DE1FE-A196-40A6-AA1C-3054E1971DBA}"/>
-              </a:ext>
-            </a:extLst>
-          </p:cNvPr>
-          <p:cNvSpPr txBox="1"/>
-          <p:nvPr/>
-        </p:nvSpPr>
-        <p:spPr>
-          <a:xfrm>
-            <a:off x="1311018" y="4396374"/>
-            <a:ext cx="8830237" cy="1815882"/>
-          </a:xfrm>
-          <a:prstGeom prst="rect">
-            <a:avLst/>
-          </a:prstGeom>
-          <a:noFill/>
-        </p:spPr>
-        <p:txBody>
-          <a:bodyPr wrap="square" rtlCol="0">
-            <a:spAutoFit/>
-          </a:bodyPr>
-          <a:lstStyle/>
-          <a:p>
-            <a:pPr algn="ctr"/>
-            <a:r>
-              <a:rPr kumimoji="1" lang="ja-JP" altLang="en-US" sz="2800" dirty="0"/>
-              <a:t>ある日の気温はある確率分布に従っていて</a:t>
-            </a:r>
-            <a:endParaRPr kumimoji="1" lang="en-US" altLang="ja-JP" sz="2800" dirty="0"/>
-          </a:p>
-          <a:p>
-            <a:pPr algn="ctr"/>
-            <a:r>
-              <a:rPr kumimoji="1" lang="ja-JP" altLang="en-US" sz="2800" dirty="0"/>
-              <a:t>観測されたデータはその確率分布から</a:t>
-            </a:r>
-            <a:endParaRPr kumimoji="1" lang="en-US" altLang="ja-JP" sz="2800" dirty="0"/>
-          </a:p>
-          <a:p>
-            <a:pPr algn="ctr"/>
-            <a:r>
-              <a:rPr kumimoji="1" lang="ja-JP" altLang="en-US" sz="2800" dirty="0"/>
-              <a:t>確率的に得られた実現値と考える。</a:t>
-            </a:r>
-            <a:endParaRPr kumimoji="1" lang="en-US" altLang="ja-JP" sz="2800" dirty="0"/>
-          </a:p>
-          <a:p>
-            <a:pPr algn="ctr"/>
-            <a:r>
-              <a:rPr kumimoji="1" lang="ja-JP" altLang="en-US" sz="2800" dirty="0"/>
-              <a:t>そして母集団の平均や分散を推測していく。</a:t>
-            </a:r>
-          </a:p>
-        </p:txBody>
-      </p:sp>
-      <p:sp>
-        <p:nvSpPr>
-          <p:cNvPr id="8" name="テキスト ボックス 7">
-            <a:extLst>
-              <a:ext uri="{FF2B5EF4-FFF2-40B4-BE49-F238E27FC236}">
-                <a16:creationId xmlns:a16="http://schemas.microsoft.com/office/drawing/2014/main" id="{F4F9B105-65B9-405A-8314-58AC6D16033D}"/>
-              </a:ext>
-            </a:extLst>
-          </p:cNvPr>
-          <p:cNvSpPr txBox="1"/>
-          <p:nvPr/>
-        </p:nvSpPr>
-        <p:spPr>
-          <a:xfrm>
-            <a:off x="5195629" y="3418921"/>
-            <a:ext cx="4945626" cy="369332"/>
-          </a:xfrm>
-          <a:prstGeom prst="rect">
-            <a:avLst/>
-          </a:prstGeom>
-          <a:noFill/>
-        </p:spPr>
-        <p:txBody>
-          <a:bodyPr wrap="square" rtlCol="0">
-            <a:spAutoFit/>
-          </a:bodyPr>
-          <a:lstStyle/>
-          <a:p>
-            <a:r>
-              <a:rPr kumimoji="1" lang="ja-JP" altLang="en-US" dirty="0"/>
-              <a:t>どのように時系列データを取り扱っていくか</a:t>
-            </a:r>
           </a:p>
         </p:txBody>
       </p:sp>
     </p:spTree>
     <p:extLst>
       <p:ext uri="{BB962C8B-B14F-4D97-AF65-F5344CB8AC3E}">
-        <p14:creationId xmlns:p14="http://schemas.microsoft.com/office/powerpoint/2010/main" val="2638157318"/>
+        <p14:creationId xmlns:p14="http://schemas.microsoft.com/office/powerpoint/2010/main" val="4253669998"/>
       </p:ext>
     </p:extLst>
   </p:cSld>
@@ -14217,6 +15114,308 @@
           <p:cNvPr id="2" name="タイトル 1">
             <a:extLst>
               <a:ext uri="{FF2B5EF4-FFF2-40B4-BE49-F238E27FC236}">
+                <a16:creationId xmlns:a16="http://schemas.microsoft.com/office/drawing/2014/main" id="{7D37FF5A-078A-45C1-B49A-68F449CD1794}"/>
+              </a:ext>
+            </a:extLst>
+          </p:cNvPr>
+          <p:cNvSpPr>
+            <a:spLocks noGrp="1"/>
+          </p:cNvSpPr>
+          <p:nvPr>
+            <p:ph type="title"/>
+          </p:nvPr>
+        </p:nvSpPr>
+        <p:spPr>
+          <a:xfrm>
+            <a:off x="1640156" y="771595"/>
+            <a:ext cx="7523509" cy="654082"/>
+          </a:xfrm>
+        </p:spPr>
+        <p:txBody>
+          <a:bodyPr/>
+          <a:lstStyle/>
+          <a:p>
+            <a:r>
+              <a:rPr kumimoji="1" lang="ja-JP" altLang="en-US" dirty="0"/>
+              <a:t>時系列データとは？</a:t>
+            </a:r>
+          </a:p>
+        </p:txBody>
+      </p:sp>
+      <p:sp>
+        <p:nvSpPr>
+          <p:cNvPr id="3" name="コンテンツ プレースホルダー 2">
+            <a:extLst>
+              <a:ext uri="{FF2B5EF4-FFF2-40B4-BE49-F238E27FC236}">
+                <a16:creationId xmlns:a16="http://schemas.microsoft.com/office/drawing/2014/main" id="{6696C3B1-9422-4BC7-A54B-9C178B2BEF9B}"/>
+              </a:ext>
+            </a:extLst>
+          </p:cNvPr>
+          <p:cNvSpPr>
+            <a:spLocks noGrp="1"/>
+          </p:cNvSpPr>
+          <p:nvPr>
+            <p:ph idx="1"/>
+          </p:nvPr>
+        </p:nvSpPr>
+        <p:spPr>
+          <a:xfrm>
+            <a:off x="1311018" y="1582994"/>
+            <a:ext cx="8915400" cy="1641987"/>
+          </a:xfrm>
+        </p:spPr>
+        <p:txBody>
+          <a:bodyPr>
+            <a:normAutofit/>
+          </a:bodyPr>
+          <a:lstStyle/>
+          <a:p>
+            <a:pPr marL="0" indent="0">
+              <a:buNone/>
+            </a:pPr>
+            <a:r>
+              <a:rPr kumimoji="1" lang="ja-JP" altLang="en-US" sz="2800" dirty="0"/>
+              <a:t>月や年などある一定の間隔でとられた一連のデータのことを言う。特徴として各間隔のデータは一回しか手に入らないということが挙げられる。</a:t>
+            </a:r>
+            <a:endParaRPr kumimoji="1" lang="en-US" altLang="ja-JP" sz="2800" dirty="0"/>
+          </a:p>
+          <a:p>
+            <a:pPr marL="0" indent="0">
+              <a:buNone/>
+            </a:pPr>
+            <a:endParaRPr kumimoji="1" lang="en-US" altLang="ja-JP" dirty="0"/>
+          </a:p>
+          <a:p>
+            <a:pPr marL="0" indent="0">
+              <a:buNone/>
+            </a:pPr>
+            <a:endParaRPr lang="en-US" altLang="ja-JP" dirty="0"/>
+          </a:p>
+          <a:p>
+            <a:pPr marL="0" indent="0">
+              <a:buNone/>
+            </a:pPr>
+            <a:endParaRPr lang="en-US" altLang="ja-JP" dirty="0"/>
+          </a:p>
+          <a:p>
+            <a:pPr marL="0" indent="0">
+              <a:buNone/>
+            </a:pPr>
+            <a:endParaRPr kumimoji="1" lang="en-US" altLang="ja-JP" dirty="0"/>
+          </a:p>
+          <a:p>
+            <a:pPr marL="0" indent="0">
+              <a:buNone/>
+            </a:pPr>
+            <a:endParaRPr lang="en-US" altLang="ja-JP" dirty="0"/>
+          </a:p>
+        </p:txBody>
+      </p:sp>
+      <p:sp>
+        <p:nvSpPr>
+          <p:cNvPr id="4" name="矢印: 下 3">
+            <a:extLst>
+              <a:ext uri="{FF2B5EF4-FFF2-40B4-BE49-F238E27FC236}">
+                <a16:creationId xmlns:a16="http://schemas.microsoft.com/office/drawing/2014/main" id="{A365B8FD-F8BE-4126-83E1-1DBD0A583488}"/>
+              </a:ext>
+            </a:extLst>
+          </p:cNvPr>
+          <p:cNvSpPr/>
+          <p:nvPr/>
+        </p:nvSpPr>
+        <p:spPr>
+          <a:xfrm>
+            <a:off x="3722255" y="3192983"/>
+            <a:ext cx="1180821" cy="978396"/>
+          </a:xfrm>
+          <a:prstGeom prst="downArrow">
+            <a:avLst/>
+          </a:prstGeom>
+        </p:spPr>
+        <p:style>
+          <a:lnRef idx="2">
+            <a:schemeClr val="accent1">
+              <a:shade val="50000"/>
+            </a:schemeClr>
+          </a:lnRef>
+          <a:fillRef idx="1">
+            <a:schemeClr val="accent1"/>
+          </a:fillRef>
+          <a:effectRef idx="0">
+            <a:schemeClr val="accent1"/>
+          </a:effectRef>
+          <a:fontRef idx="minor">
+            <a:schemeClr val="lt1"/>
+          </a:fontRef>
+        </p:style>
+        <p:txBody>
+          <a:bodyPr rtlCol="0" anchor="ctr"/>
+          <a:lstStyle/>
+          <a:p>
+            <a:pPr algn="ctr"/>
+            <a:endParaRPr kumimoji="1" lang="ja-JP" altLang="en-US"/>
+          </a:p>
+        </p:txBody>
+      </p:sp>
+      <p:sp>
+        <p:nvSpPr>
+          <p:cNvPr id="7" name="テキスト ボックス 6">
+            <a:extLst>
+              <a:ext uri="{FF2B5EF4-FFF2-40B4-BE49-F238E27FC236}">
+                <a16:creationId xmlns:a16="http://schemas.microsoft.com/office/drawing/2014/main" id="{DA4DE1FE-A196-40A6-AA1C-3054E1971DBA}"/>
+              </a:ext>
+            </a:extLst>
+          </p:cNvPr>
+          <p:cNvSpPr txBox="1"/>
+          <p:nvPr/>
+        </p:nvSpPr>
+        <p:spPr>
+          <a:xfrm>
+            <a:off x="1311018" y="4396374"/>
+            <a:ext cx="8830237" cy="1815882"/>
+          </a:xfrm>
+          <a:prstGeom prst="rect">
+            <a:avLst/>
+          </a:prstGeom>
+          <a:noFill/>
+        </p:spPr>
+        <p:txBody>
+          <a:bodyPr wrap="square" rtlCol="0">
+            <a:spAutoFit/>
+          </a:bodyPr>
+          <a:lstStyle/>
+          <a:p>
+            <a:pPr algn="ctr"/>
+            <a:r>
+              <a:rPr kumimoji="1" lang="ja-JP" altLang="en-US" sz="2800" dirty="0"/>
+              <a:t>ある日の気温はある確率分布に従っていて</a:t>
+            </a:r>
+            <a:endParaRPr kumimoji="1" lang="en-US" altLang="ja-JP" sz="2800" dirty="0"/>
+          </a:p>
+          <a:p>
+            <a:pPr algn="ctr"/>
+            <a:r>
+              <a:rPr kumimoji="1" lang="ja-JP" altLang="en-US" sz="2800" dirty="0"/>
+              <a:t>観測されたデータはその確率分布から</a:t>
+            </a:r>
+            <a:endParaRPr kumimoji="1" lang="en-US" altLang="ja-JP" sz="2800" dirty="0"/>
+          </a:p>
+          <a:p>
+            <a:pPr algn="ctr"/>
+            <a:r>
+              <a:rPr kumimoji="1" lang="ja-JP" altLang="en-US" sz="2800" dirty="0"/>
+              <a:t>確率的に得られた実現値と考える。</a:t>
+            </a:r>
+            <a:endParaRPr kumimoji="1" lang="en-US" altLang="ja-JP" sz="2800" dirty="0"/>
+          </a:p>
+          <a:p>
+            <a:pPr algn="ctr"/>
+            <a:r>
+              <a:rPr kumimoji="1" lang="ja-JP" altLang="en-US" sz="2800" dirty="0"/>
+              <a:t>そして母集団の平均や分散を推測していく。</a:t>
+            </a:r>
+          </a:p>
+        </p:txBody>
+      </p:sp>
+      <p:sp>
+        <p:nvSpPr>
+          <p:cNvPr id="8" name="テキスト ボックス 7">
+            <a:extLst>
+              <a:ext uri="{FF2B5EF4-FFF2-40B4-BE49-F238E27FC236}">
+                <a16:creationId xmlns:a16="http://schemas.microsoft.com/office/drawing/2014/main" id="{F4F9B105-65B9-405A-8314-58AC6D16033D}"/>
+              </a:ext>
+            </a:extLst>
+          </p:cNvPr>
+          <p:cNvSpPr txBox="1"/>
+          <p:nvPr/>
+        </p:nvSpPr>
+        <p:spPr>
+          <a:xfrm>
+            <a:off x="5195629" y="3418921"/>
+            <a:ext cx="4945626" cy="369332"/>
+          </a:xfrm>
+          <a:prstGeom prst="rect">
+            <a:avLst/>
+          </a:prstGeom>
+          <a:noFill/>
+        </p:spPr>
+        <p:txBody>
+          <a:bodyPr wrap="square" rtlCol="0">
+            <a:spAutoFit/>
+          </a:bodyPr>
+          <a:lstStyle/>
+          <a:p>
+            <a:r>
+              <a:rPr kumimoji="1" lang="ja-JP" altLang="en-US" dirty="0"/>
+              <a:t>どのように時系列データを取り扱っていくか</a:t>
+            </a:r>
+          </a:p>
+        </p:txBody>
+      </p:sp>
+      <p:sp>
+        <p:nvSpPr>
+          <p:cNvPr id="6" name="スライド番号プレースホルダー 5">
+            <a:extLst>
+              <a:ext uri="{FF2B5EF4-FFF2-40B4-BE49-F238E27FC236}">
+                <a16:creationId xmlns:a16="http://schemas.microsoft.com/office/drawing/2014/main" id="{4DEC6287-20D9-495D-9DAD-7AC4775595E6}"/>
+              </a:ext>
+            </a:extLst>
+          </p:cNvPr>
+          <p:cNvSpPr>
+            <a:spLocks noGrp="1"/>
+          </p:cNvSpPr>
+          <p:nvPr>
+            <p:ph type="sldNum" sz="quarter" idx="12"/>
+          </p:nvPr>
+        </p:nvSpPr>
+        <p:spPr/>
+        <p:txBody>
+          <a:bodyPr/>
+          <a:lstStyle/>
+          <a:p>
+            <a:fld id="{EEF0CD42-B27A-436B-8D8B-4B5243D0CCC4}" type="slidenum">
+              <a:rPr kumimoji="1" lang="ja-JP" altLang="en-US" smtClean="0"/>
+              <a:t>3</a:t>
+            </a:fld>
+            <a:endParaRPr kumimoji="1" lang="ja-JP" altLang="en-US"/>
+          </a:p>
+        </p:txBody>
+      </p:sp>
+    </p:spTree>
+    <p:extLst>
+      <p:ext uri="{BB962C8B-B14F-4D97-AF65-F5344CB8AC3E}">
+        <p14:creationId xmlns:p14="http://schemas.microsoft.com/office/powerpoint/2010/main" val="2638157318"/>
+      </p:ext>
+    </p:extLst>
+  </p:cSld>
+  <p:clrMapOvr>
+    <a:masterClrMapping/>
+  </p:clrMapOvr>
+</p:sld>
+</file>
+
+<file path=ppt/slides/slide4.xml><?xml version="1.0" encoding="utf-8"?>
+<p:sld xmlns:a="http://schemas.openxmlformats.org/drawingml/2006/main" xmlns:r="http://schemas.openxmlformats.org/officeDocument/2006/relationships" xmlns:p="http://schemas.openxmlformats.org/presentationml/2006/main">
+  <p:cSld>
+    <p:spTree>
+      <p:nvGrpSpPr>
+        <p:cNvPr id="1" name=""/>
+        <p:cNvGrpSpPr/>
+        <p:nvPr/>
+      </p:nvGrpSpPr>
+      <p:grpSpPr>
+        <a:xfrm>
+          <a:off x="0" y="0"/>
+          <a:ext cx="0" cy="0"/>
+          <a:chOff x="0" y="0"/>
+          <a:chExt cx="0" cy="0"/>
+        </a:xfrm>
+      </p:grpSpPr>
+      <p:sp>
+        <p:nvSpPr>
+          <p:cNvPr id="2" name="タイトル 1">
+            <a:extLst>
+              <a:ext uri="{FF2B5EF4-FFF2-40B4-BE49-F238E27FC236}">
                 <a16:creationId xmlns:a16="http://schemas.microsoft.com/office/drawing/2014/main" id="{25AAFDBF-B493-444F-B88E-3BD575D86AB4}"/>
               </a:ext>
             </a:extLst>
@@ -14474,6 +15673,35 @@
           </a:p>
         </p:txBody>
       </p:sp>
+      <p:sp>
+        <p:nvSpPr>
+          <p:cNvPr id="7" name="スライド番号プレースホルダー 6">
+            <a:extLst>
+              <a:ext uri="{FF2B5EF4-FFF2-40B4-BE49-F238E27FC236}">
+                <a16:creationId xmlns:a16="http://schemas.microsoft.com/office/drawing/2014/main" id="{E5D2F411-24C1-4F1F-84C1-CEC8306FEA87}"/>
+              </a:ext>
+            </a:extLst>
+          </p:cNvPr>
+          <p:cNvSpPr>
+            <a:spLocks noGrp="1"/>
+          </p:cNvSpPr>
+          <p:nvPr>
+            <p:ph type="sldNum" sz="quarter" idx="12"/>
+          </p:nvPr>
+        </p:nvSpPr>
+        <p:spPr/>
+        <p:txBody>
+          <a:bodyPr/>
+          <a:lstStyle/>
+          <a:p>
+            <a:fld id="{EEF0CD42-B27A-436B-8D8B-4B5243D0CCC4}" type="slidenum">
+              <a:rPr kumimoji="1" lang="ja-JP" altLang="en-US" smtClean="0"/>
+              <a:t>4</a:t>
+            </a:fld>
+            <a:endParaRPr kumimoji="1" lang="ja-JP" altLang="en-US"/>
+          </a:p>
+        </p:txBody>
+      </p:sp>
     </p:spTree>
     <p:extLst>
       <p:ext uri="{BB962C8B-B14F-4D97-AF65-F5344CB8AC3E}">
@@ -14487,7 +15715,7 @@
 </p:sld>
 </file>
 
-<file path=ppt/slides/slide4.xml><?xml version="1.0" encoding="utf-8"?>
+<file path=ppt/slides/slide5.xml><?xml version="1.0" encoding="utf-8"?>
 <p:sld xmlns:a="http://schemas.openxmlformats.org/drawingml/2006/main" xmlns:r="http://schemas.openxmlformats.org/officeDocument/2006/relationships" xmlns:p="http://schemas.openxmlformats.org/presentationml/2006/main">
   <p:cSld>
     <p:spTree>
@@ -15221,6 +16449,35 @@
           </a:p>
         </p:txBody>
       </p:sp>
+      <p:sp>
+        <p:nvSpPr>
+          <p:cNvPr id="7" name="スライド番号プレースホルダー 6">
+            <a:extLst>
+              <a:ext uri="{FF2B5EF4-FFF2-40B4-BE49-F238E27FC236}">
+                <a16:creationId xmlns:a16="http://schemas.microsoft.com/office/drawing/2014/main" id="{45DAA18C-C4C0-49C0-8F94-325414762415}"/>
+              </a:ext>
+            </a:extLst>
+          </p:cNvPr>
+          <p:cNvSpPr>
+            <a:spLocks noGrp="1"/>
+          </p:cNvSpPr>
+          <p:nvPr>
+            <p:ph type="sldNum" sz="quarter" idx="12"/>
+          </p:nvPr>
+        </p:nvSpPr>
+        <p:spPr/>
+        <p:txBody>
+          <a:bodyPr/>
+          <a:lstStyle/>
+          <a:p>
+            <a:fld id="{EEF0CD42-B27A-436B-8D8B-4B5243D0CCC4}" type="slidenum">
+              <a:rPr kumimoji="1" lang="ja-JP" altLang="en-US" smtClean="0"/>
+              <a:t>5</a:t>
+            </a:fld>
+            <a:endParaRPr kumimoji="1" lang="ja-JP" altLang="en-US"/>
+          </a:p>
+        </p:txBody>
+      </p:sp>
     </p:spTree>
     <p:extLst>
       <p:ext uri="{BB962C8B-B14F-4D97-AF65-F5344CB8AC3E}">
@@ -15234,7 +16491,7 @@
 </p:sld>
 </file>
 
-<file path=ppt/slides/slide5.xml><?xml version="1.0" encoding="utf-8"?>
+<file path=ppt/slides/slide6.xml><?xml version="1.0" encoding="utf-8"?>
 <p:sld xmlns:a="http://schemas.openxmlformats.org/drawingml/2006/main" xmlns:r="http://schemas.openxmlformats.org/officeDocument/2006/relationships" xmlns:p="http://schemas.openxmlformats.org/presentationml/2006/main">
   <p:cSld>
     <p:spTree>
@@ -15363,6 +16620,35 @@
           </a:p>
         </p:txBody>
       </p:sp>
+      <p:sp>
+        <p:nvSpPr>
+          <p:cNvPr id="5" name="スライド番号プレースホルダー 4">
+            <a:extLst>
+              <a:ext uri="{FF2B5EF4-FFF2-40B4-BE49-F238E27FC236}">
+                <a16:creationId xmlns:a16="http://schemas.microsoft.com/office/drawing/2014/main" id="{5FE6F4A4-C02A-4133-BB95-FDA4DA004CC0}"/>
+              </a:ext>
+            </a:extLst>
+          </p:cNvPr>
+          <p:cNvSpPr>
+            <a:spLocks noGrp="1"/>
+          </p:cNvSpPr>
+          <p:nvPr>
+            <p:ph type="sldNum" sz="quarter" idx="12"/>
+          </p:nvPr>
+        </p:nvSpPr>
+        <p:spPr/>
+        <p:txBody>
+          <a:bodyPr/>
+          <a:lstStyle/>
+          <a:p>
+            <a:fld id="{EEF0CD42-B27A-436B-8D8B-4B5243D0CCC4}" type="slidenum">
+              <a:rPr kumimoji="1" lang="ja-JP" altLang="en-US" smtClean="0"/>
+              <a:t>6</a:t>
+            </a:fld>
+            <a:endParaRPr kumimoji="1" lang="ja-JP" altLang="en-US"/>
+          </a:p>
+        </p:txBody>
+      </p:sp>
     </p:spTree>
     <p:extLst>
       <p:ext uri="{BB962C8B-B14F-4D97-AF65-F5344CB8AC3E}">
@@ -15376,7 +16662,7 @@
 </p:sld>
 </file>
 
-<file path=ppt/slides/slide6.xml><?xml version="1.0" encoding="utf-8"?>
+<file path=ppt/slides/slide7.xml><?xml version="1.0" encoding="utf-8"?>
 <p:sld xmlns:a="http://schemas.openxmlformats.org/drawingml/2006/main" xmlns:r="http://schemas.openxmlformats.org/officeDocument/2006/relationships" xmlns:p="http://schemas.openxmlformats.org/presentationml/2006/main">
   <p:cSld>
     <p:spTree>
@@ -15604,163 +16890,39 @@
           </p:sp>
         </mc:Fallback>
       </mc:AlternateContent>
+      <p:sp>
+        <p:nvSpPr>
+          <p:cNvPr id="5" name="スライド番号プレースホルダー 4">
+            <a:extLst>
+              <a:ext uri="{FF2B5EF4-FFF2-40B4-BE49-F238E27FC236}">
+                <a16:creationId xmlns:a16="http://schemas.microsoft.com/office/drawing/2014/main" id="{06F03BAB-8FE2-486E-8779-7634C0A71B1A}"/>
+              </a:ext>
+            </a:extLst>
+          </p:cNvPr>
+          <p:cNvSpPr>
+            <a:spLocks noGrp="1"/>
+          </p:cNvSpPr>
+          <p:nvPr>
+            <p:ph type="sldNum" sz="quarter" idx="12"/>
+          </p:nvPr>
+        </p:nvSpPr>
+        <p:spPr/>
+        <p:txBody>
+          <a:bodyPr/>
+          <a:lstStyle/>
+          <a:p>
+            <a:fld id="{EEF0CD42-B27A-436B-8D8B-4B5243D0CCC4}" type="slidenum">
+              <a:rPr kumimoji="1" lang="ja-JP" altLang="en-US" smtClean="0"/>
+              <a:t>7</a:t>
+            </a:fld>
+            <a:endParaRPr kumimoji="1" lang="ja-JP" altLang="en-US"/>
+          </a:p>
+        </p:txBody>
+      </p:sp>
     </p:spTree>
     <p:extLst>
       <p:ext uri="{BB962C8B-B14F-4D97-AF65-F5344CB8AC3E}">
         <p14:creationId xmlns:p14="http://schemas.microsoft.com/office/powerpoint/2010/main" val="764287802"/>
-      </p:ext>
-    </p:extLst>
-  </p:cSld>
-  <p:clrMapOvr>
-    <a:masterClrMapping/>
-  </p:clrMapOvr>
-</p:sld>
-</file>
-
-<file path=ppt/slides/slide7.xml><?xml version="1.0" encoding="utf-8"?>
-<p:sld xmlns:a="http://schemas.openxmlformats.org/drawingml/2006/main" xmlns:r="http://schemas.openxmlformats.org/officeDocument/2006/relationships" xmlns:p="http://schemas.openxmlformats.org/presentationml/2006/main">
-  <p:cSld>
-    <p:spTree>
-      <p:nvGrpSpPr>
-        <p:cNvPr id="1" name=""/>
-        <p:cNvGrpSpPr/>
-        <p:nvPr/>
-      </p:nvGrpSpPr>
-      <p:grpSpPr>
-        <a:xfrm>
-          <a:off x="0" y="0"/>
-          <a:ext cx="0" cy="0"/>
-          <a:chOff x="0" y="0"/>
-          <a:chExt cx="0" cy="0"/>
-        </a:xfrm>
-      </p:grpSpPr>
-      <p:sp>
-        <p:nvSpPr>
-          <p:cNvPr id="2" name="タイトル 1">
-            <a:extLst>
-              <a:ext uri="{FF2B5EF4-FFF2-40B4-BE49-F238E27FC236}">
-                <a16:creationId xmlns:a16="http://schemas.microsoft.com/office/drawing/2014/main" id="{D4092662-8204-4831-88E5-C6235442DC87}"/>
-              </a:ext>
-            </a:extLst>
-          </p:cNvPr>
-          <p:cNvSpPr>
-            <a:spLocks noGrp="1"/>
-          </p:cNvSpPr>
-          <p:nvPr>
-            <p:ph type="title"/>
-          </p:nvPr>
-        </p:nvSpPr>
-        <p:spPr>
-          <a:xfrm>
-            <a:off x="1717855" y="692936"/>
-            <a:ext cx="8911687" cy="1280890"/>
-          </a:xfrm>
-        </p:spPr>
-        <p:txBody>
-          <a:bodyPr/>
-          <a:lstStyle/>
-          <a:p>
-            <a:r>
-              <a:rPr kumimoji="1" lang="ja-JP" altLang="en-US" dirty="0"/>
-              <a:t>時系列データの構造まとめ</a:t>
-            </a:r>
-          </a:p>
-        </p:txBody>
-      </p:sp>
-      <p:sp>
-        <p:nvSpPr>
-          <p:cNvPr id="3" name="コンテンツ プレースホルダー 2">
-            <a:extLst>
-              <a:ext uri="{FF2B5EF4-FFF2-40B4-BE49-F238E27FC236}">
-                <a16:creationId xmlns:a16="http://schemas.microsoft.com/office/drawing/2014/main" id="{79558A79-035C-45B9-A3BB-843AB780752E}"/>
-              </a:ext>
-            </a:extLst>
-          </p:cNvPr>
-          <p:cNvSpPr>
-            <a:spLocks noGrp="1"/>
-          </p:cNvSpPr>
-          <p:nvPr>
-            <p:ph idx="1"/>
-          </p:nvPr>
-        </p:nvSpPr>
-        <p:spPr>
-          <a:xfrm>
-            <a:off x="1006218" y="1759974"/>
-            <a:ext cx="8915400" cy="3777622"/>
-          </a:xfrm>
-        </p:spPr>
-        <p:txBody>
-          <a:bodyPr/>
-          <a:lstStyle/>
-          <a:p>
-            <a:pPr marL="0" indent="0">
-              <a:buNone/>
-            </a:pPr>
-            <a:r>
-              <a:rPr kumimoji="1" lang="ja-JP" altLang="en-US" sz="2800" dirty="0"/>
-              <a:t>時系列データ＝短期の自己相関</a:t>
-            </a:r>
-            <a:r>
-              <a:rPr kumimoji="1" lang="en-US" altLang="ja-JP" sz="2800" dirty="0"/>
-              <a:t>+</a:t>
-            </a:r>
-            <a:r>
-              <a:rPr kumimoji="1" lang="ja-JP" altLang="en-US" sz="2800" dirty="0"/>
-              <a:t>周期的変動</a:t>
-            </a:r>
-            <a:r>
-              <a:rPr lang="en-US" altLang="ja-JP" sz="2800" dirty="0"/>
-              <a:t>+</a:t>
-            </a:r>
-            <a:r>
-              <a:rPr lang="ja-JP" altLang="en-US" sz="2800" dirty="0"/>
-              <a:t>トレンド</a:t>
-            </a:r>
-            <a:endParaRPr lang="en-US" altLang="ja-JP" sz="2800" dirty="0"/>
-          </a:p>
-          <a:p>
-            <a:pPr marL="0" indent="0">
-              <a:buNone/>
-            </a:pPr>
-            <a:r>
-              <a:rPr lang="en-US" altLang="ja-JP" sz="2800" dirty="0"/>
-              <a:t>                          +</a:t>
-            </a:r>
-            <a:r>
-              <a:rPr lang="ja-JP" altLang="en-US" sz="2800" dirty="0"/>
-              <a:t>外因性</a:t>
-            </a:r>
-            <a:r>
-              <a:rPr lang="en-US" altLang="ja-JP" sz="2800" dirty="0"/>
-              <a:t>+</a:t>
-            </a:r>
-            <a:r>
-              <a:rPr lang="ja-JP" altLang="en-US" sz="2800" dirty="0"/>
-              <a:t>ホワイトノイズ</a:t>
-            </a:r>
-            <a:endParaRPr lang="en-US" altLang="ja-JP" sz="2800" dirty="0"/>
-          </a:p>
-          <a:p>
-            <a:pPr marL="0" indent="0">
-              <a:buNone/>
-            </a:pPr>
-            <a:endParaRPr lang="en-US" altLang="ja-JP" sz="2800" dirty="0"/>
-          </a:p>
-          <a:p>
-            <a:pPr marL="0" indent="0">
-              <a:buNone/>
-            </a:pPr>
-            <a:r>
-              <a:rPr kumimoji="1" lang="ja-JP" altLang="en-US" sz="2800" dirty="0"/>
-              <a:t>時系列データはこれらの要素に分解できるのでこれらの要素がどれくらいの影響があるのかを加味し将来のデータがどういう母集団から取られるデータなのかを推測する</a:t>
-            </a:r>
-          </a:p>
-        </p:txBody>
-      </p:sp>
-    </p:spTree>
-    <p:extLst>
-      <p:ext uri="{BB962C8B-B14F-4D97-AF65-F5344CB8AC3E}">
-        <p14:creationId xmlns:p14="http://schemas.microsoft.com/office/powerpoint/2010/main" val="2380172078"/>
       </p:ext>
     </p:extLst>
   </p:cSld>
@@ -15792,7 +16954,7 @@
           <p:cNvPr id="2" name="タイトル 1">
             <a:extLst>
               <a:ext uri="{FF2B5EF4-FFF2-40B4-BE49-F238E27FC236}">
-                <a16:creationId xmlns:a16="http://schemas.microsoft.com/office/drawing/2014/main" id="{EB7A7407-9486-4AFE-AB9D-6425FCECF98C}"/>
+                <a16:creationId xmlns:a16="http://schemas.microsoft.com/office/drawing/2014/main" id="{D4092662-8204-4831-88E5-C6235442DC87}"/>
               </a:ext>
             </a:extLst>
           </p:cNvPr>
@@ -15805,8 +16967,8 @@
         </p:nvSpPr>
         <p:spPr>
           <a:xfrm>
-            <a:off x="1642013" y="805152"/>
-            <a:ext cx="8911687" cy="958884"/>
+            <a:off x="1717855" y="692936"/>
+            <a:ext cx="8911687" cy="1280890"/>
           </a:xfrm>
         </p:spPr>
         <p:txBody>
@@ -15815,46 +16977,134 @@
           <a:p>
             <a:r>
               <a:rPr kumimoji="1" lang="ja-JP" altLang="en-US" dirty="0"/>
-              <a:t>実際のデータ分析</a:t>
-            </a:r>
-          </a:p>
-        </p:txBody>
-      </p:sp>
-      <p:graphicFrame>
-        <p:nvGraphicFramePr>
-          <p:cNvPr id="4" name="コンテンツ プレースホルダー 3">
+              <a:t>時系列データの構造まとめ</a:t>
+            </a:r>
+          </a:p>
+        </p:txBody>
+      </p:sp>
+      <p:sp>
+        <p:nvSpPr>
+          <p:cNvPr id="3" name="コンテンツ プレースホルダー 2">
             <a:extLst>
               <a:ext uri="{FF2B5EF4-FFF2-40B4-BE49-F238E27FC236}">
-                <a16:creationId xmlns:a16="http://schemas.microsoft.com/office/drawing/2014/main" id="{1B1F55C0-B16B-4F7E-9426-F57229324754}"/>
+                <a16:creationId xmlns:a16="http://schemas.microsoft.com/office/drawing/2014/main" id="{79558A79-035C-45B9-A3BB-843AB780752E}"/>
               </a:ext>
             </a:extLst>
           </p:cNvPr>
-          <p:cNvGraphicFramePr>
-            <a:graphicFrameLocks noGrp="1"/>
-          </p:cNvGraphicFramePr>
+          <p:cNvSpPr>
+            <a:spLocks noGrp="1"/>
+          </p:cNvSpPr>
           <p:nvPr>
             <p:ph idx="1"/>
-            <p:extLst>
-              <p:ext uri="{D42A27DB-BD31-4B8C-83A1-F6EECF244321}">
-                <p14:modId xmlns:p14="http://schemas.microsoft.com/office/powerpoint/2010/main" val="1340973103"/>
-              </p:ext>
-            </p:extLst>
-          </p:nvPr>
-        </p:nvGraphicFramePr>
-        <p:xfrm>
-          <a:off x="1308538" y="1836683"/>
-          <a:ext cx="9245162" cy="4289051"/>
-        </p:xfrm>
-        <a:graphic>
-          <a:graphicData uri="http://schemas.openxmlformats.org/drawingml/2006/chart">
-            <c:chart xmlns:c="http://schemas.openxmlformats.org/drawingml/2006/chart" xmlns:r="http://schemas.openxmlformats.org/officeDocument/2006/relationships" r:id="rId3"/>
-          </a:graphicData>
-        </a:graphic>
-      </p:graphicFrame>
+          </p:nvPr>
+        </p:nvSpPr>
+        <p:spPr>
+          <a:xfrm>
+            <a:off x="1006218" y="1759974"/>
+            <a:ext cx="8915400" cy="3777622"/>
+          </a:xfrm>
+        </p:spPr>
+        <p:txBody>
+          <a:bodyPr/>
+          <a:lstStyle/>
+          <a:p>
+            <a:pPr marL="0" indent="0">
+              <a:buNone/>
+            </a:pPr>
+            <a:r>
+              <a:rPr kumimoji="1" lang="ja-JP" altLang="en-US" sz="2800" dirty="0"/>
+              <a:t>時系列データ＝短期の自己相関</a:t>
+            </a:r>
+            <a:r>
+              <a:rPr kumimoji="1" lang="en-US" altLang="ja-JP" sz="2800" dirty="0"/>
+              <a:t>+</a:t>
+            </a:r>
+            <a:r>
+              <a:rPr kumimoji="1" lang="ja-JP" altLang="en-US" sz="2800" dirty="0"/>
+              <a:t>周期的変動</a:t>
+            </a:r>
+            <a:r>
+              <a:rPr lang="en-US" altLang="ja-JP" sz="2800" dirty="0"/>
+              <a:t>+</a:t>
+            </a:r>
+            <a:r>
+              <a:rPr lang="ja-JP" altLang="en-US" sz="2800" dirty="0"/>
+              <a:t>トレンド</a:t>
+            </a:r>
+            <a:endParaRPr lang="en-US" altLang="ja-JP" sz="2800" dirty="0"/>
+          </a:p>
+          <a:p>
+            <a:pPr marL="0" indent="0">
+              <a:buNone/>
+            </a:pPr>
+            <a:r>
+              <a:rPr lang="en-US" altLang="ja-JP" sz="2800" dirty="0"/>
+              <a:t>                          +</a:t>
+            </a:r>
+            <a:r>
+              <a:rPr lang="ja-JP" altLang="en-US" sz="2800" dirty="0"/>
+              <a:t>外因性</a:t>
+            </a:r>
+            <a:r>
+              <a:rPr lang="en-US" altLang="ja-JP" sz="2800" dirty="0"/>
+              <a:t>+</a:t>
+            </a:r>
+            <a:r>
+              <a:rPr lang="ja-JP" altLang="en-US" sz="2800" dirty="0"/>
+              <a:t>ホワイトノイズ</a:t>
+            </a:r>
+            <a:endParaRPr lang="en-US" altLang="ja-JP" sz="2800" dirty="0"/>
+          </a:p>
+          <a:p>
+            <a:pPr marL="0" indent="0">
+              <a:buNone/>
+            </a:pPr>
+            <a:endParaRPr lang="en-US" altLang="ja-JP" sz="2800" dirty="0"/>
+          </a:p>
+          <a:p>
+            <a:pPr marL="0" indent="0">
+              <a:buNone/>
+            </a:pPr>
+            <a:r>
+              <a:rPr kumimoji="1" lang="ja-JP" altLang="en-US" sz="2800" dirty="0"/>
+              <a:t>時系列データはこれらの要素に分解できるのでこれらの要素がどれくらいの影響があるのかを加味し将来のデータがどういう母集団から取られるデータなのかを推測する</a:t>
+            </a:r>
+          </a:p>
+        </p:txBody>
+      </p:sp>
+      <p:sp>
+        <p:nvSpPr>
+          <p:cNvPr id="5" name="スライド番号プレースホルダー 4">
+            <a:extLst>
+              <a:ext uri="{FF2B5EF4-FFF2-40B4-BE49-F238E27FC236}">
+                <a16:creationId xmlns:a16="http://schemas.microsoft.com/office/drawing/2014/main" id="{AFA354D9-B20F-4D61-91DA-0DBC4CD021A0}"/>
+              </a:ext>
+            </a:extLst>
+          </p:cNvPr>
+          <p:cNvSpPr>
+            <a:spLocks noGrp="1"/>
+          </p:cNvSpPr>
+          <p:nvPr>
+            <p:ph type="sldNum" sz="quarter" idx="12"/>
+          </p:nvPr>
+        </p:nvSpPr>
+        <p:spPr/>
+        <p:txBody>
+          <a:bodyPr/>
+          <a:lstStyle/>
+          <a:p>
+            <a:fld id="{EEF0CD42-B27A-436B-8D8B-4B5243D0CCC4}" type="slidenum">
+              <a:rPr kumimoji="1" lang="ja-JP" altLang="en-US" smtClean="0"/>
+              <a:t>8</a:t>
+            </a:fld>
+            <a:endParaRPr kumimoji="1" lang="ja-JP" altLang="en-US"/>
+          </a:p>
+        </p:txBody>
+      </p:sp>
     </p:spTree>
     <p:extLst>
       <p:ext uri="{BB962C8B-B14F-4D97-AF65-F5344CB8AC3E}">
-        <p14:creationId xmlns:p14="http://schemas.microsoft.com/office/powerpoint/2010/main" val="792399709"/>
+        <p14:creationId xmlns:p14="http://schemas.microsoft.com/office/powerpoint/2010/main" val="2380172078"/>
       </p:ext>
     </p:extLst>
   </p:cSld>
@@ -15867,32 +17117,6 @@
 <file path=ppt/slides/slide9.xml><?xml version="1.0" encoding="utf-8"?>
 <p:sld xmlns:a="http://schemas.openxmlformats.org/drawingml/2006/main" xmlns:r="http://schemas.openxmlformats.org/officeDocument/2006/relationships" xmlns:p="http://schemas.openxmlformats.org/presentationml/2006/main">
   <p:cSld>
-    <p:bg>
-      <p:bgPr>
-        <a:gradFill rotWithShape="1">
-          <a:gsLst>
-            <a:gs pos="0">
-              <a:schemeClr val="bg2">
-                <a:tint val="90000"/>
-                <a:satMod val="92000"/>
-                <a:lumMod val="120000"/>
-              </a:schemeClr>
-            </a:gs>
-            <a:gs pos="100000">
-              <a:schemeClr val="bg2">
-                <a:shade val="98000"/>
-                <a:satMod val="120000"/>
-                <a:lumMod val="98000"/>
-              </a:schemeClr>
-            </a:gs>
-          </a:gsLst>
-          <a:path path="circle">
-            <a:fillToRect l="50000" t="50000" r="100000" b="100000"/>
-          </a:path>
-        </a:gradFill>
-        <a:effectLst/>
-      </p:bgPr>
-    </p:bg>
     <p:spTree>
       <p:nvGrpSpPr>
         <p:cNvPr id="1" name=""/>
@@ -15907,72 +17131,139 @@
           <a:chExt cx="0" cy="0"/>
         </a:xfrm>
       </p:grpSpPr>
-      <p:sp useBgFill="1">
-        <p:nvSpPr>
-          <p:cNvPr id="12" name="Rectangle 11">
+      <p:sp>
+        <p:nvSpPr>
+          <p:cNvPr id="2" name="タイトル 1">
             <a:extLst>
               <a:ext uri="{FF2B5EF4-FFF2-40B4-BE49-F238E27FC236}">
-                <a16:creationId xmlns:a16="http://schemas.microsoft.com/office/drawing/2014/main" id="{3F4C104D-5F30-4811-9376-566B26E4719A}"/>
-              </a:ext>
-              <a:ext uri="{C183D7F6-B498-43B3-948B-1728B52AA6E4}">
-                <adec:decorative xmlns:adec="http://schemas.microsoft.com/office/drawing/2017/decorative" val="1"/>
+                <a16:creationId xmlns:a16="http://schemas.microsoft.com/office/drawing/2014/main" id="{EB7A7407-9486-4AFE-AB9D-6425FCECF98C}"/>
               </a:ext>
             </a:extLst>
           </p:cNvPr>
           <p:cNvSpPr>
-            <a:spLocks noGrp="1" noRot="1" noChangeAspect="1" noMove="1" noResize="1" noEditPoints="1" noAdjustHandles="1" noChangeArrowheads="1" noChangeShapeType="1" noTextEdit="1"/>
-          </p:cNvSpPr>
-          <p:nvPr>
+            <a:spLocks noGrp="1"/>
+          </p:cNvSpPr>
+          <p:nvPr>
+            <p:ph type="title"/>
+          </p:nvPr>
+        </p:nvSpPr>
+        <p:spPr>
+          <a:xfrm>
+            <a:off x="1642013" y="805152"/>
+            <a:ext cx="8911687" cy="958884"/>
+          </a:xfrm>
+        </p:spPr>
+        <p:txBody>
+          <a:bodyPr/>
+          <a:lstStyle/>
+          <a:p>
+            <a:r>
+              <a:rPr kumimoji="1" lang="ja-JP" altLang="en-US" dirty="0"/>
+              <a:t>実際のデータ分析</a:t>
+            </a:r>
+          </a:p>
+        </p:txBody>
+      </p:sp>
+      <p:graphicFrame>
+        <p:nvGraphicFramePr>
+          <p:cNvPr id="4" name="コンテンツ プレースホルダー 3">
+            <a:extLst>
+              <a:ext uri="{FF2B5EF4-FFF2-40B4-BE49-F238E27FC236}">
+                <a16:creationId xmlns:a16="http://schemas.microsoft.com/office/drawing/2014/main" id="{1B1F55C0-B16B-4F7E-9426-F57229324754}"/>
+              </a:ext>
+            </a:extLst>
+          </p:cNvPr>
+          <p:cNvGraphicFramePr>
+            <a:graphicFrameLocks noGrp="1"/>
+          </p:cNvGraphicFramePr>
+          <p:nvPr>
+            <p:ph idx="1"/>
             <p:extLst>
-              <p:ext uri="{386F3935-93C4-4BCD-93E2-E3B085C9AB24}">
-                <p16:designElem xmlns:p16="http://schemas.microsoft.com/office/powerpoint/2015/main" val="1"/>
+              <p:ext uri="{D42A27DB-BD31-4B8C-83A1-F6EECF244321}">
+                <p14:modId xmlns:p14="http://schemas.microsoft.com/office/powerpoint/2010/main" val="1177206088"/>
               </p:ext>
             </p:extLst>
           </p:nvPr>
+        </p:nvGraphicFramePr>
+        <p:xfrm>
+          <a:off x="1308538" y="1836683"/>
+          <a:ext cx="9146372" cy="3997675"/>
+        </p:xfrm>
+        <a:graphic>
+          <a:graphicData uri="http://schemas.openxmlformats.org/drawingml/2006/chart">
+            <c:chart xmlns:c="http://schemas.openxmlformats.org/drawingml/2006/chart" xmlns:r="http://schemas.openxmlformats.org/officeDocument/2006/relationships" r:id="rId3"/>
+          </a:graphicData>
+        </a:graphic>
+      </p:graphicFrame>
+      <p:sp>
+        <p:nvSpPr>
+          <p:cNvPr id="3" name="テキスト ボックス 2">
+            <a:extLst>
+              <a:ext uri="{FF2B5EF4-FFF2-40B4-BE49-F238E27FC236}">
+                <a16:creationId xmlns:a16="http://schemas.microsoft.com/office/drawing/2014/main" id="{F3EEB14E-271C-47D8-A596-31120E0D0DFC}"/>
+              </a:ext>
+            </a:extLst>
+          </p:cNvPr>
+          <p:cNvSpPr txBox="1"/>
+          <p:nvPr/>
         </p:nvSpPr>
         <p:spPr>
           <a:xfrm>
-            <a:off x="0" y="-786"/>
-            <a:ext cx="12192000" cy="6854038"/>
+            <a:off x="1755972" y="5908235"/>
+            <a:ext cx="7339476" cy="923330"/>
           </a:xfrm>
           <a:prstGeom prst="rect">
             <a:avLst/>
           </a:prstGeom>
-          <a:ln>
-            <a:noFill/>
-          </a:ln>
+          <a:noFill/>
         </p:spPr>
-        <p:style>
-          <a:lnRef idx="2">
-            <a:schemeClr val="accent1">
-              <a:shade val="50000"/>
-            </a:schemeClr>
-          </a:lnRef>
-          <a:fillRef idx="1">
-            <a:schemeClr val="accent1"/>
-          </a:fillRef>
-          <a:effectRef idx="0">
-            <a:schemeClr val="accent1"/>
-          </a:effectRef>
-          <a:fontRef idx="minor">
-            <a:schemeClr val="lt1"/>
-          </a:fontRef>
-        </p:style>
-        <p:txBody>
-          <a:bodyPr rtlCol="0" anchor="ctr"/>
+        <p:txBody>
+          <a:bodyPr wrap="square" rtlCol="0">
+            <a:spAutoFit/>
+          </a:bodyPr>
           <a:lstStyle/>
           <a:p>
-            <a:pPr algn="ctr"/>
-            <a:endParaRPr lang="en-US"/>
-          </a:p>
-        </p:txBody>
-      </p:sp>
-      <p:sp>
-        <p:nvSpPr>
-          <p:cNvPr id="2" name="タイトル 1">
+            <a:r>
+              <a:rPr kumimoji="1" lang="ja-JP" altLang="en-US" dirty="0"/>
+              <a:t>出典　</a:t>
+            </a:r>
+            <a:endParaRPr kumimoji="1" lang="en-US" altLang="ja-JP" dirty="0"/>
+          </a:p>
+          <a:p>
+            <a:r>
+              <a:rPr lang="zh-TW" altLang="en-US" dirty="0">
+                <a:hlinkClick r:id="rId4"/>
+              </a:rPr>
+              <a:t>東京二十三区清掃一部事務組合／清掃事業年報（令和</a:t>
+            </a:r>
+            <a:r>
+              <a:rPr lang="en-US" altLang="zh-TW" dirty="0">
+                <a:hlinkClick r:id="rId4"/>
+              </a:rPr>
+              <a:t>3</a:t>
+            </a:r>
+            <a:r>
+              <a:rPr lang="zh-TW" altLang="en-US" dirty="0">
+                <a:hlinkClick r:id="rId4"/>
+              </a:rPr>
+              <a:t>年度） </a:t>
+            </a:r>
+            <a:r>
+              <a:rPr lang="en-US" altLang="zh-TW" dirty="0">
+                <a:hlinkClick r:id="rId4"/>
+              </a:rPr>
+              <a:t>(tokyo23-seisou.lg.jp)</a:t>
+            </a:r>
+            <a:endParaRPr kumimoji="1" lang="ja-JP" altLang="en-US" dirty="0"/>
+          </a:p>
+        </p:txBody>
+      </p:sp>
+      <p:sp>
+        <p:nvSpPr>
+          <p:cNvPr id="6" name="スライド番号プレースホルダー 5">
             <a:extLst>
               <a:ext uri="{FF2B5EF4-FFF2-40B4-BE49-F238E27FC236}">
-                <a16:creationId xmlns:a16="http://schemas.microsoft.com/office/drawing/2014/main" id="{30EDDE81-7097-41E5-9F79-8AEA8B8F17A5}"/>
+                <a16:creationId xmlns:a16="http://schemas.microsoft.com/office/drawing/2014/main" id="{C2D416C3-438C-466E-A597-15F4DDB6D44F}"/>
               </a:ext>
             </a:extLst>
           </p:cNvPr>
@@ -15980,432 +17271,26 @@
             <a:spLocks noGrp="1"/>
           </p:cNvSpPr>
           <p:nvPr>
-            <p:ph type="title"/>
-          </p:nvPr>
-        </p:nvSpPr>
-        <p:spPr>
-          <a:xfrm>
-            <a:off x="649224" y="645106"/>
-            <a:ext cx="3650279" cy="1259894"/>
-          </a:xfrm>
-        </p:spPr>
-        <p:txBody>
-          <a:bodyPr>
-            <a:normAutofit/>
-          </a:bodyPr>
+            <p:ph type="sldNum" sz="quarter" idx="12"/>
+          </p:nvPr>
+        </p:nvSpPr>
+        <p:spPr/>
+        <p:txBody>
+          <a:bodyPr/>
           <a:lstStyle/>
           <a:p>
-            <a:r>
-              <a:rPr kumimoji="1" lang="ja-JP" altLang="en-US" dirty="0"/>
-              <a:t>実際のデータの分析</a:t>
-            </a:r>
-          </a:p>
-        </p:txBody>
-      </p:sp>
-      <p:sp>
-        <p:nvSpPr>
-          <p:cNvPr id="14" name="Rectangle 13">
-            <a:extLst>
-              <a:ext uri="{FF2B5EF4-FFF2-40B4-BE49-F238E27FC236}">
-                <a16:creationId xmlns:a16="http://schemas.microsoft.com/office/drawing/2014/main" id="{0815E34B-5D02-4E01-A936-E8E1C0AB6F12}"/>
-              </a:ext>
-              <a:ext uri="{C183D7F6-B498-43B3-948B-1728B52AA6E4}">
-                <adec:decorative xmlns:adec="http://schemas.microsoft.com/office/drawing/2017/decorative" val="1"/>
-              </a:ext>
-            </a:extLst>
-          </p:cNvPr>
-          <p:cNvSpPr>
-            <a:spLocks noGrp="1" noRot="1" noChangeAspect="1" noMove="1" noResize="1" noEditPoints="1" noAdjustHandles="1" noChangeArrowheads="1" noChangeShapeType="1" noTextEdit="1"/>
-          </p:cNvSpPr>
-          <p:nvPr>
-            <p:extLst>
-              <p:ext uri="{386F3935-93C4-4BCD-93E2-E3B085C9AB24}">
-                <p16:designElem xmlns:p16="http://schemas.microsoft.com/office/powerpoint/2015/main" val="1"/>
-              </p:ext>
-            </p:extLst>
-          </p:nvPr>
-        </p:nvSpPr>
-        <p:spPr>
-          <a:xfrm>
-            <a:off x="0" y="0"/>
-            <a:ext cx="182880" cy="6858000"/>
-          </a:xfrm>
-          <a:prstGeom prst="rect">
-            <a:avLst/>
-          </a:prstGeom>
-          <a:solidFill>
-            <a:schemeClr val="tx2"/>
-          </a:solidFill>
-          <a:ln>
-            <a:noFill/>
-          </a:ln>
-          <a:effectLst/>
-        </p:spPr>
-        <p:style>
-          <a:lnRef idx="1">
-            <a:schemeClr val="accent1"/>
-          </a:lnRef>
-          <a:fillRef idx="3">
-            <a:schemeClr val="accent1"/>
-          </a:fillRef>
-          <a:effectRef idx="2">
-            <a:schemeClr val="accent1"/>
-          </a:effectRef>
-          <a:fontRef idx="minor">
-            <a:schemeClr val="lt1"/>
-          </a:fontRef>
-        </p:style>
-      </p:sp>
-      <p:sp>
-        <p:nvSpPr>
-          <p:cNvPr id="9" name="Content Placeholder 8">
-            <a:extLst>
-              <a:ext uri="{FF2B5EF4-FFF2-40B4-BE49-F238E27FC236}">
-                <a16:creationId xmlns:a16="http://schemas.microsoft.com/office/drawing/2014/main" id="{15F28B7C-3EB3-A6C3-9770-C334F1D1F297}"/>
-              </a:ext>
-            </a:extLst>
-          </p:cNvPr>
-          <p:cNvSpPr>
-            <a:spLocks noGrp="1"/>
-          </p:cNvSpPr>
-          <p:nvPr>
-            <p:ph idx="1"/>
-          </p:nvPr>
-        </p:nvSpPr>
-        <p:spPr>
-          <a:xfrm>
-            <a:off x="649225" y="2133600"/>
-            <a:ext cx="3650278" cy="3759253"/>
-          </a:xfrm>
-        </p:spPr>
-        <p:txBody>
-          <a:bodyPr>
-            <a:normAutofit/>
-          </a:bodyPr>
-          <a:lstStyle/>
-          <a:p>
-            <a:pPr marL="0" indent="0">
-              <a:buNone/>
-            </a:pPr>
-            <a:r>
-              <a:rPr lang="ja-JP" altLang="en-US" dirty="0"/>
-              <a:t>先ほどの東京都のデータの各間隔の自己相関をグラフにしたもの。</a:t>
-            </a:r>
-            <a:endParaRPr lang="en-US" altLang="ja-JP" dirty="0"/>
-          </a:p>
-          <a:p>
-            <a:pPr marL="0" indent="0">
-              <a:buNone/>
-            </a:pPr>
-            <a:r>
-              <a:rPr lang="en-US" dirty="0"/>
-              <a:t>X</a:t>
-            </a:r>
-            <a:r>
-              <a:rPr lang="ja-JP" altLang="en-US" dirty="0"/>
-              <a:t>軸は原地点とどれくらいの地点離れているかを表している。</a:t>
-            </a:r>
-            <a:endParaRPr lang="en-US" altLang="ja-JP" dirty="0"/>
-          </a:p>
-          <a:p>
-            <a:pPr marL="0" indent="0">
-              <a:buNone/>
-            </a:pPr>
-            <a:r>
-              <a:rPr lang="en-US" dirty="0"/>
-              <a:t>0</a:t>
-            </a:r>
-            <a:r>
-              <a:rPr lang="ja-JP" altLang="en-US" dirty="0"/>
-              <a:t>の時の自己相関が</a:t>
-            </a:r>
-            <a:r>
-              <a:rPr lang="en-US" altLang="ja-JP" dirty="0"/>
-              <a:t>1</a:t>
-            </a:r>
-            <a:r>
-              <a:rPr lang="ja-JP" altLang="en-US" dirty="0"/>
-              <a:t>なのは自分自身で相関をとっているからである。</a:t>
-            </a:r>
-            <a:endParaRPr lang="en-US" altLang="ja-JP" dirty="0"/>
-          </a:p>
-          <a:p>
-            <a:pPr marL="0" indent="0">
-              <a:buNone/>
-            </a:pPr>
-            <a:r>
-              <a:rPr lang="ja-JP" altLang="en-US" dirty="0"/>
-              <a:t>これを見ると</a:t>
-            </a:r>
-            <a:r>
-              <a:rPr lang="en-US" altLang="ja-JP" dirty="0"/>
-              <a:t>12,24</a:t>
-            </a:r>
-            <a:r>
-              <a:rPr lang="ja-JP" altLang="en-US" dirty="0"/>
-              <a:t>で相関がみられる。</a:t>
-            </a:r>
-            <a:endParaRPr lang="en-US" dirty="0"/>
-          </a:p>
-        </p:txBody>
-      </p:sp>
-      <p:pic>
-        <p:nvPicPr>
-          <p:cNvPr id="5" name="コンテンツ プレースホルダー 4" descr="グラフ&#10;&#10;自動的に生成された説明">
-            <a:extLst>
-              <a:ext uri="{FF2B5EF4-FFF2-40B4-BE49-F238E27FC236}">
-                <a16:creationId xmlns:a16="http://schemas.microsoft.com/office/drawing/2014/main" id="{EBA868FC-402A-499E-9A90-402AE0FED074}"/>
-              </a:ext>
-            </a:extLst>
-          </p:cNvPr>
-          <p:cNvPicPr>
-            <a:picLocks noChangeAspect="1"/>
-          </p:cNvPicPr>
-          <p:nvPr/>
-        </p:nvPicPr>
-        <p:blipFill>
-          <a:blip r:embed="rId3">
-            <a:extLst>
-              <a:ext uri="{28A0092B-C50C-407E-A947-70E740481C1C}">
-                <a14:useLocalDpi xmlns:a14="http://schemas.microsoft.com/office/drawing/2010/main" val="0"/>
-              </a:ext>
-            </a:extLst>
-          </a:blip>
-          <a:stretch>
-            <a:fillRect/>
-          </a:stretch>
-        </p:blipFill>
-        <p:spPr>
-          <a:xfrm>
-            <a:off x="4619543" y="1067398"/>
-            <a:ext cx="6953577" cy="4398136"/>
-          </a:xfrm>
-          <a:prstGeom prst="rect">
-            <a:avLst/>
-          </a:prstGeom>
-        </p:spPr>
-      </p:pic>
-      <p:sp>
-        <p:nvSpPr>
-          <p:cNvPr id="16" name="Freeform 11">
-            <a:extLst>
-              <a:ext uri="{FF2B5EF4-FFF2-40B4-BE49-F238E27FC236}">
-                <a16:creationId xmlns:a16="http://schemas.microsoft.com/office/drawing/2014/main" id="{7DE3414B-B032-4710-A468-D3285E38C5FF}"/>
-              </a:ext>
-              <a:ext uri="{C183D7F6-B498-43B3-948B-1728B52AA6E4}">
-                <adec:decorative xmlns:adec="http://schemas.microsoft.com/office/drawing/2017/decorative" val="1"/>
-              </a:ext>
-            </a:extLst>
-          </p:cNvPr>
-          <p:cNvSpPr>
-            <a:spLocks noGrp="1" noRot="1" noChangeAspect="1" noMove="1" noResize="1" noEditPoints="1" noAdjustHandles="1" noChangeArrowheads="1" noChangeShapeType="1" noTextEdit="1"/>
-          </p:cNvSpPr>
-          <p:nvPr>
-            <p:extLst>
-              <p:ext uri="{386F3935-93C4-4BCD-93E2-E3B085C9AB24}">
-                <p16:designElem xmlns:p16="http://schemas.microsoft.com/office/powerpoint/2015/main" val="1"/>
-              </p:ext>
-            </p:extLst>
-          </p:nvPr>
-        </p:nvSpPr>
-        <p:spPr>
-          <a:xfrm>
-            <a:off x="-1" y="6061223"/>
-            <a:ext cx="1038036" cy="506277"/>
-          </a:xfrm>
-          <a:custGeom>
-            <a:avLst/>
-            <a:gdLst>
-              <a:gd name="connsiteX0" fmla="*/ 0 w 1038036"/>
-              <a:gd name="connsiteY0" fmla="*/ 0 h 506277"/>
-              <a:gd name="connsiteX1" fmla="*/ 182880 w 1038036"/>
-              <a:gd name="connsiteY1" fmla="*/ 0 h 506277"/>
-              <a:gd name="connsiteX2" fmla="*/ 291705 w 1038036"/>
-              <a:gd name="connsiteY2" fmla="*/ 0 h 506277"/>
-              <a:gd name="connsiteX3" fmla="*/ 291705 w 1038036"/>
-              <a:gd name="connsiteY3" fmla="*/ 151 h 506277"/>
-              <a:gd name="connsiteX4" fmla="*/ 692049 w 1038036"/>
-              <a:gd name="connsiteY4" fmla="*/ 705 h 506277"/>
-              <a:gd name="connsiteX5" fmla="*/ 782744 w 1038036"/>
-              <a:gd name="connsiteY5" fmla="*/ 705 h 506277"/>
-              <a:gd name="connsiteX6" fmla="*/ 797001 w 1038036"/>
-              <a:gd name="connsiteY6" fmla="*/ 5473 h 506277"/>
-              <a:gd name="connsiteX7" fmla="*/ 801982 w 1038036"/>
-              <a:gd name="connsiteY7" fmla="*/ 10242 h 506277"/>
-              <a:gd name="connsiteX8" fmla="*/ 1030951 w 1038036"/>
-              <a:gd name="connsiteY8" fmla="*/ 239185 h 506277"/>
-              <a:gd name="connsiteX9" fmla="*/ 1030951 w 1038036"/>
-              <a:gd name="connsiteY9" fmla="*/ 267797 h 506277"/>
-              <a:gd name="connsiteX10" fmla="*/ 801982 w 1038036"/>
-              <a:gd name="connsiteY10" fmla="*/ 496740 h 506277"/>
-              <a:gd name="connsiteX11" fmla="*/ 797001 w 1038036"/>
-              <a:gd name="connsiteY11" fmla="*/ 501508 h 506277"/>
-              <a:gd name="connsiteX12" fmla="*/ 782744 w 1038036"/>
-              <a:gd name="connsiteY12" fmla="*/ 506277 h 506277"/>
-              <a:gd name="connsiteX13" fmla="*/ 692049 w 1038036"/>
-              <a:gd name="connsiteY13" fmla="*/ 506277 h 506277"/>
-              <a:gd name="connsiteX14" fmla="*/ 291705 w 1038036"/>
-              <a:gd name="connsiteY14" fmla="*/ 505140 h 506277"/>
-              <a:gd name="connsiteX15" fmla="*/ 291705 w 1038036"/>
-              <a:gd name="connsiteY15" fmla="*/ 506277 h 506277"/>
-              <a:gd name="connsiteX16" fmla="*/ 0 w 1038036"/>
-              <a:gd name="connsiteY16" fmla="*/ 506277 h 506277"/>
-            </a:gdLst>
-            <a:ahLst/>
-            <a:cxnLst>
-              <a:cxn ang="0">
-                <a:pos x="connsiteX0" y="connsiteY0"/>
-              </a:cxn>
-              <a:cxn ang="0">
-                <a:pos x="connsiteX1" y="connsiteY1"/>
-              </a:cxn>
-              <a:cxn ang="0">
-                <a:pos x="connsiteX2" y="connsiteY2"/>
-              </a:cxn>
-              <a:cxn ang="0">
-                <a:pos x="connsiteX3" y="connsiteY3"/>
-              </a:cxn>
-              <a:cxn ang="0">
-                <a:pos x="connsiteX4" y="connsiteY4"/>
-              </a:cxn>
-              <a:cxn ang="0">
-                <a:pos x="connsiteX5" y="connsiteY5"/>
-              </a:cxn>
-              <a:cxn ang="0">
-                <a:pos x="connsiteX6" y="connsiteY6"/>
-              </a:cxn>
-              <a:cxn ang="0">
-                <a:pos x="connsiteX7" y="connsiteY7"/>
-              </a:cxn>
-              <a:cxn ang="0">
-                <a:pos x="connsiteX8" y="connsiteY8"/>
-              </a:cxn>
-              <a:cxn ang="0">
-                <a:pos x="connsiteX9" y="connsiteY9"/>
-              </a:cxn>
-              <a:cxn ang="0">
-                <a:pos x="connsiteX10" y="connsiteY10"/>
-              </a:cxn>
-              <a:cxn ang="0">
-                <a:pos x="connsiteX11" y="connsiteY11"/>
-              </a:cxn>
-              <a:cxn ang="0">
-                <a:pos x="connsiteX12" y="connsiteY12"/>
-              </a:cxn>
-              <a:cxn ang="0">
-                <a:pos x="connsiteX13" y="connsiteY13"/>
-              </a:cxn>
-              <a:cxn ang="0">
-                <a:pos x="connsiteX14" y="connsiteY14"/>
-              </a:cxn>
-              <a:cxn ang="0">
-                <a:pos x="connsiteX15" y="connsiteY15"/>
-              </a:cxn>
-              <a:cxn ang="0">
-                <a:pos x="connsiteX16" y="connsiteY16"/>
-              </a:cxn>
-            </a:cxnLst>
-            <a:rect l="l" t="t" r="r" b="b"/>
-            <a:pathLst>
-              <a:path w="1038036" h="506277">
-                <a:moveTo>
-                  <a:pt x="0" y="0"/>
-                </a:moveTo>
-                <a:lnTo>
-                  <a:pt x="182880" y="0"/>
-                </a:lnTo>
-                <a:lnTo>
-                  <a:pt x="291705" y="0"/>
-                </a:lnTo>
-                <a:lnTo>
-                  <a:pt x="291705" y="151"/>
-                </a:lnTo>
-                <a:lnTo>
-                  <a:pt x="692049" y="705"/>
-                </a:lnTo>
-                <a:lnTo>
-                  <a:pt x="782744" y="705"/>
-                </a:lnTo>
-                <a:cubicBezTo>
-                  <a:pt x="787553" y="705"/>
-                  <a:pt x="792363" y="5473"/>
-                  <a:pt x="797001" y="5473"/>
-                </a:cubicBezTo>
-                <a:cubicBezTo>
-                  <a:pt x="797001" y="10242"/>
-                  <a:pt x="801982" y="10242"/>
-                  <a:pt x="801982" y="10242"/>
-                </a:cubicBezTo>
-                <a:lnTo>
-                  <a:pt x="1030951" y="239185"/>
-                </a:lnTo>
-                <a:cubicBezTo>
-                  <a:pt x="1040398" y="248722"/>
-                  <a:pt x="1040398" y="258259"/>
-                  <a:pt x="1030951" y="267797"/>
-                </a:cubicBezTo>
-                <a:lnTo>
-                  <a:pt x="801982" y="496740"/>
-                </a:lnTo>
-                <a:cubicBezTo>
-                  <a:pt x="800436" y="498363"/>
-                  <a:pt x="798547" y="499885"/>
-                  <a:pt x="797001" y="501508"/>
-                </a:cubicBezTo>
-                <a:cubicBezTo>
-                  <a:pt x="792363" y="506277"/>
-                  <a:pt x="787553" y="506277"/>
-                  <a:pt x="782744" y="506277"/>
-                </a:cubicBezTo>
-                <a:lnTo>
-                  <a:pt x="692049" y="506277"/>
-                </a:lnTo>
-                <a:lnTo>
-                  <a:pt x="291705" y="505140"/>
-                </a:lnTo>
-                <a:lnTo>
-                  <a:pt x="291705" y="506277"/>
-                </a:lnTo>
-                <a:lnTo>
-                  <a:pt x="0" y="506277"/>
-                </a:lnTo>
-                <a:close/>
-              </a:path>
-            </a:pathLst>
-          </a:custGeom>
-          <a:ln>
-            <a:noFill/>
-          </a:ln>
-        </p:spPr>
-        <p:style>
-          <a:lnRef idx="2">
-            <a:schemeClr val="accent1">
-              <a:shade val="50000"/>
-            </a:schemeClr>
-          </a:lnRef>
-          <a:fillRef idx="1">
-            <a:schemeClr val="accent1"/>
-          </a:fillRef>
-          <a:effectRef idx="0">
-            <a:schemeClr val="accent1"/>
-          </a:effectRef>
-          <a:fontRef idx="minor">
-            <a:schemeClr val="lt1"/>
-          </a:fontRef>
-        </p:style>
-        <p:txBody>
-          <a:bodyPr rtlCol="0" anchor="ctr"/>
-          <a:lstStyle/>
-          <a:p>
-            <a:pPr algn="ctr"/>
-            <a:endParaRPr lang="en-US"/>
+            <a:fld id="{EEF0CD42-B27A-436B-8D8B-4B5243D0CCC4}" type="slidenum">
+              <a:rPr kumimoji="1" lang="ja-JP" altLang="en-US" smtClean="0"/>
+              <a:t>9</a:t>
+            </a:fld>
+            <a:endParaRPr kumimoji="1" lang="ja-JP" altLang="en-US"/>
           </a:p>
         </p:txBody>
       </p:sp>
     </p:spTree>
     <p:extLst>
       <p:ext uri="{BB962C8B-B14F-4D97-AF65-F5344CB8AC3E}">
-        <p14:creationId xmlns:p14="http://schemas.microsoft.com/office/powerpoint/2010/main" val="3977072571"/>
+        <p14:creationId xmlns:p14="http://schemas.microsoft.com/office/powerpoint/2010/main" val="792399709"/>
       </p:ext>
     </p:extLst>
   </p:cSld>
